--- a/Intro to LightBurn.pptx
+++ b/Intro to LightBurn.pptx
@@ -5,7 +5,7 @@
     <p:sldMasterId id="2147483845" r:id="rId1"/>
   </p:sldMasterIdLst>
   <p:notesMasterIdLst>
-    <p:notesMasterId r:id="rId24"/>
+    <p:notesMasterId r:id="rId31"/>
   </p:notesMasterIdLst>
   <p:sldIdLst>
     <p:sldId id="256" r:id="rId2"/>
@@ -22,14 +22,21 @@
     <p:sldId id="268" r:id="rId13"/>
     <p:sldId id="269" r:id="rId14"/>
     <p:sldId id="270" r:id="rId15"/>
-    <p:sldId id="267" r:id="rId16"/>
-    <p:sldId id="272" r:id="rId17"/>
-    <p:sldId id="273" r:id="rId18"/>
-    <p:sldId id="274" r:id="rId19"/>
-    <p:sldId id="275" r:id="rId20"/>
-    <p:sldId id="276" r:id="rId21"/>
-    <p:sldId id="277" r:id="rId22"/>
-    <p:sldId id="260" r:id="rId23"/>
+    <p:sldId id="272" r:id="rId16"/>
+    <p:sldId id="273" r:id="rId17"/>
+    <p:sldId id="274" r:id="rId18"/>
+    <p:sldId id="275" r:id="rId19"/>
+    <p:sldId id="278" r:id="rId20"/>
+    <p:sldId id="280" r:id="rId21"/>
+    <p:sldId id="281" r:id="rId22"/>
+    <p:sldId id="279" r:id="rId23"/>
+    <p:sldId id="282" r:id="rId24"/>
+    <p:sldId id="283" r:id="rId25"/>
+    <p:sldId id="284" r:id="rId26"/>
+    <p:sldId id="285" r:id="rId27"/>
+    <p:sldId id="286" r:id="rId28"/>
+    <p:sldId id="276" r:id="rId29"/>
+    <p:sldId id="277" r:id="rId30"/>
   </p:sldIdLst>
   <p:sldSz cx="9144000" cy="6858000" type="letter"/>
   <p:notesSz cx="9144000" cy="6858000"/>
@@ -130,7 +137,7 @@
   </p:defaultTextStyle>
   <p:extLst>
     <p:ext uri="{EFAFB233-063F-42B5-8137-9DF3F51BA10A}">
-      <p15:sldGuideLst xmlns="" xmlns:p15="http://schemas.microsoft.com/office/powerpoint/2012/main"/>
+      <p15:sldGuideLst xmlns:p15="http://schemas.microsoft.com/office/powerpoint/2012/main" xmlns=""/>
     </p:ext>
   </p:extLst>
 </p:presentation>
@@ -218,7 +225,7 @@
           <a:p>
             <a:fld id="{002372F8-9914-4017-BCEE-E734985315A4}" type="datetimeFigureOut">
               <a:rPr lang="en-US" smtClean="0"/>
-              <a:t>3/8/2021</a:t>
+              <a:t>4/13/2021</a:t>
             </a:fld>
             <a:endParaRPr lang="en-US"/>
           </a:p>
@@ -508,7 +515,7 @@
           <p:cNvPr id="2" name="Title 1">
             <a:extLst>
               <a:ext uri="{FF2B5EF4-FFF2-40B4-BE49-F238E27FC236}">
-                <a16:creationId xmlns="" xmlns:a16="http://schemas.microsoft.com/office/drawing/2014/main" id="{43FC27BE-C518-4EC9-8773-11DA6C4AD371}"/>
+                <a16:creationId xmlns:a16="http://schemas.microsoft.com/office/drawing/2014/main" xmlns="" id="{43FC27BE-C518-4EC9-8773-11DA6C4AD371}"/>
               </a:ext>
             </a:extLst>
           </p:cNvPr>
@@ -545,7 +552,7 @@
           <p:cNvPr id="3" name="Subtitle 2">
             <a:extLst>
               <a:ext uri="{FF2B5EF4-FFF2-40B4-BE49-F238E27FC236}">
-                <a16:creationId xmlns="" xmlns:a16="http://schemas.microsoft.com/office/drawing/2014/main" id="{E8A1F8B4-6BB8-415B-97EA-FFA1D684CE68}"/>
+                <a16:creationId xmlns:a16="http://schemas.microsoft.com/office/drawing/2014/main" xmlns="" id="{E8A1F8B4-6BB8-415B-97EA-FFA1D684CE68}"/>
               </a:ext>
             </a:extLst>
           </p:cNvPr>
@@ -615,7 +622,7 @@
           <p:cNvPr id="4" name="Date Placeholder 3">
             <a:extLst>
               <a:ext uri="{FF2B5EF4-FFF2-40B4-BE49-F238E27FC236}">
-                <a16:creationId xmlns="" xmlns:a16="http://schemas.microsoft.com/office/drawing/2014/main" id="{4FD0507E-69BF-4BF5-A6D9-2A734C88AD7C}"/>
+                <a16:creationId xmlns:a16="http://schemas.microsoft.com/office/drawing/2014/main" xmlns="" id="{4FD0507E-69BF-4BF5-A6D9-2A734C88AD7C}"/>
               </a:ext>
             </a:extLst>
           </p:cNvPr>
@@ -633,7 +640,7 @@
           <a:p>
             <a:fld id="{B700968D-258E-45B3-80C5-28CAEF180BC0}" type="datetime1">
               <a:rPr lang="en-US" smtClean="0"/>
-              <a:t>3/8/2021</a:t>
+              <a:t>4/13/2021</a:t>
             </a:fld>
             <a:endParaRPr lang="en-US" dirty="0"/>
           </a:p>
@@ -644,7 +651,7 @@
           <p:cNvPr id="5" name="Footer Placeholder 4">
             <a:extLst>
               <a:ext uri="{FF2B5EF4-FFF2-40B4-BE49-F238E27FC236}">
-                <a16:creationId xmlns="" xmlns:a16="http://schemas.microsoft.com/office/drawing/2014/main" id="{902AF944-E7FB-49A9-8DFB-C37D5E1011FC}"/>
+                <a16:creationId xmlns:a16="http://schemas.microsoft.com/office/drawing/2014/main" xmlns="" id="{902AF944-E7FB-49A9-8DFB-C37D5E1011FC}"/>
               </a:ext>
             </a:extLst>
           </p:cNvPr>
@@ -673,7 +680,7 @@
           <p:cNvPr id="6" name="Slide Number Placeholder 5">
             <a:extLst>
               <a:ext uri="{FF2B5EF4-FFF2-40B4-BE49-F238E27FC236}">
-                <a16:creationId xmlns="" xmlns:a16="http://schemas.microsoft.com/office/drawing/2014/main" id="{532F04CC-52DA-4AF6-A6FC-888128F7AA12}"/>
+                <a16:creationId xmlns:a16="http://schemas.microsoft.com/office/drawing/2014/main" xmlns="" id="{532F04CC-52DA-4AF6-A6FC-888128F7AA12}"/>
               </a:ext>
             </a:extLst>
           </p:cNvPr>
@@ -732,7 +739,7 @@
           <p:cNvPr id="2" name="Title 1">
             <a:extLst>
               <a:ext uri="{FF2B5EF4-FFF2-40B4-BE49-F238E27FC236}">
-                <a16:creationId xmlns="" xmlns:a16="http://schemas.microsoft.com/office/drawing/2014/main" id="{5D0F6921-2D48-4E92-B384-7BDD34FBFC69}"/>
+                <a16:creationId xmlns:a16="http://schemas.microsoft.com/office/drawing/2014/main" xmlns="" id="{5D0F6921-2D48-4E92-B384-7BDD34FBFC69}"/>
               </a:ext>
             </a:extLst>
           </p:cNvPr>
@@ -760,7 +767,7 @@
           <p:cNvPr id="3" name="Vertical Text Placeholder 2">
             <a:extLst>
               <a:ext uri="{FF2B5EF4-FFF2-40B4-BE49-F238E27FC236}">
-                <a16:creationId xmlns="" xmlns:a16="http://schemas.microsoft.com/office/drawing/2014/main" id="{9204FD0B-6B5D-4192-B000-69FB451CBAB0}"/>
+                <a16:creationId xmlns:a16="http://schemas.microsoft.com/office/drawing/2014/main" xmlns="" id="{9204FD0B-6B5D-4192-B000-69FB451CBAB0}"/>
               </a:ext>
             </a:extLst>
           </p:cNvPr>
@@ -817,7 +824,7 @@
           <p:cNvPr id="4" name="Date Placeholder 3">
             <a:extLst>
               <a:ext uri="{FF2B5EF4-FFF2-40B4-BE49-F238E27FC236}">
-                <a16:creationId xmlns="" xmlns:a16="http://schemas.microsoft.com/office/drawing/2014/main" id="{D2BF319D-593E-4201-8B50-FCB68C951F34}"/>
+                <a16:creationId xmlns:a16="http://schemas.microsoft.com/office/drawing/2014/main" xmlns="" id="{D2BF319D-593E-4201-8B50-FCB68C951F34}"/>
               </a:ext>
             </a:extLst>
           </p:cNvPr>
@@ -835,7 +842,7 @@
           <a:p>
             <a:fld id="{181D2B7E-5712-460C-B2FC-2ABD1AB9A6B8}" type="datetime1">
               <a:rPr lang="en-US" smtClean="0"/>
-              <a:t>3/8/2021</a:t>
+              <a:t>4/13/2021</a:t>
             </a:fld>
             <a:endParaRPr lang="en-US" dirty="0"/>
           </a:p>
@@ -846,7 +853,7 @@
           <p:cNvPr id="5" name="Footer Placeholder 4">
             <a:extLst>
               <a:ext uri="{FF2B5EF4-FFF2-40B4-BE49-F238E27FC236}">
-                <a16:creationId xmlns="" xmlns:a16="http://schemas.microsoft.com/office/drawing/2014/main" id="{1BE40D03-411F-43BA-A403-F4A4466684D5}"/>
+                <a16:creationId xmlns:a16="http://schemas.microsoft.com/office/drawing/2014/main" xmlns="" id="{1BE40D03-411F-43BA-A403-F4A4466684D5}"/>
               </a:ext>
             </a:extLst>
           </p:cNvPr>
@@ -875,7 +882,7 @@
           <p:cNvPr id="6" name="Slide Number Placeholder 5">
             <a:extLst>
               <a:ext uri="{FF2B5EF4-FFF2-40B4-BE49-F238E27FC236}">
-                <a16:creationId xmlns="" xmlns:a16="http://schemas.microsoft.com/office/drawing/2014/main" id="{4FBCB6CA-9021-4646-A232-FEF14B70F0DE}"/>
+                <a16:creationId xmlns:a16="http://schemas.microsoft.com/office/drawing/2014/main" xmlns="" id="{4FBCB6CA-9021-4646-A232-FEF14B70F0DE}"/>
               </a:ext>
             </a:extLst>
           </p:cNvPr>
@@ -934,7 +941,7 @@
           <p:cNvPr id="2" name="Vertical Title 1">
             <a:extLst>
               <a:ext uri="{FF2B5EF4-FFF2-40B4-BE49-F238E27FC236}">
-                <a16:creationId xmlns="" xmlns:a16="http://schemas.microsoft.com/office/drawing/2014/main" id="{04C2B9FC-8A2E-4D40-94A4-4CCB38C057E2}"/>
+                <a16:creationId xmlns:a16="http://schemas.microsoft.com/office/drawing/2014/main" xmlns="" id="{04C2B9FC-8A2E-4D40-94A4-4CCB38C057E2}"/>
               </a:ext>
             </a:extLst>
           </p:cNvPr>
@@ -967,7 +974,7 @@
           <p:cNvPr id="3" name="Vertical Text Placeholder 2">
             <a:extLst>
               <a:ext uri="{FF2B5EF4-FFF2-40B4-BE49-F238E27FC236}">
-                <a16:creationId xmlns="" xmlns:a16="http://schemas.microsoft.com/office/drawing/2014/main" id="{B93401D5-8947-48F6-9ED7-DD59C8AFE253}"/>
+                <a16:creationId xmlns:a16="http://schemas.microsoft.com/office/drawing/2014/main" xmlns="" id="{B93401D5-8947-48F6-9ED7-DD59C8AFE253}"/>
               </a:ext>
             </a:extLst>
           </p:cNvPr>
@@ -1029,7 +1036,7 @@
           <p:cNvPr id="4" name="Date Placeholder 3">
             <a:extLst>
               <a:ext uri="{FF2B5EF4-FFF2-40B4-BE49-F238E27FC236}">
-                <a16:creationId xmlns="" xmlns:a16="http://schemas.microsoft.com/office/drawing/2014/main" id="{FAE61B60-577B-4A6E-A726-99B60A8143B8}"/>
+                <a16:creationId xmlns:a16="http://schemas.microsoft.com/office/drawing/2014/main" xmlns="" id="{FAE61B60-577B-4A6E-A726-99B60A8143B8}"/>
               </a:ext>
             </a:extLst>
           </p:cNvPr>
@@ -1047,7 +1054,7 @@
           <a:p>
             <a:fld id="{A6EF382A-A718-4A49-BF9C-D8D2E79CC438}" type="datetime1">
               <a:rPr lang="en-US" smtClean="0"/>
-              <a:t>3/8/2021</a:t>
+              <a:t>4/13/2021</a:t>
             </a:fld>
             <a:endParaRPr lang="en-US" dirty="0"/>
           </a:p>
@@ -1058,7 +1065,7 @@
           <p:cNvPr id="5" name="Footer Placeholder 4">
             <a:extLst>
               <a:ext uri="{FF2B5EF4-FFF2-40B4-BE49-F238E27FC236}">
-                <a16:creationId xmlns="" xmlns:a16="http://schemas.microsoft.com/office/drawing/2014/main" id="{10BB4B09-BB3B-4207-94BD-28CE3C49BB56}"/>
+                <a16:creationId xmlns:a16="http://schemas.microsoft.com/office/drawing/2014/main" xmlns="" id="{10BB4B09-BB3B-4207-94BD-28CE3C49BB56}"/>
               </a:ext>
             </a:extLst>
           </p:cNvPr>
@@ -1087,7 +1094,7 @@
           <p:cNvPr id="6" name="Slide Number Placeholder 5">
             <a:extLst>
               <a:ext uri="{FF2B5EF4-FFF2-40B4-BE49-F238E27FC236}">
-                <a16:creationId xmlns="" xmlns:a16="http://schemas.microsoft.com/office/drawing/2014/main" id="{CCD04753-A0DE-4BEA-B9A9-D3312E293671}"/>
+                <a16:creationId xmlns:a16="http://schemas.microsoft.com/office/drawing/2014/main" xmlns="" id="{CCD04753-A0DE-4BEA-B9A9-D3312E293671}"/>
               </a:ext>
             </a:extLst>
           </p:cNvPr>
@@ -1146,7 +1153,7 @@
           <p:cNvPr id="2" name="Title 1">
             <a:extLst>
               <a:ext uri="{FF2B5EF4-FFF2-40B4-BE49-F238E27FC236}">
-                <a16:creationId xmlns="" xmlns:a16="http://schemas.microsoft.com/office/drawing/2014/main" id="{06DC5306-D083-4939-B733-6164F438346B}"/>
+                <a16:creationId xmlns:a16="http://schemas.microsoft.com/office/drawing/2014/main" xmlns="" id="{06DC5306-D083-4939-B733-6164F438346B}"/>
               </a:ext>
             </a:extLst>
           </p:cNvPr>
@@ -1179,7 +1186,7 @@
           <p:cNvPr id="3" name="Content Placeholder 2">
             <a:extLst>
               <a:ext uri="{FF2B5EF4-FFF2-40B4-BE49-F238E27FC236}">
-                <a16:creationId xmlns="" xmlns:a16="http://schemas.microsoft.com/office/drawing/2014/main" id="{B26C14EC-0C1A-4762-9926-1DC0CD7E32D6}"/>
+                <a16:creationId xmlns:a16="http://schemas.microsoft.com/office/drawing/2014/main" xmlns="" id="{B26C14EC-0C1A-4762-9926-1DC0CD7E32D6}"/>
               </a:ext>
             </a:extLst>
           </p:cNvPr>
@@ -1289,7 +1296,7 @@
           <p:cNvPr id="4" name="Date Placeholder 3">
             <a:extLst>
               <a:ext uri="{FF2B5EF4-FFF2-40B4-BE49-F238E27FC236}">
-                <a16:creationId xmlns="" xmlns:a16="http://schemas.microsoft.com/office/drawing/2014/main" id="{603F32E7-7C2D-4D74-8FE8-31C1BB46E388}"/>
+                <a16:creationId xmlns:a16="http://schemas.microsoft.com/office/drawing/2014/main" xmlns="" id="{603F32E7-7C2D-4D74-8FE8-31C1BB46E388}"/>
               </a:ext>
             </a:extLst>
           </p:cNvPr>
@@ -1307,7 +1314,7 @@
           <a:p>
             <a:fld id="{02635DC0-F2AB-437B-AFAF-5E8CC47B7D27}" type="datetime1">
               <a:rPr lang="en-US" smtClean="0"/>
-              <a:t>3/8/2021</a:t>
+              <a:t>4/13/2021</a:t>
             </a:fld>
             <a:endParaRPr lang="en-US" dirty="0"/>
           </a:p>
@@ -1318,7 +1325,7 @@
           <p:cNvPr id="5" name="Footer Placeholder 4">
             <a:extLst>
               <a:ext uri="{FF2B5EF4-FFF2-40B4-BE49-F238E27FC236}">
-                <a16:creationId xmlns="" xmlns:a16="http://schemas.microsoft.com/office/drawing/2014/main" id="{F78BB050-FEA0-4D1A-BE17-8C79358E96A0}"/>
+                <a16:creationId xmlns:a16="http://schemas.microsoft.com/office/drawing/2014/main" xmlns="" id="{F78BB050-FEA0-4D1A-BE17-8C79358E96A0}"/>
               </a:ext>
             </a:extLst>
           </p:cNvPr>
@@ -1347,7 +1354,7 @@
           <p:cNvPr id="6" name="Slide Number Placeholder 5">
             <a:extLst>
               <a:ext uri="{FF2B5EF4-FFF2-40B4-BE49-F238E27FC236}">
-                <a16:creationId xmlns="" xmlns:a16="http://schemas.microsoft.com/office/drawing/2014/main" id="{21AD240F-2FAD-4FB2-BFD1-E042D3B86089}"/>
+                <a16:creationId xmlns:a16="http://schemas.microsoft.com/office/drawing/2014/main" xmlns="" id="{21AD240F-2FAD-4FB2-BFD1-E042D3B86089}"/>
               </a:ext>
             </a:extLst>
           </p:cNvPr>
@@ -1376,7 +1383,7 @@
           <p:cNvPr id="7" name="Picture 6">
             <a:extLst>
               <a:ext uri="{FF2B5EF4-FFF2-40B4-BE49-F238E27FC236}">
-                <a16:creationId xmlns="" xmlns:a16="http://schemas.microsoft.com/office/drawing/2014/main" id="{6F98CED7-CE19-4F1D-926A-D27D844A58B6}"/>
+                <a16:creationId xmlns:a16="http://schemas.microsoft.com/office/drawing/2014/main" xmlns="" id="{6F98CED7-CE19-4F1D-926A-D27D844A58B6}"/>
               </a:ext>
             </a:extLst>
           </p:cNvPr>
@@ -1436,7 +1443,7 @@
           <p:cNvPr id="2" name="Title 1">
             <a:extLst>
               <a:ext uri="{FF2B5EF4-FFF2-40B4-BE49-F238E27FC236}">
-                <a16:creationId xmlns="" xmlns:a16="http://schemas.microsoft.com/office/drawing/2014/main" id="{43FEBD00-E32E-4C5E-B62B-7920EBEBB37A}"/>
+                <a16:creationId xmlns:a16="http://schemas.microsoft.com/office/drawing/2014/main" xmlns="" id="{43FEBD00-E32E-4C5E-B62B-7920EBEBB37A}"/>
               </a:ext>
             </a:extLst>
           </p:cNvPr>
@@ -1473,7 +1480,7 @@
           <p:cNvPr id="3" name="Text Placeholder 2">
             <a:extLst>
               <a:ext uri="{FF2B5EF4-FFF2-40B4-BE49-F238E27FC236}">
-                <a16:creationId xmlns="" xmlns:a16="http://schemas.microsoft.com/office/drawing/2014/main" id="{86A29AF7-6AF5-41D7-8F07-C0E35979098B}"/>
+                <a16:creationId xmlns:a16="http://schemas.microsoft.com/office/drawing/2014/main" xmlns="" id="{86A29AF7-6AF5-41D7-8F07-C0E35979098B}"/>
               </a:ext>
             </a:extLst>
           </p:cNvPr>
@@ -1598,7 +1605,7 @@
           <p:cNvPr id="4" name="Date Placeholder 3">
             <a:extLst>
               <a:ext uri="{FF2B5EF4-FFF2-40B4-BE49-F238E27FC236}">
-                <a16:creationId xmlns="" xmlns:a16="http://schemas.microsoft.com/office/drawing/2014/main" id="{675F44A1-4644-4E67-B495-49DF09BCCB21}"/>
+                <a16:creationId xmlns:a16="http://schemas.microsoft.com/office/drawing/2014/main" xmlns="" id="{675F44A1-4644-4E67-B495-49DF09BCCB21}"/>
               </a:ext>
             </a:extLst>
           </p:cNvPr>
@@ -1616,7 +1623,7 @@
           <a:p>
             <a:fld id="{994AFF0A-47CA-43F5-B000-89992670F348}" type="datetime1">
               <a:rPr lang="en-US" smtClean="0"/>
-              <a:t>3/8/2021</a:t>
+              <a:t>4/13/2021</a:t>
             </a:fld>
             <a:endParaRPr lang="en-US" dirty="0"/>
           </a:p>
@@ -1627,7 +1634,7 @@
           <p:cNvPr id="5" name="Footer Placeholder 4">
             <a:extLst>
               <a:ext uri="{FF2B5EF4-FFF2-40B4-BE49-F238E27FC236}">
-                <a16:creationId xmlns="" xmlns:a16="http://schemas.microsoft.com/office/drawing/2014/main" id="{E8CF0412-9469-4AAF-B3EE-FD338528034B}"/>
+                <a16:creationId xmlns:a16="http://schemas.microsoft.com/office/drawing/2014/main" xmlns="" id="{E8CF0412-9469-4AAF-B3EE-FD338528034B}"/>
               </a:ext>
             </a:extLst>
           </p:cNvPr>
@@ -1656,7 +1663,7 @@
           <p:cNvPr id="6" name="Slide Number Placeholder 5">
             <a:extLst>
               <a:ext uri="{FF2B5EF4-FFF2-40B4-BE49-F238E27FC236}">
-                <a16:creationId xmlns="" xmlns:a16="http://schemas.microsoft.com/office/drawing/2014/main" id="{4294F364-290D-4272-B328-FBD1E82DD35B}"/>
+                <a16:creationId xmlns:a16="http://schemas.microsoft.com/office/drawing/2014/main" xmlns="" id="{4294F364-290D-4272-B328-FBD1E82DD35B}"/>
               </a:ext>
             </a:extLst>
           </p:cNvPr>
@@ -1685,7 +1692,7 @@
           <p:cNvPr id="7" name="Picture 4" descr="http://bainbridgebarn.org/wp-content/uploads/2017/05/BARN-logo-400px.png">
             <a:extLst>
               <a:ext uri="{FF2B5EF4-FFF2-40B4-BE49-F238E27FC236}">
-                <a16:creationId xmlns="" xmlns:a16="http://schemas.microsoft.com/office/drawing/2014/main" id="{EC3DF9F2-26A6-484F-ADBE-96986FE2A319}"/>
+                <a16:creationId xmlns:a16="http://schemas.microsoft.com/office/drawing/2014/main" xmlns="" id="{EC3DF9F2-26A6-484F-ADBE-96986FE2A319}"/>
               </a:ext>
             </a:extLst>
           </p:cNvPr>
@@ -1762,7 +1769,7 @@
           <p:cNvPr id="2" name="Title 1">
             <a:extLst>
               <a:ext uri="{FF2B5EF4-FFF2-40B4-BE49-F238E27FC236}">
-                <a16:creationId xmlns="" xmlns:a16="http://schemas.microsoft.com/office/drawing/2014/main" id="{59A04965-FE4E-4BF9-85E5-E78F9862E311}"/>
+                <a16:creationId xmlns:a16="http://schemas.microsoft.com/office/drawing/2014/main" xmlns="" id="{59A04965-FE4E-4BF9-85E5-E78F9862E311}"/>
               </a:ext>
             </a:extLst>
           </p:cNvPr>
@@ -1790,7 +1797,7 @@
           <p:cNvPr id="3" name="Content Placeholder 2">
             <a:extLst>
               <a:ext uri="{FF2B5EF4-FFF2-40B4-BE49-F238E27FC236}">
-                <a16:creationId xmlns="" xmlns:a16="http://schemas.microsoft.com/office/drawing/2014/main" id="{11C623C4-3C22-4BFC-8EA8-4CE4D6338C91}"/>
+                <a16:creationId xmlns:a16="http://schemas.microsoft.com/office/drawing/2014/main" xmlns="" id="{11C623C4-3C22-4BFC-8EA8-4CE4D6338C91}"/>
               </a:ext>
             </a:extLst>
           </p:cNvPr>
@@ -1852,7 +1859,7 @@
           <p:cNvPr id="4" name="Content Placeholder 3">
             <a:extLst>
               <a:ext uri="{FF2B5EF4-FFF2-40B4-BE49-F238E27FC236}">
-                <a16:creationId xmlns="" xmlns:a16="http://schemas.microsoft.com/office/drawing/2014/main" id="{FCDD1901-0F79-44C6-B393-4AE7AB891CD5}"/>
+                <a16:creationId xmlns:a16="http://schemas.microsoft.com/office/drawing/2014/main" xmlns="" id="{FCDD1901-0F79-44C6-B393-4AE7AB891CD5}"/>
               </a:ext>
             </a:extLst>
           </p:cNvPr>
@@ -1914,7 +1921,7 @@
           <p:cNvPr id="5" name="Date Placeholder 4">
             <a:extLst>
               <a:ext uri="{FF2B5EF4-FFF2-40B4-BE49-F238E27FC236}">
-                <a16:creationId xmlns="" xmlns:a16="http://schemas.microsoft.com/office/drawing/2014/main" id="{DA7ADF7A-5116-4D39-9F39-1DF639AC9A75}"/>
+                <a16:creationId xmlns:a16="http://schemas.microsoft.com/office/drawing/2014/main" xmlns="" id="{DA7ADF7A-5116-4D39-9F39-1DF639AC9A75}"/>
               </a:ext>
             </a:extLst>
           </p:cNvPr>
@@ -1932,7 +1939,7 @@
           <a:p>
             <a:fld id="{E453B032-2008-48A6-8198-E19AFF4BAB54}" type="datetime1">
               <a:rPr lang="en-US" smtClean="0"/>
-              <a:t>3/8/2021</a:t>
+              <a:t>4/13/2021</a:t>
             </a:fld>
             <a:endParaRPr lang="en-US" dirty="0"/>
           </a:p>
@@ -1943,7 +1950,7 @@
           <p:cNvPr id="6" name="Footer Placeholder 5">
             <a:extLst>
               <a:ext uri="{FF2B5EF4-FFF2-40B4-BE49-F238E27FC236}">
-                <a16:creationId xmlns="" xmlns:a16="http://schemas.microsoft.com/office/drawing/2014/main" id="{A86D5173-D3AA-48AE-A958-26851CD70273}"/>
+                <a16:creationId xmlns:a16="http://schemas.microsoft.com/office/drawing/2014/main" xmlns="" id="{A86D5173-D3AA-48AE-A958-26851CD70273}"/>
               </a:ext>
             </a:extLst>
           </p:cNvPr>
@@ -1972,7 +1979,7 @@
           <p:cNvPr id="7" name="Slide Number Placeholder 6">
             <a:extLst>
               <a:ext uri="{FF2B5EF4-FFF2-40B4-BE49-F238E27FC236}">
-                <a16:creationId xmlns="" xmlns:a16="http://schemas.microsoft.com/office/drawing/2014/main" id="{87C5534A-12E8-423B-A42E-A14FD092A863}"/>
+                <a16:creationId xmlns:a16="http://schemas.microsoft.com/office/drawing/2014/main" xmlns="" id="{87C5534A-12E8-423B-A42E-A14FD092A863}"/>
               </a:ext>
             </a:extLst>
           </p:cNvPr>
@@ -2001,7 +2008,7 @@
           <p:cNvPr id="8" name="Picture 4" descr="http://bainbridgebarn.org/wp-content/uploads/2017/05/BARN-logo-400px.png">
             <a:extLst>
               <a:ext uri="{FF2B5EF4-FFF2-40B4-BE49-F238E27FC236}">
-                <a16:creationId xmlns="" xmlns:a16="http://schemas.microsoft.com/office/drawing/2014/main" id="{D54C4964-E9C3-4ED6-81BA-EE511F12D60F}"/>
+                <a16:creationId xmlns:a16="http://schemas.microsoft.com/office/drawing/2014/main" xmlns="" id="{D54C4964-E9C3-4ED6-81BA-EE511F12D60F}"/>
               </a:ext>
             </a:extLst>
           </p:cNvPr>
@@ -2055,7 +2062,7 @@
   </p:clrMapOvr>
   <p:extLst mod="1">
     <p:ext uri="{DCECCB84-F9BA-43D5-87BE-67443E8EF086}">
-      <p15:sldGuideLst xmlns="" xmlns:p15="http://schemas.microsoft.com/office/powerpoint/2012/main"/>
+      <p15:sldGuideLst xmlns:p15="http://schemas.microsoft.com/office/powerpoint/2012/main" xmlns=""/>
     </p:ext>
   </p:extLst>
 </p:sldLayout>
@@ -2083,7 +2090,7 @@
           <p:cNvPr id="2" name="Title 1">
             <a:extLst>
               <a:ext uri="{FF2B5EF4-FFF2-40B4-BE49-F238E27FC236}">
-                <a16:creationId xmlns="" xmlns:a16="http://schemas.microsoft.com/office/drawing/2014/main" id="{929EC5FB-C762-4B7A-8FCA-5A61F394D572}"/>
+                <a16:creationId xmlns:a16="http://schemas.microsoft.com/office/drawing/2014/main" xmlns="" id="{929EC5FB-C762-4B7A-8FCA-5A61F394D572}"/>
               </a:ext>
             </a:extLst>
           </p:cNvPr>
@@ -2116,7 +2123,7 @@
           <p:cNvPr id="3" name="Text Placeholder 2">
             <a:extLst>
               <a:ext uri="{FF2B5EF4-FFF2-40B4-BE49-F238E27FC236}">
-                <a16:creationId xmlns="" xmlns:a16="http://schemas.microsoft.com/office/drawing/2014/main" id="{56956608-731D-4E08-95D4-E9F0D39F1BD4}"/>
+                <a16:creationId xmlns:a16="http://schemas.microsoft.com/office/drawing/2014/main" xmlns="" id="{56956608-731D-4E08-95D4-E9F0D39F1BD4}"/>
               </a:ext>
             </a:extLst>
           </p:cNvPr>
@@ -2187,7 +2194,7 @@
           <p:cNvPr id="4" name="Content Placeholder 3">
             <a:extLst>
               <a:ext uri="{FF2B5EF4-FFF2-40B4-BE49-F238E27FC236}">
-                <a16:creationId xmlns="" xmlns:a16="http://schemas.microsoft.com/office/drawing/2014/main" id="{96EF67BF-245A-4F06-8788-0E5F693B078F}"/>
+                <a16:creationId xmlns:a16="http://schemas.microsoft.com/office/drawing/2014/main" xmlns="" id="{96EF67BF-245A-4F06-8788-0E5F693B078F}"/>
               </a:ext>
             </a:extLst>
           </p:cNvPr>
@@ -2249,7 +2256,7 @@
           <p:cNvPr id="5" name="Text Placeholder 4">
             <a:extLst>
               <a:ext uri="{FF2B5EF4-FFF2-40B4-BE49-F238E27FC236}">
-                <a16:creationId xmlns="" xmlns:a16="http://schemas.microsoft.com/office/drawing/2014/main" id="{84C71A84-00AC-4AB4-8EB3-39A700B69A3D}"/>
+                <a16:creationId xmlns:a16="http://schemas.microsoft.com/office/drawing/2014/main" xmlns="" id="{84C71A84-00AC-4AB4-8EB3-39A700B69A3D}"/>
               </a:ext>
             </a:extLst>
           </p:cNvPr>
@@ -2320,7 +2327,7 @@
           <p:cNvPr id="6" name="Content Placeholder 5">
             <a:extLst>
               <a:ext uri="{FF2B5EF4-FFF2-40B4-BE49-F238E27FC236}">
-                <a16:creationId xmlns="" xmlns:a16="http://schemas.microsoft.com/office/drawing/2014/main" id="{28B035E6-44F6-4178-B15F-2C2D59C5DB18}"/>
+                <a16:creationId xmlns:a16="http://schemas.microsoft.com/office/drawing/2014/main" xmlns="" id="{28B035E6-44F6-4178-B15F-2C2D59C5DB18}"/>
               </a:ext>
             </a:extLst>
           </p:cNvPr>
@@ -2382,7 +2389,7 @@
           <p:cNvPr id="7" name="Date Placeholder 6">
             <a:extLst>
               <a:ext uri="{FF2B5EF4-FFF2-40B4-BE49-F238E27FC236}">
-                <a16:creationId xmlns="" xmlns:a16="http://schemas.microsoft.com/office/drawing/2014/main" id="{35E4424B-443C-428E-89DE-76B69DC272BE}"/>
+                <a16:creationId xmlns:a16="http://schemas.microsoft.com/office/drawing/2014/main" xmlns="" id="{35E4424B-443C-428E-89DE-76B69DC272BE}"/>
               </a:ext>
             </a:extLst>
           </p:cNvPr>
@@ -2400,7 +2407,7 @@
           <a:p>
             <a:fld id="{1621F1C3-6798-46E9-8805-E34D053607E2}" type="datetime1">
               <a:rPr lang="en-US" smtClean="0"/>
-              <a:t>3/8/2021</a:t>
+              <a:t>4/13/2021</a:t>
             </a:fld>
             <a:endParaRPr lang="en-US" dirty="0"/>
           </a:p>
@@ -2411,7 +2418,7 @@
           <p:cNvPr id="8" name="Footer Placeholder 7">
             <a:extLst>
               <a:ext uri="{FF2B5EF4-FFF2-40B4-BE49-F238E27FC236}">
-                <a16:creationId xmlns="" xmlns:a16="http://schemas.microsoft.com/office/drawing/2014/main" id="{B1DE1FF8-4A15-4F38-9425-442C17D7FB6D}"/>
+                <a16:creationId xmlns:a16="http://schemas.microsoft.com/office/drawing/2014/main" xmlns="" id="{B1DE1FF8-4A15-4F38-9425-442C17D7FB6D}"/>
               </a:ext>
             </a:extLst>
           </p:cNvPr>
@@ -2440,7 +2447,7 @@
           <p:cNvPr id="9" name="Slide Number Placeholder 8">
             <a:extLst>
               <a:ext uri="{FF2B5EF4-FFF2-40B4-BE49-F238E27FC236}">
-                <a16:creationId xmlns="" xmlns:a16="http://schemas.microsoft.com/office/drawing/2014/main" id="{D170CE43-696C-45EF-A2C7-A4F60031E411}"/>
+                <a16:creationId xmlns:a16="http://schemas.microsoft.com/office/drawing/2014/main" xmlns="" id="{D170CE43-696C-45EF-A2C7-A4F60031E411}"/>
               </a:ext>
             </a:extLst>
           </p:cNvPr>
@@ -2469,7 +2476,7 @@
           <p:cNvPr id="10" name="Picture 4" descr="http://bainbridgebarn.org/wp-content/uploads/2017/05/BARN-logo-400px.png">
             <a:extLst>
               <a:ext uri="{FF2B5EF4-FFF2-40B4-BE49-F238E27FC236}">
-                <a16:creationId xmlns="" xmlns:a16="http://schemas.microsoft.com/office/drawing/2014/main" id="{14A78AA0-65A7-40B6-9670-ADEDED565ECD}"/>
+                <a16:creationId xmlns:a16="http://schemas.microsoft.com/office/drawing/2014/main" xmlns="" id="{14A78AA0-65A7-40B6-9670-ADEDED565ECD}"/>
               </a:ext>
             </a:extLst>
           </p:cNvPr>
@@ -2523,7 +2530,7 @@
   </p:clrMapOvr>
   <p:extLst mod="1">
     <p:ext uri="{DCECCB84-F9BA-43D5-87BE-67443E8EF086}">
-      <p15:sldGuideLst xmlns="" xmlns:p15="http://schemas.microsoft.com/office/powerpoint/2012/main"/>
+      <p15:sldGuideLst xmlns:p15="http://schemas.microsoft.com/office/powerpoint/2012/main" xmlns=""/>
     </p:ext>
   </p:extLst>
 </p:sldLayout>
@@ -2551,7 +2558,7 @@
           <p:cNvPr id="2" name="Title 1">
             <a:extLst>
               <a:ext uri="{FF2B5EF4-FFF2-40B4-BE49-F238E27FC236}">
-                <a16:creationId xmlns="" xmlns:a16="http://schemas.microsoft.com/office/drawing/2014/main" id="{A132B65A-79B7-4541-9756-E6AAEA1E8E36}"/>
+                <a16:creationId xmlns:a16="http://schemas.microsoft.com/office/drawing/2014/main" xmlns="" id="{A132B65A-79B7-4541-9756-E6AAEA1E8E36}"/>
               </a:ext>
             </a:extLst>
           </p:cNvPr>
@@ -2579,7 +2586,7 @@
           <p:cNvPr id="3" name="Date Placeholder 2">
             <a:extLst>
               <a:ext uri="{FF2B5EF4-FFF2-40B4-BE49-F238E27FC236}">
-                <a16:creationId xmlns="" xmlns:a16="http://schemas.microsoft.com/office/drawing/2014/main" id="{EB8983B1-E3A4-48C3-B14B-3A6DAAC187B2}"/>
+                <a16:creationId xmlns:a16="http://schemas.microsoft.com/office/drawing/2014/main" xmlns="" id="{EB8983B1-E3A4-48C3-B14B-3A6DAAC187B2}"/>
               </a:ext>
             </a:extLst>
           </p:cNvPr>
@@ -2597,7 +2604,7 @@
           <a:p>
             <a:fld id="{7CC049B8-EDEF-43A7-AF24-C17155812422}" type="datetime1">
               <a:rPr lang="en-US" smtClean="0"/>
-              <a:t>3/8/2021</a:t>
+              <a:t>4/13/2021</a:t>
             </a:fld>
             <a:endParaRPr lang="en-US" dirty="0"/>
           </a:p>
@@ -2608,7 +2615,7 @@
           <p:cNvPr id="4" name="Footer Placeholder 3">
             <a:extLst>
               <a:ext uri="{FF2B5EF4-FFF2-40B4-BE49-F238E27FC236}">
-                <a16:creationId xmlns="" xmlns:a16="http://schemas.microsoft.com/office/drawing/2014/main" id="{DED97A8F-FF6E-4429-A4F2-6C4B363A73CB}"/>
+                <a16:creationId xmlns:a16="http://schemas.microsoft.com/office/drawing/2014/main" xmlns="" id="{DED97A8F-FF6E-4429-A4F2-6C4B363A73CB}"/>
               </a:ext>
             </a:extLst>
           </p:cNvPr>
@@ -2637,7 +2644,7 @@
           <p:cNvPr id="5" name="Slide Number Placeholder 4">
             <a:extLst>
               <a:ext uri="{FF2B5EF4-FFF2-40B4-BE49-F238E27FC236}">
-                <a16:creationId xmlns="" xmlns:a16="http://schemas.microsoft.com/office/drawing/2014/main" id="{3570BEEE-36A7-48F0-B6D7-E0F202A4882B}"/>
+                <a16:creationId xmlns:a16="http://schemas.microsoft.com/office/drawing/2014/main" xmlns="" id="{3570BEEE-36A7-48F0-B6D7-E0F202A4882B}"/>
               </a:ext>
             </a:extLst>
           </p:cNvPr>
@@ -2696,7 +2703,7 @@
           <p:cNvPr id="2" name="Date Placeholder 1">
             <a:extLst>
               <a:ext uri="{FF2B5EF4-FFF2-40B4-BE49-F238E27FC236}">
-                <a16:creationId xmlns="" xmlns:a16="http://schemas.microsoft.com/office/drawing/2014/main" id="{005EBEF6-800F-40C9-91D6-1FAAE3174680}"/>
+                <a16:creationId xmlns:a16="http://schemas.microsoft.com/office/drawing/2014/main" xmlns="" id="{005EBEF6-800F-40C9-91D6-1FAAE3174680}"/>
               </a:ext>
             </a:extLst>
           </p:cNvPr>
@@ -2714,7 +2721,7 @@
           <a:p>
             <a:fld id="{4BB227EF-2962-4C5A-9F22-4DD418EE3F2E}" type="datetime1">
               <a:rPr lang="en-US" smtClean="0"/>
-              <a:t>3/8/2021</a:t>
+              <a:t>4/13/2021</a:t>
             </a:fld>
             <a:endParaRPr lang="en-US" dirty="0"/>
           </a:p>
@@ -2725,7 +2732,7 @@
           <p:cNvPr id="3" name="Footer Placeholder 2">
             <a:extLst>
               <a:ext uri="{FF2B5EF4-FFF2-40B4-BE49-F238E27FC236}">
-                <a16:creationId xmlns="" xmlns:a16="http://schemas.microsoft.com/office/drawing/2014/main" id="{9A7E8279-81C8-4D8B-A97B-C4E2CBE9C1E2}"/>
+                <a16:creationId xmlns:a16="http://schemas.microsoft.com/office/drawing/2014/main" xmlns="" id="{9A7E8279-81C8-4D8B-A97B-C4E2CBE9C1E2}"/>
               </a:ext>
             </a:extLst>
           </p:cNvPr>
@@ -2754,7 +2761,7 @@
           <p:cNvPr id="4" name="Slide Number Placeholder 3">
             <a:extLst>
               <a:ext uri="{FF2B5EF4-FFF2-40B4-BE49-F238E27FC236}">
-                <a16:creationId xmlns="" xmlns:a16="http://schemas.microsoft.com/office/drawing/2014/main" id="{7198951E-25C3-4511-B998-4A09C987AB3F}"/>
+                <a16:creationId xmlns:a16="http://schemas.microsoft.com/office/drawing/2014/main" xmlns="" id="{7198951E-25C3-4511-B998-4A09C987AB3F}"/>
               </a:ext>
             </a:extLst>
           </p:cNvPr>
@@ -2813,7 +2820,7 @@
           <p:cNvPr id="2" name="Title 1">
             <a:extLst>
               <a:ext uri="{FF2B5EF4-FFF2-40B4-BE49-F238E27FC236}">
-                <a16:creationId xmlns="" xmlns:a16="http://schemas.microsoft.com/office/drawing/2014/main" id="{AE0C2099-7E5C-4B7D-A6F0-61AB23560AF5}"/>
+                <a16:creationId xmlns:a16="http://schemas.microsoft.com/office/drawing/2014/main" xmlns="" id="{AE0C2099-7E5C-4B7D-A6F0-61AB23560AF5}"/>
               </a:ext>
             </a:extLst>
           </p:cNvPr>
@@ -2850,7 +2857,7 @@
           <p:cNvPr id="3" name="Content Placeholder 2">
             <a:extLst>
               <a:ext uri="{FF2B5EF4-FFF2-40B4-BE49-F238E27FC236}">
-                <a16:creationId xmlns="" xmlns:a16="http://schemas.microsoft.com/office/drawing/2014/main" id="{9763D6B5-2EAA-48D9-9CE0-05EA727599CB}"/>
+                <a16:creationId xmlns:a16="http://schemas.microsoft.com/office/drawing/2014/main" xmlns="" id="{9763D6B5-2EAA-48D9-9CE0-05EA727599CB}"/>
               </a:ext>
             </a:extLst>
           </p:cNvPr>
@@ -2940,7 +2947,7 @@
           <p:cNvPr id="4" name="Text Placeholder 3">
             <a:extLst>
               <a:ext uri="{FF2B5EF4-FFF2-40B4-BE49-F238E27FC236}">
-                <a16:creationId xmlns="" xmlns:a16="http://schemas.microsoft.com/office/drawing/2014/main" id="{B6E80E8C-71DC-4180-90D1-AC2CC03319AF}"/>
+                <a16:creationId xmlns:a16="http://schemas.microsoft.com/office/drawing/2014/main" xmlns="" id="{B6E80E8C-71DC-4180-90D1-AC2CC03319AF}"/>
               </a:ext>
             </a:extLst>
           </p:cNvPr>
@@ -3011,7 +3018,7 @@
           <p:cNvPr id="5" name="Date Placeholder 4">
             <a:extLst>
               <a:ext uri="{FF2B5EF4-FFF2-40B4-BE49-F238E27FC236}">
-                <a16:creationId xmlns="" xmlns:a16="http://schemas.microsoft.com/office/drawing/2014/main" id="{D43F8144-29DB-41AE-B29B-2961F225E5C0}"/>
+                <a16:creationId xmlns:a16="http://schemas.microsoft.com/office/drawing/2014/main" xmlns="" id="{D43F8144-29DB-41AE-B29B-2961F225E5C0}"/>
               </a:ext>
             </a:extLst>
           </p:cNvPr>
@@ -3029,7 +3036,7 @@
           <a:p>
             <a:fld id="{0B2F11FE-BC30-462D-A322-EE38EF89C132}" type="datetime1">
               <a:rPr lang="en-US" smtClean="0"/>
-              <a:t>3/8/2021</a:t>
+              <a:t>4/13/2021</a:t>
             </a:fld>
             <a:endParaRPr lang="en-US" dirty="0"/>
           </a:p>
@@ -3040,7 +3047,7 @@
           <p:cNvPr id="6" name="Footer Placeholder 5">
             <a:extLst>
               <a:ext uri="{FF2B5EF4-FFF2-40B4-BE49-F238E27FC236}">
-                <a16:creationId xmlns="" xmlns:a16="http://schemas.microsoft.com/office/drawing/2014/main" id="{33D61D2A-DCF4-4A34-83D4-D8DB2902C65E}"/>
+                <a16:creationId xmlns:a16="http://schemas.microsoft.com/office/drawing/2014/main" xmlns="" id="{33D61D2A-DCF4-4A34-83D4-D8DB2902C65E}"/>
               </a:ext>
             </a:extLst>
           </p:cNvPr>
@@ -3069,7 +3076,7 @@
           <p:cNvPr id="7" name="Slide Number Placeholder 6">
             <a:extLst>
               <a:ext uri="{FF2B5EF4-FFF2-40B4-BE49-F238E27FC236}">
-                <a16:creationId xmlns="" xmlns:a16="http://schemas.microsoft.com/office/drawing/2014/main" id="{F05918D6-17D6-432A-B40F-BB5F994ED303}"/>
+                <a16:creationId xmlns:a16="http://schemas.microsoft.com/office/drawing/2014/main" xmlns="" id="{F05918D6-17D6-432A-B40F-BB5F994ED303}"/>
               </a:ext>
             </a:extLst>
           </p:cNvPr>
@@ -3105,7 +3112,7 @@
   </p:clrMapOvr>
   <p:extLst mod="1">
     <p:ext uri="{DCECCB84-F9BA-43D5-87BE-67443E8EF086}">
-      <p15:sldGuideLst xmlns="" xmlns:p15="http://schemas.microsoft.com/office/powerpoint/2012/main"/>
+      <p15:sldGuideLst xmlns:p15="http://schemas.microsoft.com/office/powerpoint/2012/main" xmlns=""/>
     </p:ext>
   </p:extLst>
 </p:sldLayout>
@@ -3133,7 +3140,7 @@
           <p:cNvPr id="2" name="Title 1">
             <a:extLst>
               <a:ext uri="{FF2B5EF4-FFF2-40B4-BE49-F238E27FC236}">
-                <a16:creationId xmlns="" xmlns:a16="http://schemas.microsoft.com/office/drawing/2014/main" id="{593ADFC2-C9DF-4B77-A268-2BE3DAD55125}"/>
+                <a16:creationId xmlns:a16="http://schemas.microsoft.com/office/drawing/2014/main" xmlns="" id="{593ADFC2-C9DF-4B77-A268-2BE3DAD55125}"/>
               </a:ext>
             </a:extLst>
           </p:cNvPr>
@@ -3170,7 +3177,7 @@
           <p:cNvPr id="3" name="Picture Placeholder 2">
             <a:extLst>
               <a:ext uri="{FF2B5EF4-FFF2-40B4-BE49-F238E27FC236}">
-                <a16:creationId xmlns="" xmlns:a16="http://schemas.microsoft.com/office/drawing/2014/main" id="{8CCB8474-0292-43C9-B513-5BFD0AE59BE6}"/>
+                <a16:creationId xmlns:a16="http://schemas.microsoft.com/office/drawing/2014/main" xmlns="" id="{8CCB8474-0292-43C9-B513-5BFD0AE59BE6}"/>
               </a:ext>
             </a:extLst>
           </p:cNvPr>
@@ -3237,7 +3244,7 @@
           <p:cNvPr id="4" name="Text Placeholder 3">
             <a:extLst>
               <a:ext uri="{FF2B5EF4-FFF2-40B4-BE49-F238E27FC236}">
-                <a16:creationId xmlns="" xmlns:a16="http://schemas.microsoft.com/office/drawing/2014/main" id="{233D9136-6834-4D6F-8455-11D44203649E}"/>
+                <a16:creationId xmlns:a16="http://schemas.microsoft.com/office/drawing/2014/main" xmlns="" id="{233D9136-6834-4D6F-8455-11D44203649E}"/>
               </a:ext>
             </a:extLst>
           </p:cNvPr>
@@ -3308,7 +3315,7 @@
           <p:cNvPr id="5" name="Date Placeholder 4">
             <a:extLst>
               <a:ext uri="{FF2B5EF4-FFF2-40B4-BE49-F238E27FC236}">
-                <a16:creationId xmlns="" xmlns:a16="http://schemas.microsoft.com/office/drawing/2014/main" id="{44BD6BD2-91B6-4C8F-AFDD-137A8D221EFA}"/>
+                <a16:creationId xmlns:a16="http://schemas.microsoft.com/office/drawing/2014/main" xmlns="" id="{44BD6BD2-91B6-4C8F-AFDD-137A8D221EFA}"/>
               </a:ext>
             </a:extLst>
           </p:cNvPr>
@@ -3326,7 +3333,7 @@
           <a:p>
             <a:fld id="{6EEFE9B0-C803-40EB-BA5C-C14BE453A48D}" type="datetime1">
               <a:rPr lang="en-US" smtClean="0"/>
-              <a:t>3/8/2021</a:t>
+              <a:t>4/13/2021</a:t>
             </a:fld>
             <a:endParaRPr lang="en-US" dirty="0"/>
           </a:p>
@@ -3337,7 +3344,7 @@
           <p:cNvPr id="6" name="Footer Placeholder 5">
             <a:extLst>
               <a:ext uri="{FF2B5EF4-FFF2-40B4-BE49-F238E27FC236}">
-                <a16:creationId xmlns="" xmlns:a16="http://schemas.microsoft.com/office/drawing/2014/main" id="{8EBBF084-FDF9-4497-B33A-2BC59E99DA34}"/>
+                <a16:creationId xmlns:a16="http://schemas.microsoft.com/office/drawing/2014/main" xmlns="" id="{8EBBF084-FDF9-4497-B33A-2BC59E99DA34}"/>
               </a:ext>
             </a:extLst>
           </p:cNvPr>
@@ -3366,7 +3373,7 @@
           <p:cNvPr id="7" name="Slide Number Placeholder 6">
             <a:extLst>
               <a:ext uri="{FF2B5EF4-FFF2-40B4-BE49-F238E27FC236}">
-                <a16:creationId xmlns="" xmlns:a16="http://schemas.microsoft.com/office/drawing/2014/main" id="{4F84EEA4-CA7F-4BF9-B9CE-E345D1A1AC37}"/>
+                <a16:creationId xmlns:a16="http://schemas.microsoft.com/office/drawing/2014/main" xmlns="" id="{4F84EEA4-CA7F-4BF9-B9CE-E345D1A1AC37}"/>
               </a:ext>
             </a:extLst>
           </p:cNvPr>
@@ -3430,7 +3437,7 @@
           <p:cNvPr id="2" name="Title Placeholder 1">
             <a:extLst>
               <a:ext uri="{FF2B5EF4-FFF2-40B4-BE49-F238E27FC236}">
-                <a16:creationId xmlns="" xmlns:a16="http://schemas.microsoft.com/office/drawing/2014/main" id="{016D75D4-ECE9-4C1B-9DE0-B718333BCB7E}"/>
+                <a16:creationId xmlns:a16="http://schemas.microsoft.com/office/drawing/2014/main" xmlns="" id="{016D75D4-ECE9-4C1B-9DE0-B718333BCB7E}"/>
               </a:ext>
             </a:extLst>
           </p:cNvPr>
@@ -3468,7 +3475,7 @@
           <p:cNvPr id="3" name="Text Placeholder 2">
             <a:extLst>
               <a:ext uri="{FF2B5EF4-FFF2-40B4-BE49-F238E27FC236}">
-                <a16:creationId xmlns="" xmlns:a16="http://schemas.microsoft.com/office/drawing/2014/main" id="{C4029048-4933-40E6-9430-5BB8318D0635}"/>
+                <a16:creationId xmlns:a16="http://schemas.microsoft.com/office/drawing/2014/main" xmlns="" id="{C4029048-4933-40E6-9430-5BB8318D0635}"/>
               </a:ext>
             </a:extLst>
           </p:cNvPr>
@@ -3535,7 +3542,7 @@
           <p:cNvPr id="4" name="Date Placeholder 3">
             <a:extLst>
               <a:ext uri="{FF2B5EF4-FFF2-40B4-BE49-F238E27FC236}">
-                <a16:creationId xmlns="" xmlns:a16="http://schemas.microsoft.com/office/drawing/2014/main" id="{9C25BF6D-313B-4E50-AC2F-1AF60895F5EE}"/>
+                <a16:creationId xmlns:a16="http://schemas.microsoft.com/office/drawing/2014/main" xmlns="" id="{9C25BF6D-313B-4E50-AC2F-1AF60895F5EE}"/>
               </a:ext>
             </a:extLst>
           </p:cNvPr>
@@ -3571,7 +3578,7 @@
           <a:p>
             <a:fld id="{2572A453-AFF9-4949-86FD-4853E2E1B335}" type="datetime1">
               <a:rPr lang="en-US" smtClean="0"/>
-              <a:t>3/8/2021</a:t>
+              <a:t>4/13/2021</a:t>
             </a:fld>
             <a:endParaRPr lang="en-US" dirty="0"/>
           </a:p>
@@ -3582,7 +3589,7 @@
           <p:cNvPr id="5" name="Footer Placeholder 4">
             <a:extLst>
               <a:ext uri="{FF2B5EF4-FFF2-40B4-BE49-F238E27FC236}">
-                <a16:creationId xmlns="" xmlns:a16="http://schemas.microsoft.com/office/drawing/2014/main" id="{35151A03-193F-4CD5-9C36-DE08DEFEFDB8}"/>
+                <a16:creationId xmlns:a16="http://schemas.microsoft.com/office/drawing/2014/main" xmlns="" id="{35151A03-193F-4CD5-9C36-DE08DEFEFDB8}"/>
               </a:ext>
             </a:extLst>
           </p:cNvPr>
@@ -3633,7 +3640,7 @@
           <p:cNvPr id="6" name="Slide Number Placeholder 5">
             <a:extLst>
               <a:ext uri="{FF2B5EF4-FFF2-40B4-BE49-F238E27FC236}">
-                <a16:creationId xmlns="" xmlns:a16="http://schemas.microsoft.com/office/drawing/2014/main" id="{928E12CD-F3A5-4F41-A2E6-067ACE7DADBB}"/>
+                <a16:creationId xmlns:a16="http://schemas.microsoft.com/office/drawing/2014/main" xmlns="" id="{928E12CD-F3A5-4F41-A2E6-067ACE7DADBB}"/>
               </a:ext>
             </a:extLst>
           </p:cNvPr>
@@ -3979,7 +3986,7 @@
   </p:txStyles>
   <p:extLst mod="1">
     <p:ext uri="{27BBF7A9-308A-43DC-89C8-2F10F3537804}">
-      <p15:sldGuideLst xmlns="" xmlns:p15="http://schemas.microsoft.com/office/powerpoint/2012/main"/>
+      <p15:sldGuideLst xmlns:p15="http://schemas.microsoft.com/office/powerpoint/2012/main" xmlns=""/>
     </p:ext>
   </p:extLst>
 </p:sldMaster>
@@ -4007,7 +4014,7 @@
           <p:cNvPr id="2" name="Title 1">
             <a:extLst>
               <a:ext uri="{FF2B5EF4-FFF2-40B4-BE49-F238E27FC236}">
-                <a16:creationId xmlns="" xmlns:a16="http://schemas.microsoft.com/office/drawing/2014/main" id="{8F0EEC49-844A-4A0E-8C81-95F595DA2C88}"/>
+                <a16:creationId xmlns:a16="http://schemas.microsoft.com/office/drawing/2014/main" xmlns="" id="{8F0EEC49-844A-4A0E-8C81-95F595DA2C88}"/>
               </a:ext>
             </a:extLst>
           </p:cNvPr>
@@ -4047,7 +4054,7 @@
           <p:cNvPr id="1028" name="Picture 4" descr="http://bainbridgebarn.org/wp-content/uploads/2017/05/BARN-logo-400px.png">
             <a:extLst>
               <a:ext uri="{FF2B5EF4-FFF2-40B4-BE49-F238E27FC236}">
-                <a16:creationId xmlns="" xmlns:a16="http://schemas.microsoft.com/office/drawing/2014/main" id="{FD3779EF-872F-46C5-AF6A-C09BFE4642D2}"/>
+                <a16:creationId xmlns:a16="http://schemas.microsoft.com/office/drawing/2014/main" xmlns="" id="{FD3779EF-872F-46C5-AF6A-C09BFE4642D2}"/>
               </a:ext>
             </a:extLst>
           </p:cNvPr>
@@ -4094,7 +4101,7 @@
           <p:cNvPr id="7" name="TextBox 6">
             <a:extLst>
               <a:ext uri="{FF2B5EF4-FFF2-40B4-BE49-F238E27FC236}">
-                <a16:creationId xmlns="" xmlns:a16="http://schemas.microsoft.com/office/drawing/2014/main" id="{DAC06160-AE7E-44F4-B7CC-4EEFFB267F1A}"/>
+                <a16:creationId xmlns:a16="http://schemas.microsoft.com/office/drawing/2014/main" xmlns="" id="{DAC06160-AE7E-44F4-B7CC-4EEFFB267F1A}"/>
               </a:ext>
             </a:extLst>
           </p:cNvPr>
@@ -6763,8 +6770,13 @@
           <a:p>
             <a:r>
               <a:rPr lang="en-US" sz="2400" b="1" dirty="0" smtClean="0"/>
-              <a:t>We recommend leaving these alone!</a:t>
-            </a:r>
+              <a:t>We recommend </a:t>
+            </a:r>
+            <a:r>
+              <a:rPr lang="en-US" sz="2400" b="1" dirty="0" smtClean="0"/>
+              <a:t>these settings</a:t>
+            </a:r>
+            <a:endParaRPr lang="en-US" sz="2400" b="1" dirty="0" smtClean="0"/>
           </a:p>
           <a:p>
             <a:pPr marL="114300" indent="-114300">
@@ -6798,6 +6810,126 @@
           </a:p>
         </p:txBody>
       </p:sp>
+      <p:cxnSp>
+        <p:nvCxnSpPr>
+          <p:cNvPr id="11" name="Straight Arrow Connector 10"/>
+          <p:cNvCxnSpPr/>
+          <p:nvPr/>
+        </p:nvCxnSpPr>
+        <p:spPr>
+          <a:xfrm flipH="1" flipV="1">
+            <a:off x="4914900" y="4267202"/>
+            <a:ext cx="1244600" cy="184149"/>
+          </a:xfrm>
+          <a:prstGeom prst="straightConnector1">
+            <a:avLst/>
+          </a:prstGeom>
+          <a:ln w="57150">
+            <a:tailEnd type="stealth"/>
+          </a:ln>
+          <a:effectLst>
+            <a:outerShdw blurRad="50800" dist="38100" dir="2700000" algn="tl" rotWithShape="0">
+              <a:prstClr val="black">
+                <a:alpha val="40000"/>
+              </a:prstClr>
+            </a:outerShdw>
+          </a:effectLst>
+        </p:spPr>
+        <p:style>
+          <a:lnRef idx="1">
+            <a:schemeClr val="accent1"/>
+          </a:lnRef>
+          <a:fillRef idx="0">
+            <a:schemeClr val="accent1"/>
+          </a:fillRef>
+          <a:effectRef idx="0">
+            <a:schemeClr val="accent1"/>
+          </a:effectRef>
+          <a:fontRef idx="minor">
+            <a:schemeClr val="tx1"/>
+          </a:fontRef>
+        </p:style>
+      </p:cxnSp>
+      <p:cxnSp>
+        <p:nvCxnSpPr>
+          <p:cNvPr id="15" name="Straight Arrow Connector 14"/>
+          <p:cNvCxnSpPr/>
+          <p:nvPr/>
+        </p:nvCxnSpPr>
+        <p:spPr>
+          <a:xfrm flipH="1" flipV="1">
+            <a:off x="5092700" y="2781300"/>
+            <a:ext cx="1066800" cy="1111250"/>
+          </a:xfrm>
+          <a:prstGeom prst="straightConnector1">
+            <a:avLst/>
+          </a:prstGeom>
+          <a:ln w="57150">
+            <a:tailEnd type="stealth"/>
+          </a:ln>
+          <a:effectLst>
+            <a:outerShdw blurRad="50800" dist="38100" dir="2700000" algn="tl" rotWithShape="0">
+              <a:prstClr val="black">
+                <a:alpha val="40000"/>
+              </a:prstClr>
+            </a:outerShdw>
+          </a:effectLst>
+        </p:spPr>
+        <p:style>
+          <a:lnRef idx="1">
+            <a:schemeClr val="accent1"/>
+          </a:lnRef>
+          <a:fillRef idx="0">
+            <a:schemeClr val="accent1"/>
+          </a:fillRef>
+          <a:effectRef idx="0">
+            <a:schemeClr val="accent1"/>
+          </a:effectRef>
+          <a:fontRef idx="minor">
+            <a:schemeClr val="tx1"/>
+          </a:fontRef>
+        </p:style>
+      </p:cxnSp>
+      <p:cxnSp>
+        <p:nvCxnSpPr>
+          <p:cNvPr id="16" name="Straight Arrow Connector 15"/>
+          <p:cNvCxnSpPr/>
+          <p:nvPr/>
+        </p:nvCxnSpPr>
+        <p:spPr>
+          <a:xfrm flipH="1" flipV="1">
+            <a:off x="5435601" y="2120901"/>
+            <a:ext cx="660399" cy="1130299"/>
+          </a:xfrm>
+          <a:prstGeom prst="straightConnector1">
+            <a:avLst/>
+          </a:prstGeom>
+          <a:ln w="57150">
+            <a:tailEnd type="stealth"/>
+          </a:ln>
+          <a:effectLst>
+            <a:outerShdw blurRad="50800" dist="38100" dir="2700000" algn="tl" rotWithShape="0">
+              <a:prstClr val="black">
+                <a:alpha val="40000"/>
+              </a:prstClr>
+            </a:outerShdw>
+          </a:effectLst>
+        </p:spPr>
+        <p:style>
+          <a:lnRef idx="1">
+            <a:schemeClr val="accent1"/>
+          </a:lnRef>
+          <a:fillRef idx="0">
+            <a:schemeClr val="accent1"/>
+          </a:fillRef>
+          <a:effectRef idx="0">
+            <a:schemeClr val="accent1"/>
+          </a:effectRef>
+          <a:fontRef idx="minor">
+            <a:schemeClr val="tx1"/>
+          </a:fontRef>
+        </p:style>
+      </p:cxnSp>
     </p:spTree>
     <p:extLst>
       <p:ext uri="{BB962C8B-B14F-4D97-AF65-F5344CB8AC3E}">
@@ -6828,78 +6960,9 @@
           <a:chExt cx="0" cy="0"/>
         </a:xfrm>
       </p:grpSpPr>
-      <p:sp>
-        <p:nvSpPr>
-          <p:cNvPr id="2" name="Title 1"/>
-          <p:cNvSpPr>
-            <a:spLocks noGrp="1"/>
-          </p:cNvSpPr>
-          <p:nvPr>
-            <p:ph type="title"/>
-          </p:nvPr>
-        </p:nvSpPr>
-        <p:spPr/>
-        <p:txBody>
-          <a:bodyPr/>
-          <a:lstStyle/>
-          <a:p>
-            <a:r>
-              <a:rPr lang="en-US" dirty="0" smtClean="0"/>
-              <a:t>Images </a:t>
-            </a:r>
-            <a:endParaRPr lang="en-US" dirty="0"/>
-          </a:p>
-        </p:txBody>
-      </p:sp>
-      <p:sp>
-        <p:nvSpPr>
-          <p:cNvPr id="3" name="Footer Placeholder 2"/>
-          <p:cNvSpPr>
-            <a:spLocks noGrp="1"/>
-          </p:cNvSpPr>
-          <p:nvPr>
-            <p:ph type="ftr" sz="quarter" idx="11"/>
-          </p:nvPr>
-        </p:nvSpPr>
-        <p:spPr/>
-        <p:txBody>
-          <a:bodyPr/>
-          <a:lstStyle/>
-          <a:p>
-            <a:r>
-              <a:rPr lang="en-US" smtClean="0"/>
-              <a:t>Intro To LightBurn sw</a:t>
-            </a:r>
-            <a:endParaRPr lang="en-US" dirty="0"/>
-          </a:p>
-        </p:txBody>
-      </p:sp>
-      <p:sp>
-        <p:nvSpPr>
-          <p:cNvPr id="4" name="Slide Number Placeholder 3"/>
-          <p:cNvSpPr>
-            <a:spLocks noGrp="1"/>
-          </p:cNvSpPr>
-          <p:nvPr>
-            <p:ph type="sldNum" sz="quarter" idx="12"/>
-          </p:nvPr>
-        </p:nvSpPr>
-        <p:spPr/>
-        <p:txBody>
-          <a:bodyPr/>
-          <a:lstStyle/>
-          <a:p>
-            <a:fld id="{EDE95D0A-8472-402B-9EB1-190FD5AB15C8}" type="slidenum">
-              <a:rPr lang="en-US" smtClean="0"/>
-              <a:t>15</a:t>
-            </a:fld>
-            <a:endParaRPr lang="en-US" dirty="0"/>
-          </a:p>
-        </p:txBody>
-      </p:sp>
       <p:pic>
         <p:nvPicPr>
-          <p:cNvPr id="10242" name="Picture 2"/>
+          <p:cNvPr id="11266" name="Picture 2"/>
           <p:cNvPicPr>
             <a:picLocks noChangeAspect="1" noChangeArrowheads="1"/>
           </p:cNvPicPr>
@@ -6920,8 +6983,8 @@
         </p:blipFill>
         <p:spPr bwMode="auto">
           <a:xfrm>
-            <a:off x="601663" y="1511300"/>
-            <a:ext cx="1590675" cy="1943100"/>
+            <a:off x="444500" y="1025525"/>
+            <a:ext cx="1676400" cy="2114550"/>
           </a:xfrm>
           <a:prstGeom prst="rect">
             <a:avLst/>
@@ -6953,14 +7016,83 @@
       </p:pic>
       <p:sp>
         <p:nvSpPr>
-          <p:cNvPr id="6" name="Rounded Rectangle 5"/>
+          <p:cNvPr id="2" name="Title 1"/>
+          <p:cNvSpPr>
+            <a:spLocks noGrp="1"/>
+          </p:cNvSpPr>
+          <p:nvPr>
+            <p:ph type="title"/>
+          </p:nvPr>
+        </p:nvSpPr>
+        <p:spPr/>
+        <p:txBody>
+          <a:bodyPr/>
+          <a:lstStyle/>
+          <a:p>
+            <a:r>
+              <a:rPr lang="en-US" dirty="0" smtClean="0"/>
+              <a:t>Preview your cutting</a:t>
+            </a:r>
+            <a:endParaRPr lang="en-US" dirty="0"/>
+          </a:p>
+        </p:txBody>
+      </p:sp>
+      <p:sp>
+        <p:nvSpPr>
+          <p:cNvPr id="3" name="Footer Placeholder 2"/>
+          <p:cNvSpPr>
+            <a:spLocks noGrp="1"/>
+          </p:cNvSpPr>
+          <p:nvPr>
+            <p:ph type="ftr" sz="quarter" idx="11"/>
+          </p:nvPr>
+        </p:nvSpPr>
+        <p:spPr/>
+        <p:txBody>
+          <a:bodyPr/>
+          <a:lstStyle/>
+          <a:p>
+            <a:r>
+              <a:rPr lang="en-US" smtClean="0"/>
+              <a:t>Intro To LightBurn sw</a:t>
+            </a:r>
+            <a:endParaRPr lang="en-US" dirty="0"/>
+          </a:p>
+        </p:txBody>
+      </p:sp>
+      <p:sp>
+        <p:nvSpPr>
+          <p:cNvPr id="4" name="Slide Number Placeholder 3"/>
+          <p:cNvSpPr>
+            <a:spLocks noGrp="1"/>
+          </p:cNvSpPr>
+          <p:nvPr>
+            <p:ph type="sldNum" sz="quarter" idx="12"/>
+          </p:nvPr>
+        </p:nvSpPr>
+        <p:spPr/>
+        <p:txBody>
+          <a:bodyPr/>
+          <a:lstStyle/>
+          <a:p>
+            <a:fld id="{EDE95D0A-8472-402B-9EB1-190FD5AB15C8}" type="slidenum">
+              <a:rPr lang="en-US" smtClean="0"/>
+              <a:t>15</a:t>
+            </a:fld>
+            <a:endParaRPr lang="en-US" dirty="0"/>
+          </a:p>
+        </p:txBody>
+      </p:sp>
+      <p:sp>
+        <p:nvSpPr>
+          <p:cNvPr id="7" name="Rounded Rectangle 6"/>
           <p:cNvSpPr/>
           <p:nvPr/>
         </p:nvSpPr>
         <p:spPr>
           <a:xfrm>
-            <a:off x="2374900" y="1315604"/>
-            <a:ext cx="1993900" cy="1427596"/>
+            <a:off x="189040" y="3444876"/>
+            <a:ext cx="2120900" cy="1990725"/>
           </a:xfrm>
           <a:prstGeom prst="roundRect">
             <a:avLst>
@@ -6997,14 +7129,104 @@
           <a:p>
             <a:r>
               <a:rPr lang="en-US" dirty="0" smtClean="0"/>
-              <a:t>Picture files are converted to B&amp;W when they are imported</a:t>
-            </a:r>
+              <a:t>Select the Preview icon on the tool bar, or right click on the design space and select Preview.</a:t>
+            </a:r>
+          </a:p>
+        </p:txBody>
+      </p:sp>
+      <p:cxnSp>
+        <p:nvCxnSpPr>
+          <p:cNvPr id="33" name="Straight Arrow Connector 32"/>
+          <p:cNvCxnSpPr>
+            <a:stCxn id="7" idx="0"/>
+          </p:cNvCxnSpPr>
+          <p:nvPr/>
+        </p:nvCxnSpPr>
+        <p:spPr>
+          <a:xfrm flipV="1">
+            <a:off x="1249490" y="1879600"/>
+            <a:ext cx="0" cy="1565276"/>
+          </a:xfrm>
+          <a:prstGeom prst="straightConnector1">
+            <a:avLst/>
+          </a:prstGeom>
+          <a:ln w="57150">
+            <a:tailEnd type="stealth"/>
+          </a:ln>
+          <a:effectLst>
+            <a:outerShdw blurRad="50800" dist="38100" dir="2700000" algn="tl" rotWithShape="0">
+              <a:prstClr val="black">
+                <a:alpha val="40000"/>
+              </a:prstClr>
+            </a:outerShdw>
+          </a:effectLst>
+        </p:spPr>
+        <p:style>
+          <a:lnRef idx="1">
+            <a:schemeClr val="accent1"/>
+          </a:lnRef>
+          <a:fillRef idx="0">
+            <a:schemeClr val="accent1"/>
+          </a:fillRef>
+          <a:effectRef idx="0">
+            <a:schemeClr val="accent1"/>
+          </a:effectRef>
+          <a:fontRef idx="minor">
+            <a:schemeClr val="tx1"/>
+          </a:fontRef>
+        </p:style>
+      </p:cxnSp>
+      <p:sp>
+        <p:nvSpPr>
+          <p:cNvPr id="34" name="Rounded Rectangle 33"/>
+          <p:cNvSpPr/>
+          <p:nvPr/>
+        </p:nvSpPr>
+        <p:spPr>
+          <a:xfrm>
+            <a:off x="3446606" y="5257801"/>
+            <a:ext cx="4910281" cy="736599"/>
+          </a:xfrm>
+          <a:prstGeom prst="roundRect">
+            <a:avLst>
+              <a:gd name="adj" fmla="val 6312"/>
+            </a:avLst>
+          </a:prstGeom>
+        </p:spPr>
+        <p:style>
+          <a:lnRef idx="2">
+            <a:schemeClr val="accent1">
+              <a:shade val="50000"/>
+            </a:schemeClr>
+          </a:lnRef>
+          <a:fillRef idx="1">
+            <a:schemeClr val="accent1"/>
+          </a:fillRef>
+          <a:effectRef idx="0">
+            <a:schemeClr val="accent1"/>
+          </a:effectRef>
+          <a:fontRef idx="minor">
+            <a:schemeClr val="lt1"/>
+          </a:fontRef>
+        </p:style>
+        <p:txBody>
+          <a:bodyPr rtlCol="0" anchor="t"/>
+          <a:lstStyle/>
+          <a:p>
+            <a:r>
+              <a:rPr lang="en-US" dirty="0" smtClean="0"/>
+              <a:t>The preview window will show you the order of cuts, and the total cutting time. </a:t>
+            </a:r>
+            <a:endParaRPr lang="en-US" dirty="0"/>
+          </a:p>
+          <a:p>
+            <a:endParaRPr lang="en-US" dirty="0"/>
           </a:p>
         </p:txBody>
       </p:sp>
       <p:pic>
         <p:nvPicPr>
-          <p:cNvPr id="10243" name="Picture 3"/>
+          <p:cNvPr id="11267" name="Picture 3"/>
           <p:cNvPicPr>
             <a:picLocks noChangeAspect="1" noChangeArrowheads="1"/>
           </p:cNvPicPr>
@@ -7025,8 +7247,8 @@
         </p:blipFill>
         <p:spPr bwMode="auto">
           <a:xfrm>
-            <a:off x="4900613" y="806450"/>
-            <a:ext cx="4067175" cy="3352800"/>
+            <a:off x="3446606" y="1025525"/>
+            <a:ext cx="5146675" cy="4078497"/>
           </a:xfrm>
           <a:prstGeom prst="rect">
             <a:avLst/>
@@ -7056,119 +7278,10 @@
           </a:extLst>
         </p:spPr>
       </p:pic>
-      <p:sp>
-        <p:nvSpPr>
-          <p:cNvPr id="9" name="Rounded Rectangle 8"/>
-          <p:cNvSpPr/>
-          <p:nvPr/>
-        </p:nvSpPr>
-        <p:spPr>
-          <a:xfrm>
-            <a:off x="4267200" y="2880302"/>
-            <a:ext cx="2349500" cy="1424998"/>
-          </a:xfrm>
-          <a:prstGeom prst="roundRect">
-            <a:avLst>
-              <a:gd name="adj" fmla="val 6312"/>
-            </a:avLst>
-          </a:prstGeom>
-          <a:effectLst>
-            <a:outerShdw blurRad="50800" dist="38100" dir="2700000" algn="tl" rotWithShape="0">
-              <a:prstClr val="black">
-                <a:alpha val="40000"/>
-              </a:prstClr>
-            </a:outerShdw>
-          </a:effectLst>
-        </p:spPr>
-        <p:style>
-          <a:lnRef idx="2">
-            <a:schemeClr val="accent1">
-              <a:shade val="50000"/>
-            </a:schemeClr>
-          </a:lnRef>
-          <a:fillRef idx="1">
-            <a:schemeClr val="accent1"/>
-          </a:fillRef>
-          <a:effectRef idx="0">
-            <a:schemeClr val="accent1"/>
-          </a:effectRef>
-          <a:fontRef idx="minor">
-            <a:schemeClr val="lt1"/>
-          </a:fontRef>
-        </p:style>
-        <p:txBody>
-          <a:bodyPr rtlCol="0" anchor="t"/>
-          <a:lstStyle/>
-          <a:p>
-            <a:r>
-              <a:rPr lang="en-US" dirty="0" smtClean="0"/>
-              <a:t>Image Shape Properties give you some typical photo editing controls</a:t>
-            </a:r>
-          </a:p>
-        </p:txBody>
-      </p:sp>
-      <p:sp>
-        <p:nvSpPr>
-          <p:cNvPr id="10" name="Rounded Rectangle 9"/>
-          <p:cNvSpPr/>
-          <p:nvPr/>
-        </p:nvSpPr>
-        <p:spPr>
-          <a:xfrm>
-            <a:off x="711200" y="4483100"/>
-            <a:ext cx="7937500" cy="1841500"/>
-          </a:xfrm>
-          <a:prstGeom prst="roundRect">
-            <a:avLst>
-              <a:gd name="adj" fmla="val 6312"/>
-            </a:avLst>
-          </a:prstGeom>
-          <a:solidFill>
-            <a:srgbClr val="FF0000"/>
-          </a:solidFill>
-          <a:effectLst>
-            <a:outerShdw blurRad="50800" dist="38100" dir="2700000" algn="tl" rotWithShape="0">
-              <a:prstClr val="black">
-                <a:alpha val="40000"/>
-              </a:prstClr>
-            </a:outerShdw>
-          </a:effectLst>
-        </p:spPr>
-        <p:style>
-          <a:lnRef idx="2">
-            <a:schemeClr val="accent1">
-              <a:shade val="50000"/>
-            </a:schemeClr>
-          </a:lnRef>
-          <a:fillRef idx="1">
-            <a:schemeClr val="accent1"/>
-          </a:fillRef>
-          <a:effectRef idx="0">
-            <a:schemeClr val="accent1"/>
-          </a:effectRef>
-          <a:fontRef idx="minor">
-            <a:schemeClr val="lt1"/>
-          </a:fontRef>
-        </p:style>
-        <p:txBody>
-          <a:bodyPr rtlCol="0" anchor="t"/>
-          <a:lstStyle/>
-          <a:p>
-            <a:r>
-              <a:rPr lang="en-US" sz="2400" b="1" dirty="0" smtClean="0">
-                <a:solidFill>
-                  <a:schemeClr val="tx1"/>
-                </a:solidFill>
-              </a:rPr>
-              <a:t>We have a lot to learn about engraving images, so the info here is pretty lean. If you learn some things tell us so we can add here and share with other members.</a:t>
-            </a:r>
-          </a:p>
-        </p:txBody>
-      </p:sp>
     </p:spTree>
     <p:extLst>
       <p:ext uri="{BB962C8B-B14F-4D97-AF65-F5344CB8AC3E}">
-        <p14:creationId xmlns:p14="http://schemas.microsoft.com/office/powerpoint/2010/main" val="1680603455"/>
+        <p14:creationId xmlns:p14="http://schemas.microsoft.com/office/powerpoint/2010/main" val="4024142398"/>
       </p:ext>
     </p:extLst>
   </p:cSld>
@@ -7197,7 +7310,7 @@
       </p:grpSpPr>
       <p:pic>
         <p:nvPicPr>
-          <p:cNvPr id="11266" name="Picture 2"/>
+          <p:cNvPr id="12291" name="Picture 3"/>
           <p:cNvPicPr>
             <a:picLocks noChangeAspect="1" noChangeArrowheads="1"/>
           </p:cNvPicPr>
@@ -7218,8 +7331,8 @@
         </p:blipFill>
         <p:spPr bwMode="auto">
           <a:xfrm>
-            <a:off x="444500" y="1025525"/>
-            <a:ext cx="1676400" cy="2114550"/>
+            <a:off x="189040" y="1133475"/>
+            <a:ext cx="4029075" cy="2838450"/>
           </a:xfrm>
           <a:prstGeom prst="rect">
             <a:avLst/>
@@ -7266,7 +7379,15 @@
           <a:p>
             <a:r>
               <a:rPr lang="en-US" dirty="0" smtClean="0"/>
-              <a:t>Preview your cutting</a:t>
+              <a:t>Place your material</a:t>
+            </a:r>
+            <a:r>
+              <a:rPr lang="en-US" dirty="0"/>
+              <a:t> </a:t>
+            </a:r>
+            <a:r>
+              <a:rPr lang="en-US" dirty="0" smtClean="0"/>
+              <a:t>on the bed</a:t>
             </a:r>
             <a:endParaRPr lang="en-US" dirty="0"/>
           </a:p>
@@ -7326,8 +7447,8 @@
         </p:nvSpPr>
         <p:spPr>
           <a:xfrm>
-            <a:off x="189040" y="3444876"/>
-            <a:ext cx="2120900" cy="1990725"/>
+            <a:off x="4648200" y="1035051"/>
+            <a:ext cx="4305300" cy="5213349"/>
           </a:xfrm>
           <a:prstGeom prst="roundRect">
             <a:avLst>
@@ -7364,7 +7485,57 @@
           <a:p>
             <a:r>
               <a:rPr lang="en-US" dirty="0" smtClean="0"/>
-              <a:t>Select the Preview icon on the tool bar, or right click on the design space and select Preview.</a:t>
+              <a:t>You need to tell LightBurn where to start cutting from This is done in the Laser window.</a:t>
+            </a:r>
+          </a:p>
+          <a:p>
+            <a:pPr marL="285750" indent="-285750">
+              <a:buFont typeface="Arial" panose="020B0604020202020204" pitchFamily="34" charset="0"/>
+              <a:buChar char="•"/>
+            </a:pPr>
+            <a:r>
+              <a:rPr lang="en-US" dirty="0" smtClean="0"/>
+              <a:t>We recommend moving the laser to the back left corner of the material, and the following settings</a:t>
+            </a:r>
+          </a:p>
+          <a:p>
+            <a:pPr marL="285750" indent="-285750">
+              <a:buFont typeface="Arial" panose="020B0604020202020204" pitchFamily="34" charset="0"/>
+              <a:buChar char="•"/>
+            </a:pPr>
+            <a:r>
+              <a:rPr lang="en-US" dirty="0" smtClean="0"/>
+              <a:t>Start from “Current position” (the place where you just positioned the laser).</a:t>
+            </a:r>
+          </a:p>
+          <a:p>
+            <a:pPr marL="285750" indent="-285750">
+              <a:buFont typeface="Arial" panose="020B0604020202020204" pitchFamily="34" charset="0"/>
+              <a:buChar char="•"/>
+            </a:pPr>
+            <a:r>
+              <a:rPr lang="en-US" dirty="0" smtClean="0"/>
+              <a:t>Then select the “Job Origin”” to match which corner of the material you moved the laser to.  </a:t>
+            </a:r>
+          </a:p>
+          <a:p>
+            <a:pPr marL="285750" indent="-285750">
+              <a:buFont typeface="Arial" panose="020B0604020202020204" pitchFamily="34" charset="0"/>
+              <a:buChar char="•"/>
+            </a:pPr>
+            <a:r>
+              <a:rPr lang="en-US" dirty="0" smtClean="0"/>
+              <a:t>LightBurn will put a little green square on the design to show where the laser will start. </a:t>
+            </a:r>
+          </a:p>
+          <a:p>
+            <a:pPr marL="285750" indent="-285750">
+              <a:buFont typeface="Arial" panose="020B0604020202020204" pitchFamily="34" charset="0"/>
+              <a:buChar char="•"/>
+            </a:pPr>
+            <a:r>
+              <a:rPr lang="en-US" dirty="0" smtClean="0"/>
+              <a:t>The Next step (Frame) will tell you if you got everything right.</a:t>
             </a:r>
           </a:p>
         </p:txBody>
@@ -7372,15 +7543,13 @@
       <p:cxnSp>
         <p:nvCxnSpPr>
           <p:cNvPr id="33" name="Straight Arrow Connector 32"/>
-          <p:cNvCxnSpPr>
-            <a:stCxn id="7" idx="0"/>
-          </p:cNvCxnSpPr>
+          <p:cNvCxnSpPr/>
           <p:nvPr/>
         </p:nvCxnSpPr>
         <p:spPr>
-          <a:xfrm flipV="1">
-            <a:off x="1249490" y="1879600"/>
-            <a:ext cx="0" cy="1565276"/>
+          <a:xfrm flipH="1" flipV="1">
+            <a:off x="4113628" y="2141537"/>
+            <a:ext cx="636172" cy="665163"/>
           </a:xfrm>
           <a:prstGeom prst="straightConnector1">
             <a:avLst/>
@@ -7411,57 +7580,49 @@
           </a:fontRef>
         </p:style>
       </p:cxnSp>
-      <p:sp>
-        <p:nvSpPr>
-          <p:cNvPr id="34" name="Rounded Rectangle 33"/>
-          <p:cNvSpPr/>
-          <p:nvPr/>
-        </p:nvSpPr>
+      <p:cxnSp>
+        <p:nvCxnSpPr>
+          <p:cNvPr id="16" name="Straight Arrow Connector 15"/>
+          <p:cNvCxnSpPr/>
+          <p:nvPr/>
+        </p:nvCxnSpPr>
         <p:spPr>
-          <a:xfrm>
-            <a:off x="3446606" y="5257801"/>
-            <a:ext cx="4910281" cy="736599"/>
-          </a:xfrm>
-          <a:prstGeom prst="roundRect">
-            <a:avLst>
-              <a:gd name="adj" fmla="val 6312"/>
-            </a:avLst>
-          </a:prstGeom>
+          <a:xfrm flipH="1" flipV="1">
+            <a:off x="4013200" y="2806700"/>
+            <a:ext cx="736600" cy="700882"/>
+          </a:xfrm>
+          <a:prstGeom prst="straightConnector1">
+            <a:avLst/>
+          </a:prstGeom>
+          <a:ln w="57150">
+            <a:tailEnd type="stealth"/>
+          </a:ln>
+          <a:effectLst>
+            <a:outerShdw blurRad="50800" dist="38100" dir="2700000" algn="tl" rotWithShape="0">
+              <a:prstClr val="black">
+                <a:alpha val="40000"/>
+              </a:prstClr>
+            </a:outerShdw>
+          </a:effectLst>
         </p:spPr>
         <p:style>
-          <a:lnRef idx="2">
-            <a:schemeClr val="accent1">
-              <a:shade val="50000"/>
-            </a:schemeClr>
+          <a:lnRef idx="1">
+            <a:schemeClr val="accent1"/>
           </a:lnRef>
-          <a:fillRef idx="1">
+          <a:fillRef idx="0">
             <a:schemeClr val="accent1"/>
           </a:fillRef>
           <a:effectRef idx="0">
             <a:schemeClr val="accent1"/>
           </a:effectRef>
           <a:fontRef idx="minor">
-            <a:schemeClr val="lt1"/>
+            <a:schemeClr val="tx1"/>
           </a:fontRef>
         </p:style>
-        <p:txBody>
-          <a:bodyPr rtlCol="0" anchor="t"/>
-          <a:lstStyle/>
-          <a:p>
-            <a:r>
-              <a:rPr lang="en-US" dirty="0" smtClean="0"/>
-              <a:t>The preview window will show you the order of cuts, and the total cutting time. </a:t>
-            </a:r>
-            <a:endParaRPr lang="en-US" dirty="0"/>
-          </a:p>
-          <a:p>
-            <a:endParaRPr lang="en-US" dirty="0"/>
-          </a:p>
-        </p:txBody>
-      </p:sp>
+      </p:cxnSp>
       <p:pic>
         <p:nvPicPr>
-          <p:cNvPr id="11267" name="Picture 3"/>
+          <p:cNvPr id="12292" name="Picture 4"/>
           <p:cNvPicPr>
             <a:picLocks noChangeAspect="1" noChangeArrowheads="1"/>
           </p:cNvPicPr>
@@ -7482,8 +7643,8 @@
         </p:blipFill>
         <p:spPr bwMode="auto">
           <a:xfrm>
-            <a:off x="3446606" y="1025525"/>
-            <a:ext cx="5146675" cy="4078497"/>
+            <a:off x="550990" y="4338638"/>
+            <a:ext cx="3667125" cy="1819275"/>
           </a:xfrm>
           <a:prstGeom prst="rect">
             <a:avLst/>
@@ -7513,10 +7674,50 @@
           </a:extLst>
         </p:spPr>
       </p:pic>
+      <p:cxnSp>
+        <p:nvCxnSpPr>
+          <p:cNvPr id="19" name="Straight Arrow Connector 18"/>
+          <p:cNvCxnSpPr/>
+          <p:nvPr/>
+        </p:nvCxnSpPr>
+        <p:spPr>
+          <a:xfrm flipH="1" flipV="1">
+            <a:off x="1473200" y="4508501"/>
+            <a:ext cx="3263900" cy="82152"/>
+          </a:xfrm>
+          <a:prstGeom prst="straightConnector1">
+            <a:avLst/>
+          </a:prstGeom>
+          <a:ln w="57150">
+            <a:tailEnd type="stealth"/>
+          </a:ln>
+          <a:effectLst>
+            <a:outerShdw blurRad="50800" dist="38100" dir="2700000" algn="tl" rotWithShape="0">
+              <a:prstClr val="black">
+                <a:alpha val="40000"/>
+              </a:prstClr>
+            </a:outerShdw>
+          </a:effectLst>
+        </p:spPr>
+        <p:style>
+          <a:lnRef idx="1">
+            <a:schemeClr val="accent1"/>
+          </a:lnRef>
+          <a:fillRef idx="0">
+            <a:schemeClr val="accent1"/>
+          </a:fillRef>
+          <a:effectRef idx="0">
+            <a:schemeClr val="accent1"/>
+          </a:effectRef>
+          <a:fontRef idx="minor">
+            <a:schemeClr val="tx1"/>
+          </a:fontRef>
+        </p:style>
+      </p:cxnSp>
     </p:spTree>
     <p:extLst>
       <p:ext uri="{BB962C8B-B14F-4D97-AF65-F5344CB8AC3E}">
-        <p14:creationId xmlns:p14="http://schemas.microsoft.com/office/powerpoint/2010/main" val="4024142398"/>
+        <p14:creationId xmlns:p14="http://schemas.microsoft.com/office/powerpoint/2010/main" val="808207378"/>
       </p:ext>
     </p:extLst>
   </p:cSld>
@@ -7543,60 +7744,6 @@
           <a:chExt cx="0" cy="0"/>
         </a:xfrm>
       </p:grpSpPr>
-      <p:pic>
-        <p:nvPicPr>
-          <p:cNvPr id="12291" name="Picture 3"/>
-          <p:cNvPicPr>
-            <a:picLocks noChangeAspect="1" noChangeArrowheads="1"/>
-          </p:cNvPicPr>
-          <p:nvPr/>
-        </p:nvPicPr>
-        <p:blipFill>
-          <a:blip r:embed="rId2">
-            <a:extLst>
-              <a:ext uri="{28A0092B-C50C-407E-A947-70E740481C1C}">
-                <a14:useLocalDpi xmlns:a14="http://schemas.microsoft.com/office/drawing/2010/main" val="0"/>
-              </a:ext>
-            </a:extLst>
-          </a:blip>
-          <a:srcRect/>
-          <a:stretch>
-            <a:fillRect/>
-          </a:stretch>
-        </p:blipFill>
-        <p:spPr bwMode="auto">
-          <a:xfrm>
-            <a:off x="189040" y="1133475"/>
-            <a:ext cx="4029075" cy="2838450"/>
-          </a:xfrm>
-          <a:prstGeom prst="rect">
-            <a:avLst/>
-          </a:prstGeom>
-          <a:noFill/>
-          <a:ln>
-            <a:noFill/>
-          </a:ln>
-          <a:extLst>
-            <a:ext uri="{909E8E84-426E-40DD-AFC4-6F175D3DCCD1}">
-              <a14:hiddenFill xmlns:a14="http://schemas.microsoft.com/office/drawing/2010/main">
-                <a:solidFill>
-                  <a:schemeClr val="accent1"/>
-                </a:solidFill>
-              </a14:hiddenFill>
-            </a:ext>
-            <a:ext uri="{91240B29-F687-4F45-9708-019B960494DF}">
-              <a14:hiddenLine xmlns:a14="http://schemas.microsoft.com/office/drawing/2010/main" w="9525">
-                <a:solidFill>
-                  <a:schemeClr val="tx1"/>
-                </a:solidFill>
-                <a:miter lim="800000"/>
-                <a:headEnd/>
-                <a:tailEnd/>
-              </a14:hiddenLine>
-            </a:ext>
-          </a:extLst>
-        </p:spPr>
-      </p:pic>
       <p:sp>
         <p:nvSpPr>
           <p:cNvPr id="2" name="Title 1"/>
@@ -7614,15 +7761,7 @@
           <a:p>
             <a:r>
               <a:rPr lang="en-US" dirty="0" smtClean="0"/>
-              <a:t>Place your material</a:t>
-            </a:r>
-            <a:r>
-              <a:rPr lang="en-US" dirty="0"/>
-              <a:t> </a:t>
-            </a:r>
-            <a:r>
-              <a:rPr lang="en-US" dirty="0" smtClean="0"/>
-              <a:t>on the bed</a:t>
+              <a:t>“Focus” the laser </a:t>
             </a:r>
             <a:endParaRPr lang="en-US" dirty="0"/>
           </a:p>
@@ -7682,8 +7821,8 @@
         </p:nvSpPr>
         <p:spPr>
           <a:xfrm>
-            <a:off x="4648200" y="1035051"/>
-            <a:ext cx="4305300" cy="5213349"/>
+            <a:off x="342900" y="1981200"/>
+            <a:ext cx="3975100" cy="4276724"/>
           </a:xfrm>
           <a:prstGeom prst="roundRect">
             <a:avLst>
@@ -7719,79 +7858,43 @@
           <a:lstStyle/>
           <a:p>
             <a:r>
+              <a:rPr lang="en-US" sz="2800" b="1" dirty="0" smtClean="0"/>
+              <a:t>BIG RED</a:t>
+            </a:r>
+          </a:p>
+          <a:p>
+            <a:r>
               <a:rPr lang="en-US" dirty="0" smtClean="0"/>
-              <a:t>You need to tell LightBurn where to start cutting from This is done in the Laser window.</a:t>
-            </a:r>
-          </a:p>
-          <a:p>
-            <a:pPr marL="285750" indent="-285750">
-              <a:buFont typeface="Arial" panose="020B0604020202020204" pitchFamily="34" charset="0"/>
-              <a:buChar char="•"/>
-            </a:pPr>
+              <a:t>This laser “autofocuses” by moving the material bed up and down. We are still developing procedures that will be sure the laser doesn’t accidentally crash into itself while moving the bed.</a:t>
+            </a:r>
+          </a:p>
+          <a:p>
+            <a:endParaRPr lang="en-US" dirty="0"/>
+          </a:p>
+          <a:p>
             <a:r>
               <a:rPr lang="en-US" dirty="0" smtClean="0"/>
-              <a:t>We recommend moving the laser to the back left corner of the material, and the following settings</a:t>
-            </a:r>
-          </a:p>
-          <a:p>
-            <a:pPr marL="285750" indent="-285750">
-              <a:buFont typeface="Arial" panose="020B0604020202020204" pitchFamily="34" charset="0"/>
-              <a:buChar char="•"/>
-            </a:pPr>
-            <a:r>
-              <a:rPr lang="en-US" dirty="0" smtClean="0"/>
-              <a:t>Start from “Current position” (the place where you just positioned the laser).</a:t>
-            </a:r>
-          </a:p>
-          <a:p>
-            <a:pPr marL="285750" indent="-285750">
-              <a:buFont typeface="Arial" panose="020B0604020202020204" pitchFamily="34" charset="0"/>
-              <a:buChar char="•"/>
-            </a:pPr>
-            <a:r>
-              <a:rPr lang="en-US" dirty="0" smtClean="0"/>
-              <a:t>Then select the “Job Origin”” to match which corner of the material you moved the laser to.  </a:t>
-            </a:r>
-          </a:p>
-          <a:p>
-            <a:pPr marL="285750" indent="-285750">
-              <a:buFont typeface="Arial" panose="020B0604020202020204" pitchFamily="34" charset="0"/>
-              <a:buChar char="•"/>
-            </a:pPr>
-            <a:r>
-              <a:rPr lang="en-US" dirty="0" smtClean="0"/>
-              <a:t>LightBurn will put a little green square on the design to show where the laser will start. </a:t>
-            </a:r>
-          </a:p>
-          <a:p>
-            <a:pPr marL="285750" indent="-285750">
-              <a:buFont typeface="Arial" panose="020B0604020202020204" pitchFamily="34" charset="0"/>
-              <a:buChar char="•"/>
-            </a:pPr>
-            <a:r>
-              <a:rPr lang="en-US" dirty="0" smtClean="0"/>
-              <a:t>The Next step (Frame) will tell you if you got everything right.</a:t>
-            </a:r>
-          </a:p>
-        </p:txBody>
-      </p:sp>
-      <p:cxnSp>
-        <p:nvCxnSpPr>
-          <p:cNvPr id="33" name="Straight Arrow Connector 32"/>
-          <p:cNvCxnSpPr/>
-          <p:nvPr/>
-        </p:nvCxnSpPr>
+              <a:t>SO… Ask a monitor to help you with the focusing step on Big Red.</a:t>
+            </a:r>
+          </a:p>
+        </p:txBody>
+      </p:sp>
+      <p:sp>
+        <p:nvSpPr>
+          <p:cNvPr id="15" name="Rounded Rectangle 14"/>
+          <p:cNvSpPr/>
+          <p:nvPr/>
+        </p:nvSpPr>
         <p:spPr>
-          <a:xfrm flipH="1" flipV="1">
-            <a:off x="4113628" y="2141537"/>
-            <a:ext cx="636172" cy="665163"/>
-          </a:xfrm>
-          <a:prstGeom prst="straightConnector1">
-            <a:avLst/>
-          </a:prstGeom>
-          <a:ln w="57150">
-            <a:tailEnd type="stealth"/>
-          </a:ln>
+          <a:xfrm>
+            <a:off x="4673600" y="1981200"/>
+            <a:ext cx="4102100" cy="4483100"/>
+          </a:xfrm>
+          <a:prstGeom prst="roundRect">
+            <a:avLst>
+              <a:gd name="adj" fmla="val 6312"/>
+            </a:avLst>
+          </a:prstGeom>
           <a:effectLst>
             <a:outerShdw blurRad="50800" dist="38100" dir="2700000" algn="tl" rotWithShape="0">
               <a:prstClr val="black">
@@ -7801,37 +7904,89 @@
           </a:effectLst>
         </p:spPr>
         <p:style>
-          <a:lnRef idx="1">
-            <a:schemeClr val="accent1"/>
+          <a:lnRef idx="2">
+            <a:schemeClr val="accent1">
+              <a:shade val="50000"/>
+            </a:schemeClr>
           </a:lnRef>
-          <a:fillRef idx="0">
+          <a:fillRef idx="1">
             <a:schemeClr val="accent1"/>
           </a:fillRef>
           <a:effectRef idx="0">
             <a:schemeClr val="accent1"/>
           </a:effectRef>
           <a:fontRef idx="minor">
-            <a:schemeClr val="tx1"/>
+            <a:schemeClr val="lt1"/>
           </a:fontRef>
         </p:style>
-      </p:cxnSp>
-      <p:cxnSp>
-        <p:nvCxnSpPr>
-          <p:cNvPr id="16" name="Straight Arrow Connector 15"/>
-          <p:cNvCxnSpPr/>
-          <p:nvPr/>
-        </p:nvCxnSpPr>
+        <p:txBody>
+          <a:bodyPr rtlCol="0" anchor="t"/>
+          <a:lstStyle/>
+          <a:p>
+            <a:r>
+              <a:rPr lang="en-US" sz="2800" b="1" dirty="0" smtClean="0"/>
+              <a:t>LITTLE BLUE</a:t>
+            </a:r>
+          </a:p>
+          <a:p>
+            <a:r>
+              <a:rPr lang="en-US" dirty="0" smtClean="0"/>
+              <a:t>This laser focus is adjusted by moving the med up and down (not fussing with the lens like the old FS laser). There is a knob inside the laser – front right corner – that moves the bed up and down.</a:t>
+            </a:r>
+          </a:p>
+          <a:p>
+            <a:pPr marL="342900" indent="-342900">
+              <a:buFont typeface="+mj-lt"/>
+              <a:buAutoNum type="arabicPeriod"/>
+            </a:pPr>
+            <a:r>
+              <a:rPr lang="en-US" dirty="0" smtClean="0"/>
+              <a:t>Move the bed down so your material can be placed under the nozzle.</a:t>
+            </a:r>
+          </a:p>
+          <a:p>
+            <a:pPr marL="342900" indent="-342900">
+              <a:buFont typeface="+mj-lt"/>
+              <a:buAutoNum type="arabicPeriod"/>
+            </a:pPr>
+            <a:r>
+              <a:rPr lang="en-US" dirty="0" smtClean="0"/>
+              <a:t>Move the bed up until the nozzle is 6mm from the surface of your material. There is a piece is 6mm plywood to use as a gauge. </a:t>
+            </a:r>
+            <a:r>
+              <a:rPr lang="en-US" dirty="0"/>
+              <a:t>T</a:t>
+            </a:r>
+            <a:r>
+              <a:rPr lang="en-US" dirty="0" smtClean="0"/>
+              <a:t>he setting in not too fussy. You can see when the nozzle just about touches.</a:t>
+            </a:r>
+          </a:p>
+          <a:p>
+            <a:pPr marL="342900" indent="-342900">
+              <a:buFont typeface="+mj-lt"/>
+              <a:buAutoNum type="arabicPeriod"/>
+            </a:pPr>
+            <a:endParaRPr lang="en-US" dirty="0" smtClean="0"/>
+          </a:p>
+        </p:txBody>
+      </p:sp>
+      <p:sp>
+        <p:nvSpPr>
+          <p:cNvPr id="17" name="Rounded Rectangle 16"/>
+          <p:cNvSpPr/>
+          <p:nvPr/>
+        </p:nvSpPr>
         <p:spPr>
-          <a:xfrm flipH="1" flipV="1">
-            <a:off x="4013200" y="2806700"/>
-            <a:ext cx="736600" cy="700882"/>
-          </a:xfrm>
-          <a:prstGeom prst="straightConnector1">
-            <a:avLst/>
-          </a:prstGeom>
-          <a:ln w="57150">
-            <a:tailEnd type="stealth"/>
-          </a:ln>
+          <a:xfrm>
+            <a:off x="342900" y="889000"/>
+            <a:ext cx="8636000" cy="927100"/>
+          </a:xfrm>
+          <a:prstGeom prst="roundRect">
+            <a:avLst>
+              <a:gd name="adj" fmla="val 6312"/>
+            </a:avLst>
+          </a:prstGeom>
           <a:effectLst>
             <a:outerShdw blurRad="50800" dist="38100" dir="2700000" algn="tl" rotWithShape="0">
               <a:prstClr val="black">
@@ -7841,118 +7996,36 @@
           </a:effectLst>
         </p:spPr>
         <p:style>
-          <a:lnRef idx="1">
-            <a:schemeClr val="accent1"/>
+          <a:lnRef idx="2">
+            <a:schemeClr val="accent1">
+              <a:shade val="50000"/>
+            </a:schemeClr>
           </a:lnRef>
-          <a:fillRef idx="0">
+          <a:fillRef idx="1">
             <a:schemeClr val="accent1"/>
           </a:fillRef>
           <a:effectRef idx="0">
             <a:schemeClr val="accent1"/>
           </a:effectRef>
           <a:fontRef idx="minor">
-            <a:schemeClr val="tx1"/>
+            <a:schemeClr val="lt1"/>
           </a:fontRef>
         </p:style>
-      </p:cxnSp>
-      <p:pic>
-        <p:nvPicPr>
-          <p:cNvPr id="12292" name="Picture 4"/>
-          <p:cNvPicPr>
-            <a:picLocks noChangeAspect="1" noChangeArrowheads="1"/>
-          </p:cNvPicPr>
-          <p:nvPr/>
-        </p:nvPicPr>
-        <p:blipFill>
-          <a:blip r:embed="rId3">
-            <a:extLst>
-              <a:ext uri="{28A0092B-C50C-407E-A947-70E740481C1C}">
-                <a14:useLocalDpi xmlns:a14="http://schemas.microsoft.com/office/drawing/2010/main" val="0"/>
-              </a:ext>
-            </a:extLst>
-          </a:blip>
-          <a:srcRect/>
-          <a:stretch>
-            <a:fillRect/>
-          </a:stretch>
-        </p:blipFill>
-        <p:spPr bwMode="auto">
-          <a:xfrm>
-            <a:off x="550990" y="4338638"/>
-            <a:ext cx="3667125" cy="1819275"/>
-          </a:xfrm>
-          <a:prstGeom prst="rect">
-            <a:avLst/>
-          </a:prstGeom>
-          <a:noFill/>
-          <a:ln>
-            <a:noFill/>
-          </a:ln>
-          <a:extLst>
-            <a:ext uri="{909E8E84-426E-40DD-AFC4-6F175D3DCCD1}">
-              <a14:hiddenFill xmlns:a14="http://schemas.microsoft.com/office/drawing/2010/main">
-                <a:solidFill>
-                  <a:schemeClr val="accent1"/>
-                </a:solidFill>
-              </a14:hiddenFill>
-            </a:ext>
-            <a:ext uri="{91240B29-F687-4F45-9708-019B960494DF}">
-              <a14:hiddenLine xmlns:a14="http://schemas.microsoft.com/office/drawing/2010/main" w="9525">
-                <a:solidFill>
-                  <a:schemeClr val="tx1"/>
-                </a:solidFill>
-                <a:miter lim="800000"/>
-                <a:headEnd/>
-                <a:tailEnd/>
-              </a14:hiddenLine>
-            </a:ext>
-          </a:extLst>
-        </p:spPr>
-      </p:pic>
-      <p:cxnSp>
-        <p:nvCxnSpPr>
-          <p:cNvPr id="19" name="Straight Arrow Connector 18"/>
-          <p:cNvCxnSpPr/>
-          <p:nvPr/>
-        </p:nvCxnSpPr>
-        <p:spPr>
-          <a:xfrm flipH="1" flipV="1">
-            <a:off x="1473200" y="4508501"/>
-            <a:ext cx="3263900" cy="82152"/>
-          </a:xfrm>
-          <a:prstGeom prst="straightConnector1">
-            <a:avLst/>
-          </a:prstGeom>
-          <a:ln w="57150">
-            <a:tailEnd type="stealth"/>
-          </a:ln>
-          <a:effectLst>
-            <a:outerShdw blurRad="50800" dist="38100" dir="2700000" algn="tl" rotWithShape="0">
-              <a:prstClr val="black">
-                <a:alpha val="40000"/>
-              </a:prstClr>
-            </a:outerShdw>
-          </a:effectLst>
-        </p:spPr>
-        <p:style>
-          <a:lnRef idx="1">
-            <a:schemeClr val="accent1"/>
-          </a:lnRef>
-          <a:fillRef idx="0">
-            <a:schemeClr val="accent1"/>
-          </a:fillRef>
-          <a:effectRef idx="0">
-            <a:schemeClr val="accent1"/>
-          </a:effectRef>
-          <a:fontRef idx="minor">
-            <a:schemeClr val="tx1"/>
-          </a:fontRef>
-        </p:style>
-      </p:cxnSp>
+        <p:txBody>
+          <a:bodyPr rtlCol="0" anchor="t"/>
+          <a:lstStyle/>
+          <a:p>
+            <a:r>
+              <a:rPr lang="en-US" dirty="0" smtClean="0"/>
+              <a:t>Place your material on the cutting grid so that it is under the laser cutting head (you might need to move the laser over the top of your material – use the buttons on the laser control panel – you can’t grab the laser and move it like on the old FS laser.</a:t>
+            </a:r>
+          </a:p>
+        </p:txBody>
+      </p:sp>
     </p:spTree>
     <p:extLst>
       <p:ext uri="{BB962C8B-B14F-4D97-AF65-F5344CB8AC3E}">
-        <p14:creationId xmlns:p14="http://schemas.microsoft.com/office/powerpoint/2010/main" val="808207378"/>
+        <p14:creationId xmlns:p14="http://schemas.microsoft.com/office/powerpoint/2010/main" val="2955096631"/>
       </p:ext>
     </p:extLst>
   </p:cSld>
@@ -7979,6 +8052,60 @@
           <a:chExt cx="0" cy="0"/>
         </a:xfrm>
       </p:grpSpPr>
+      <p:pic>
+        <p:nvPicPr>
+          <p:cNvPr id="12291" name="Picture 3"/>
+          <p:cNvPicPr>
+            <a:picLocks noChangeAspect="1" noChangeArrowheads="1"/>
+          </p:cNvPicPr>
+          <p:nvPr/>
+        </p:nvPicPr>
+        <p:blipFill>
+          <a:blip r:embed="rId2">
+            <a:extLst>
+              <a:ext uri="{28A0092B-C50C-407E-A947-70E740481C1C}">
+                <a14:useLocalDpi xmlns:a14="http://schemas.microsoft.com/office/drawing/2010/main" val="0"/>
+              </a:ext>
+            </a:extLst>
+          </a:blip>
+          <a:srcRect/>
+          <a:stretch>
+            <a:fillRect/>
+          </a:stretch>
+        </p:blipFill>
+        <p:spPr bwMode="auto">
+          <a:xfrm>
+            <a:off x="189040" y="1133475"/>
+            <a:ext cx="4029075" cy="2838450"/>
+          </a:xfrm>
+          <a:prstGeom prst="rect">
+            <a:avLst/>
+          </a:prstGeom>
+          <a:noFill/>
+          <a:ln>
+            <a:noFill/>
+          </a:ln>
+          <a:extLst>
+            <a:ext uri="{909E8E84-426E-40DD-AFC4-6F175D3DCCD1}">
+              <a14:hiddenFill xmlns:a14="http://schemas.microsoft.com/office/drawing/2010/main">
+                <a:solidFill>
+                  <a:schemeClr val="accent1"/>
+                </a:solidFill>
+              </a14:hiddenFill>
+            </a:ext>
+            <a:ext uri="{91240B29-F687-4F45-9708-019B960494DF}">
+              <a14:hiddenLine xmlns:a14="http://schemas.microsoft.com/office/drawing/2010/main" w="9525">
+                <a:solidFill>
+                  <a:schemeClr val="tx1"/>
+                </a:solidFill>
+                <a:miter lim="800000"/>
+                <a:headEnd/>
+                <a:tailEnd/>
+              </a14:hiddenLine>
+            </a:ext>
+          </a:extLst>
+        </p:spPr>
+      </p:pic>
       <p:sp>
         <p:nvSpPr>
           <p:cNvPr id="2" name="Title 1"/>
@@ -7996,7 +8123,7 @@
           <a:p>
             <a:r>
               <a:rPr lang="en-US" dirty="0" smtClean="0"/>
-              <a:t>Focus</a:t>
+              <a:t>Frame</a:t>
             </a:r>
             <a:endParaRPr lang="en-US" dirty="0"/>
           </a:p>
@@ -8056,8 +8183,8 @@
         </p:nvSpPr>
         <p:spPr>
           <a:xfrm>
-            <a:off x="342900" y="1981200"/>
-            <a:ext cx="3975100" cy="4276724"/>
+            <a:off x="4648200" y="1044576"/>
+            <a:ext cx="4305300" cy="5213349"/>
           </a:xfrm>
           <a:prstGeom prst="roundRect">
             <a:avLst>
@@ -8093,174 +8220,154 @@
           <a:lstStyle/>
           <a:p>
             <a:r>
-              <a:rPr lang="en-US" sz="2800" b="1" dirty="0" smtClean="0"/>
-              <a:t>BIG RED</a:t>
-            </a:r>
-          </a:p>
-          <a:p>
-            <a:r>
               <a:rPr lang="en-US" dirty="0" smtClean="0"/>
-              <a:t>This laser “autofocuses” by moving the material bed up and down. We are still developing procedures that will be sure the laser doesn’t accidentally crash into itself while moving the bed.</a:t>
+              <a:t>When you click one of the two frame buttons, the laser will move around the outside of the area where the cuts will take place. If the laser traces off your material, something needs to be changed.</a:t>
             </a:r>
           </a:p>
           <a:p>
             <a:endParaRPr lang="en-US" dirty="0"/>
           </a:p>
           <a:p>
+            <a:endParaRPr lang="en-US" dirty="0" smtClean="0"/>
+          </a:p>
+          <a:p>
+            <a:endParaRPr lang="en-US" dirty="0"/>
+          </a:p>
+          <a:p>
             <a:r>
               <a:rPr lang="en-US" dirty="0" smtClean="0"/>
-              <a:t>SO… Ask a monitor to help you with the focusing step on Big Red.</a:t>
-            </a:r>
-          </a:p>
-        </p:txBody>
-      </p:sp>
-      <p:sp>
-        <p:nvSpPr>
-          <p:cNvPr id="15" name="Rounded Rectangle 14"/>
-          <p:cNvSpPr/>
-          <p:nvPr/>
-        </p:nvSpPr>
-        <p:spPr>
-          <a:xfrm>
-            <a:off x="4673600" y="1981200"/>
-            <a:ext cx="4102100" cy="4483100"/>
-          </a:xfrm>
-          <a:prstGeom prst="roundRect">
-            <a:avLst>
-              <a:gd name="adj" fmla="val 6312"/>
-            </a:avLst>
-          </a:prstGeom>
-          <a:effectLst>
-            <a:outerShdw blurRad="50800" dist="38100" dir="2700000" algn="tl" rotWithShape="0">
-              <a:prstClr val="black">
-                <a:alpha val="40000"/>
-              </a:prstClr>
-            </a:outerShdw>
-          </a:effectLst>
-        </p:spPr>
-        <p:style>
-          <a:lnRef idx="2">
-            <a:schemeClr val="accent1">
-              <a:shade val="50000"/>
-            </a:schemeClr>
-          </a:lnRef>
-          <a:fillRef idx="1">
-            <a:schemeClr val="accent1"/>
-          </a:fillRef>
-          <a:effectRef idx="0">
-            <a:schemeClr val="accent1"/>
-          </a:effectRef>
-          <a:fontRef idx="minor">
-            <a:schemeClr val="lt1"/>
-          </a:fontRef>
-        </p:style>
-        <p:txBody>
-          <a:bodyPr rtlCol="0" anchor="t"/>
-          <a:lstStyle/>
-          <a:p>
-            <a:r>
-              <a:rPr lang="en-US" sz="2800" b="1" dirty="0" smtClean="0"/>
-              <a:t>LITTLE BLUE</a:t>
-            </a:r>
+              <a:t>The laser traces a rectangle that encloses all the cuts to be made.</a:t>
+            </a:r>
+          </a:p>
+          <a:p>
+            <a:endParaRPr lang="en-US" dirty="0"/>
+          </a:p>
+          <a:p>
+            <a:endParaRPr lang="en-US" dirty="0" smtClean="0"/>
+          </a:p>
+          <a:p>
+            <a:endParaRPr lang="en-US" dirty="0"/>
           </a:p>
           <a:p>
             <a:r>
               <a:rPr lang="en-US" dirty="0" smtClean="0"/>
-              <a:t>This laser focus is adjusted by moving the med up and down (not fussing with the lens like the old FS laser). There is a knob inside the laser – front right corner – that moves the bed up and down.</a:t>
-            </a:r>
-          </a:p>
-          <a:p>
-            <a:pPr marL="342900" indent="-342900">
-              <a:buFont typeface="+mj-lt"/>
-              <a:buAutoNum type="arabicPeriod"/>
-            </a:pPr>
-            <a:r>
-              <a:rPr lang="en-US" dirty="0" smtClean="0"/>
-              <a:t>Move the bed down so your material can be placed under the nozzle.</a:t>
-            </a:r>
-          </a:p>
-          <a:p>
-            <a:pPr marL="342900" indent="-342900">
-              <a:buFont typeface="+mj-lt"/>
-              <a:buAutoNum type="arabicPeriod"/>
-            </a:pPr>
-            <a:r>
-              <a:rPr lang="en-US" dirty="0" smtClean="0"/>
-              <a:t>Move the bed up until the nozzle is 6mm from the surface of your material. There is a piece is 6mm plywood to use as a gauge. </a:t>
-            </a:r>
-            <a:r>
-              <a:rPr lang="en-US" dirty="0"/>
-              <a:t>T</a:t>
-            </a:r>
-            <a:r>
-              <a:rPr lang="en-US" dirty="0" smtClean="0"/>
-              <a:t>he setting in not too fussy. You can see when the nozzle just about touches.</a:t>
-            </a:r>
-          </a:p>
-          <a:p>
-            <a:pPr marL="342900" indent="-342900">
-              <a:buFont typeface="+mj-lt"/>
-              <a:buAutoNum type="arabicPeriod"/>
-            </a:pPr>
-            <a:endParaRPr lang="en-US" dirty="0" smtClean="0"/>
-          </a:p>
-        </p:txBody>
-      </p:sp>
-      <p:sp>
-        <p:nvSpPr>
-          <p:cNvPr id="17" name="Rounded Rectangle 16"/>
-          <p:cNvSpPr/>
-          <p:nvPr/>
-        </p:nvSpPr>
-        <p:spPr>
-          <a:xfrm>
-            <a:off x="342900" y="889000"/>
-            <a:ext cx="8636000" cy="927100"/>
-          </a:xfrm>
-          <a:prstGeom prst="roundRect">
-            <a:avLst>
-              <a:gd name="adj" fmla="val 6312"/>
-            </a:avLst>
-          </a:prstGeom>
-          <a:effectLst>
-            <a:outerShdw blurRad="50800" dist="38100" dir="2700000" algn="tl" rotWithShape="0">
-              <a:prstClr val="black">
-                <a:alpha val="40000"/>
-              </a:prstClr>
-            </a:outerShdw>
-          </a:effectLst>
-        </p:spPr>
-        <p:style>
-          <a:lnRef idx="2">
-            <a:schemeClr val="accent1">
-              <a:shade val="50000"/>
-            </a:schemeClr>
-          </a:lnRef>
-          <a:fillRef idx="1">
-            <a:schemeClr val="accent1"/>
-          </a:fillRef>
-          <a:effectRef idx="0">
-            <a:schemeClr val="accent1"/>
-          </a:effectRef>
-          <a:fontRef idx="minor">
-            <a:schemeClr val="lt1"/>
-          </a:fontRef>
-        </p:style>
-        <p:txBody>
-          <a:bodyPr rtlCol="0" anchor="t"/>
-          <a:lstStyle/>
-          <a:p>
-            <a:r>
-              <a:rPr lang="en-US" dirty="0" smtClean="0"/>
-              <a:t>Place your material on the cutting grid so that it is under the laser cutting head (you might need to move the laser over the top of your material – use the buttons on the laser control panel – you can’t grab the laser and move it like on the old FS laser.</a:t>
-            </a:r>
-          </a:p>
-        </p:txBody>
-      </p:sp>
+              <a:t>The laser traces a “rubber band line” around the shapes it will cut.  </a:t>
+            </a:r>
+          </a:p>
+        </p:txBody>
+      </p:sp>
+      <p:pic>
+        <p:nvPicPr>
+          <p:cNvPr id="13314" name="Picture 2"/>
+          <p:cNvPicPr>
+            <a:picLocks noChangeAspect="1" noChangeArrowheads="1"/>
+          </p:cNvPicPr>
+          <p:nvPr/>
+        </p:nvPicPr>
+        <p:blipFill>
+          <a:blip r:embed="rId3">
+            <a:extLst>
+              <a:ext uri="{28A0092B-C50C-407E-A947-70E740481C1C}">
+                <a14:useLocalDpi xmlns:a14="http://schemas.microsoft.com/office/drawing/2010/main" val="0"/>
+              </a:ext>
+            </a:extLst>
+          </a:blip>
+          <a:srcRect/>
+          <a:stretch>
+            <a:fillRect/>
+          </a:stretch>
+        </p:blipFill>
+        <p:spPr bwMode="auto">
+          <a:xfrm>
+            <a:off x="4749800" y="3050382"/>
+            <a:ext cx="1019175" cy="304800"/>
+          </a:xfrm>
+          <a:prstGeom prst="rect">
+            <a:avLst/>
+          </a:prstGeom>
+          <a:noFill/>
+          <a:ln>
+            <a:noFill/>
+          </a:ln>
+          <a:extLst>
+            <a:ext uri="{909E8E84-426E-40DD-AFC4-6F175D3DCCD1}">
+              <a14:hiddenFill xmlns:a14="http://schemas.microsoft.com/office/drawing/2010/main">
+                <a:solidFill>
+                  <a:schemeClr val="accent1"/>
+                </a:solidFill>
+              </a14:hiddenFill>
+            </a:ext>
+            <a:ext uri="{91240B29-F687-4F45-9708-019B960494DF}">
+              <a14:hiddenLine xmlns:a14="http://schemas.microsoft.com/office/drawing/2010/main" w="9525">
+                <a:solidFill>
+                  <a:schemeClr val="tx1"/>
+                </a:solidFill>
+                <a:miter lim="800000"/>
+                <a:headEnd/>
+                <a:tailEnd/>
+              </a14:hiddenLine>
+            </a:ext>
+          </a:extLst>
+        </p:spPr>
+      </p:pic>
+      <p:pic>
+        <p:nvPicPr>
+          <p:cNvPr id="13315" name="Picture 3"/>
+          <p:cNvPicPr>
+            <a:picLocks noChangeAspect="1" noChangeArrowheads="1"/>
+          </p:cNvPicPr>
+          <p:nvPr/>
+        </p:nvPicPr>
+        <p:blipFill>
+          <a:blip r:embed="rId4">
+            <a:extLst>
+              <a:ext uri="{28A0092B-C50C-407E-A947-70E740481C1C}">
+                <a14:useLocalDpi xmlns:a14="http://schemas.microsoft.com/office/drawing/2010/main" val="0"/>
+              </a:ext>
+            </a:extLst>
+          </a:blip>
+          <a:srcRect/>
+          <a:stretch>
+            <a:fillRect/>
+          </a:stretch>
+        </p:blipFill>
+        <p:spPr bwMode="auto">
+          <a:xfrm>
+            <a:off x="4770565" y="4416227"/>
+            <a:ext cx="1000125" cy="266700"/>
+          </a:xfrm>
+          <a:prstGeom prst="rect">
+            <a:avLst/>
+          </a:prstGeom>
+          <a:noFill/>
+          <a:ln>
+            <a:noFill/>
+          </a:ln>
+          <a:extLst>
+            <a:ext uri="{909E8E84-426E-40DD-AFC4-6F175D3DCCD1}">
+              <a14:hiddenFill xmlns:a14="http://schemas.microsoft.com/office/drawing/2010/main">
+                <a:solidFill>
+                  <a:schemeClr val="accent1"/>
+                </a:solidFill>
+              </a14:hiddenFill>
+            </a:ext>
+            <a:ext uri="{91240B29-F687-4F45-9708-019B960494DF}">
+              <a14:hiddenLine xmlns:a14="http://schemas.microsoft.com/office/drawing/2010/main" w="9525">
+                <a:solidFill>
+                  <a:schemeClr val="tx1"/>
+                </a:solidFill>
+                <a:miter lim="800000"/>
+                <a:headEnd/>
+                <a:tailEnd/>
+              </a14:hiddenLine>
+            </a:ext>
+          </a:extLst>
+        </p:spPr>
+      </p:pic>
     </p:spTree>
     <p:extLst>
       <p:ext uri="{BB962C8B-B14F-4D97-AF65-F5344CB8AC3E}">
-        <p14:creationId xmlns:p14="http://schemas.microsoft.com/office/powerpoint/2010/main" val="2955096631"/>
+        <p14:creationId xmlns:p14="http://schemas.microsoft.com/office/powerpoint/2010/main" val="2959392942"/>
       </p:ext>
     </p:extLst>
   </p:cSld>
@@ -8287,60 +8394,6 @@
           <a:chExt cx="0" cy="0"/>
         </a:xfrm>
       </p:grpSpPr>
-      <p:pic>
-        <p:nvPicPr>
-          <p:cNvPr id="12291" name="Picture 3"/>
-          <p:cNvPicPr>
-            <a:picLocks noChangeAspect="1" noChangeArrowheads="1"/>
-          </p:cNvPicPr>
-          <p:nvPr/>
-        </p:nvPicPr>
-        <p:blipFill>
-          <a:blip r:embed="rId2">
-            <a:extLst>
-              <a:ext uri="{28A0092B-C50C-407E-A947-70E740481C1C}">
-                <a14:useLocalDpi xmlns:a14="http://schemas.microsoft.com/office/drawing/2010/main" val="0"/>
-              </a:ext>
-            </a:extLst>
-          </a:blip>
-          <a:srcRect/>
-          <a:stretch>
-            <a:fillRect/>
-          </a:stretch>
-        </p:blipFill>
-        <p:spPr bwMode="auto">
-          <a:xfrm>
-            <a:off x="189040" y="1133475"/>
-            <a:ext cx="4029075" cy="2838450"/>
-          </a:xfrm>
-          <a:prstGeom prst="rect">
-            <a:avLst/>
-          </a:prstGeom>
-          <a:noFill/>
-          <a:ln>
-            <a:noFill/>
-          </a:ln>
-          <a:extLst>
-            <a:ext uri="{909E8E84-426E-40DD-AFC4-6F175D3DCCD1}">
-              <a14:hiddenFill xmlns:a14="http://schemas.microsoft.com/office/drawing/2010/main">
-                <a:solidFill>
-                  <a:schemeClr val="accent1"/>
-                </a:solidFill>
-              </a14:hiddenFill>
-            </a:ext>
-            <a:ext uri="{91240B29-F687-4F45-9708-019B960494DF}">
-              <a14:hiddenLine xmlns:a14="http://schemas.microsoft.com/office/drawing/2010/main" w="9525">
-                <a:solidFill>
-                  <a:schemeClr val="tx1"/>
-                </a:solidFill>
-                <a:miter lim="800000"/>
-                <a:headEnd/>
-                <a:tailEnd/>
-              </a14:hiddenLine>
-            </a:ext>
-          </a:extLst>
-        </p:spPr>
-      </p:pic>
       <p:sp>
         <p:nvSpPr>
           <p:cNvPr id="2" name="Title 1"/>
@@ -8358,7 +8411,15 @@
           <a:p>
             <a:r>
               <a:rPr lang="en-US" dirty="0" smtClean="0"/>
-              <a:t>Frame</a:t>
+              <a:t>Vector Gra</a:t>
+            </a:r>
+            <a:r>
+              <a:rPr lang="en-US" dirty="0" smtClean="0"/>
+              <a:t>phic</a:t>
+            </a:r>
+            <a:r>
+              <a:rPr lang="en-US" dirty="0" smtClean="0"/>
+              <a:t>s vs Images</a:t>
             </a:r>
             <a:endParaRPr lang="en-US" dirty="0"/>
           </a:p>
@@ -8456,25 +8517,170 @@
           <a:p>
             <a:r>
               <a:rPr lang="en-US" dirty="0" smtClean="0"/>
-              <a:t>When you click one of the two frame buttons, the laser will move around the outside of the area where the cuts will take place. If the laser traces off your material, something needs to be changed.</a:t>
+              <a:t>IMAGES (Raster graphics):</a:t>
+            </a:r>
+          </a:p>
+          <a:p>
+            <a:r>
+              <a:rPr lang="en-US" dirty="0" smtClean="0"/>
+              <a:t>Definition: A group dots (pixels), each with a color , that make up an image. </a:t>
+            </a:r>
+          </a:p>
+          <a:p>
+            <a:r>
+              <a:rPr lang="en-US" dirty="0" smtClean="0"/>
+              <a:t>If you keep zooming in, you eventually see the dots. </a:t>
             </a:r>
           </a:p>
           <a:p>
             <a:endParaRPr lang="en-US" dirty="0"/>
           </a:p>
           <a:p>
+            <a:r>
+              <a:rPr lang="en-US" dirty="0" smtClean="0"/>
+              <a:t>Why do we care?</a:t>
+            </a:r>
+          </a:p>
+          <a:p>
+            <a:pPr marL="285750" indent="-285750">
+              <a:buFont typeface="Arial" panose="020B0604020202020204" pitchFamily="34" charset="0"/>
+              <a:buChar char="•"/>
+            </a:pPr>
+            <a:r>
+              <a:rPr lang="en-US" dirty="0" smtClean="0"/>
+              <a:t>We can burn a picture of “Little Jimmy” on something we make.</a:t>
+            </a:r>
+          </a:p>
+          <a:p>
+            <a:pPr marL="285750" indent="-285750">
+              <a:buFont typeface="Arial" panose="020B0604020202020204" pitchFamily="34" charset="0"/>
+              <a:buChar char="•"/>
+            </a:pPr>
+            <a:r>
+              <a:rPr lang="en-US" dirty="0" smtClean="0"/>
+              <a:t>Since the laser needs to travel to each pixel location, and fire an amount of energy based on the color of the pixel, it can take a long time to render an image.</a:t>
+            </a:r>
+          </a:p>
+          <a:p>
+            <a:pPr marL="285750" indent="-285750">
+              <a:buFont typeface="Arial" panose="020B0604020202020204" pitchFamily="34" charset="0"/>
+              <a:buChar char="•"/>
+            </a:pPr>
+            <a:r>
+              <a:rPr lang="en-US" dirty="0" smtClean="0"/>
+              <a:t>We can cut through the material based on a  raster image, but it’s tedious and impractical. Like cutting a piece of paper in hole with a hole punch.</a:t>
+            </a:r>
             <a:endParaRPr lang="en-US" dirty="0" smtClean="0"/>
           </a:p>
-          <a:p>
+        </p:txBody>
+      </p:sp>
+      <p:sp>
+        <p:nvSpPr>
+          <p:cNvPr id="9" name="Rounded Rectangle 8"/>
+          <p:cNvSpPr/>
+          <p:nvPr/>
+        </p:nvSpPr>
+        <p:spPr>
+          <a:xfrm>
+            <a:off x="241300" y="1044576"/>
+            <a:ext cx="4305300" cy="5213349"/>
+          </a:xfrm>
+          <a:prstGeom prst="roundRect">
+            <a:avLst>
+              <a:gd name="adj" fmla="val 6312"/>
+            </a:avLst>
+          </a:prstGeom>
+          <a:effectLst>
+            <a:outerShdw blurRad="50800" dist="38100" dir="2700000" algn="tl" rotWithShape="0">
+              <a:prstClr val="black">
+                <a:alpha val="40000"/>
+              </a:prstClr>
+            </a:outerShdw>
+          </a:effectLst>
+        </p:spPr>
+        <p:style>
+          <a:lnRef idx="2">
+            <a:schemeClr val="accent1">
+              <a:shade val="50000"/>
+            </a:schemeClr>
+          </a:lnRef>
+          <a:fillRef idx="1">
+            <a:schemeClr val="accent1"/>
+          </a:fillRef>
+          <a:effectRef idx="0">
+            <a:schemeClr val="accent1"/>
+          </a:effectRef>
+          <a:fontRef idx="minor">
+            <a:schemeClr val="lt1"/>
+          </a:fontRef>
+        </p:style>
+        <p:txBody>
+          <a:bodyPr rtlCol="0" anchor="t"/>
+          <a:lstStyle/>
+          <a:p>
+            <a:r>
+              <a:rPr lang="en-US" dirty="0" smtClean="0"/>
+              <a:t>VECTOR GRAPHICS: </a:t>
+            </a:r>
+          </a:p>
+          <a:p>
+            <a:r>
+              <a:rPr lang="en-US" dirty="0" smtClean="0"/>
+              <a:t>Definition:  Points, lines, curves defined by math. </a:t>
+            </a:r>
+          </a:p>
+          <a:p>
+            <a:r>
+              <a:rPr lang="en-US" dirty="0" smtClean="0"/>
+              <a:t>If you keep zooming in, the lines stay sharp.</a:t>
+            </a:r>
             <a:endParaRPr lang="en-US" dirty="0"/>
           </a:p>
           <a:p>
+            <a:endParaRPr lang="en-US" dirty="0" smtClean="0"/>
+          </a:p>
+          <a:p>
             <a:r>
               <a:rPr lang="en-US" dirty="0" smtClean="0"/>
-              <a:t>The laser traces a rectangle that encloses all the cuts to be made.</a:t>
-            </a:r>
-          </a:p>
-          <a:p>
+              <a:t>Why do we care? </a:t>
+            </a:r>
+          </a:p>
+          <a:p>
+            <a:pPr marL="285750" indent="-285750">
+              <a:buFont typeface="Arial" panose="020B0604020202020204" pitchFamily="34" charset="0"/>
+              <a:buChar char="•"/>
+            </a:pPr>
+            <a:r>
+              <a:rPr lang="en-US" dirty="0" smtClean="0"/>
+              <a:t>We can enlarge or shrink vector images and not lose image quality.</a:t>
+            </a:r>
+          </a:p>
+          <a:p>
+            <a:pPr marL="285750" indent="-285750">
+              <a:buFont typeface="Arial" panose="020B0604020202020204" pitchFamily="34" charset="0"/>
+              <a:buChar char="•"/>
+            </a:pPr>
+            <a:r>
+              <a:rPr lang="en-US" dirty="0" smtClean="0"/>
+              <a:t>The laser can be easily guided along these lines to cut through the material.</a:t>
+            </a:r>
+          </a:p>
+          <a:p>
+            <a:pPr marL="285750" indent="-285750">
+              <a:buFont typeface="Arial" panose="020B0604020202020204" pitchFamily="34" charset="0"/>
+              <a:buChar char="•"/>
+            </a:pPr>
+            <a:r>
+              <a:rPr lang="en-US" dirty="0" smtClean="0"/>
+              <a:t>There are lots of programs that let us create designs we save as vector format.</a:t>
+            </a:r>
+            <a:endParaRPr lang="en-US" dirty="0" smtClean="0"/>
+          </a:p>
+          <a:p>
+            <a:pPr marL="285750" indent="-285750">
+              <a:buFont typeface="Arial" panose="020B0604020202020204" pitchFamily="34" charset="0"/>
+              <a:buChar char="•"/>
+            </a:pPr>
             <a:endParaRPr lang="en-US" dirty="0"/>
           </a:p>
           <a:p>
@@ -8483,126 +8689,12 @@
           <a:p>
             <a:endParaRPr lang="en-US" dirty="0"/>
           </a:p>
-          <a:p>
-            <a:r>
-              <a:rPr lang="en-US" dirty="0" smtClean="0"/>
-              <a:t>The laser traces a “rubber band line” around the shapes it will cut.  </a:t>
-            </a:r>
-          </a:p>
-        </p:txBody>
-      </p:sp>
-      <p:pic>
-        <p:nvPicPr>
-          <p:cNvPr id="13314" name="Picture 2"/>
-          <p:cNvPicPr>
-            <a:picLocks noChangeAspect="1" noChangeArrowheads="1"/>
-          </p:cNvPicPr>
-          <p:nvPr/>
-        </p:nvPicPr>
-        <p:blipFill>
-          <a:blip r:embed="rId3">
-            <a:extLst>
-              <a:ext uri="{28A0092B-C50C-407E-A947-70E740481C1C}">
-                <a14:useLocalDpi xmlns:a14="http://schemas.microsoft.com/office/drawing/2010/main" val="0"/>
-              </a:ext>
-            </a:extLst>
-          </a:blip>
-          <a:srcRect/>
-          <a:stretch>
-            <a:fillRect/>
-          </a:stretch>
-        </p:blipFill>
-        <p:spPr bwMode="auto">
-          <a:xfrm>
-            <a:off x="4749800" y="3050382"/>
-            <a:ext cx="1019175" cy="304800"/>
-          </a:xfrm>
-          <a:prstGeom prst="rect">
-            <a:avLst/>
-          </a:prstGeom>
-          <a:noFill/>
-          <a:ln>
-            <a:noFill/>
-          </a:ln>
-          <a:extLst>
-            <a:ext uri="{909E8E84-426E-40DD-AFC4-6F175D3DCCD1}">
-              <a14:hiddenFill xmlns:a14="http://schemas.microsoft.com/office/drawing/2010/main">
-                <a:solidFill>
-                  <a:schemeClr val="accent1"/>
-                </a:solidFill>
-              </a14:hiddenFill>
-            </a:ext>
-            <a:ext uri="{91240B29-F687-4F45-9708-019B960494DF}">
-              <a14:hiddenLine xmlns:a14="http://schemas.microsoft.com/office/drawing/2010/main" w="9525">
-                <a:solidFill>
-                  <a:schemeClr val="tx1"/>
-                </a:solidFill>
-                <a:miter lim="800000"/>
-                <a:headEnd/>
-                <a:tailEnd/>
-              </a14:hiddenLine>
-            </a:ext>
-          </a:extLst>
-        </p:spPr>
-      </p:pic>
-      <p:pic>
-        <p:nvPicPr>
-          <p:cNvPr id="13315" name="Picture 3"/>
-          <p:cNvPicPr>
-            <a:picLocks noChangeAspect="1" noChangeArrowheads="1"/>
-          </p:cNvPicPr>
-          <p:nvPr/>
-        </p:nvPicPr>
-        <p:blipFill>
-          <a:blip r:embed="rId4">
-            <a:extLst>
-              <a:ext uri="{28A0092B-C50C-407E-A947-70E740481C1C}">
-                <a14:useLocalDpi xmlns:a14="http://schemas.microsoft.com/office/drawing/2010/main" val="0"/>
-              </a:ext>
-            </a:extLst>
-          </a:blip>
-          <a:srcRect/>
-          <a:stretch>
-            <a:fillRect/>
-          </a:stretch>
-        </p:blipFill>
-        <p:spPr bwMode="auto">
-          <a:xfrm>
-            <a:off x="4770565" y="4416227"/>
-            <a:ext cx="1000125" cy="266700"/>
-          </a:xfrm>
-          <a:prstGeom prst="rect">
-            <a:avLst/>
-          </a:prstGeom>
-          <a:noFill/>
-          <a:ln>
-            <a:noFill/>
-          </a:ln>
-          <a:extLst>
-            <a:ext uri="{909E8E84-426E-40DD-AFC4-6F175D3DCCD1}">
-              <a14:hiddenFill xmlns:a14="http://schemas.microsoft.com/office/drawing/2010/main">
-                <a:solidFill>
-                  <a:schemeClr val="accent1"/>
-                </a:solidFill>
-              </a14:hiddenFill>
-            </a:ext>
-            <a:ext uri="{91240B29-F687-4F45-9708-019B960494DF}">
-              <a14:hiddenLine xmlns:a14="http://schemas.microsoft.com/office/drawing/2010/main" w="9525">
-                <a:solidFill>
-                  <a:schemeClr val="tx1"/>
-                </a:solidFill>
-                <a:miter lim="800000"/>
-                <a:headEnd/>
-                <a:tailEnd/>
-              </a14:hiddenLine>
-            </a:ext>
-          </a:extLst>
-        </p:spPr>
-      </p:pic>
+        </p:txBody>
+      </p:sp>
     </p:spTree>
     <p:extLst>
       <p:ext uri="{BB962C8B-B14F-4D97-AF65-F5344CB8AC3E}">
-        <p14:creationId xmlns:p14="http://schemas.microsoft.com/office/powerpoint/2010/main" val="2959392942"/>
+        <p14:creationId xmlns:p14="http://schemas.microsoft.com/office/powerpoint/2010/main" val="661753619"/>
       </p:ext>
     </p:extLst>
   </p:cSld>
@@ -8973,6 +9065,3427 @@
         </p:nvSpPr>
         <p:spPr/>
         <p:txBody>
+          <a:bodyPr/>
+          <a:lstStyle/>
+          <a:p>
+            <a:r>
+              <a:rPr lang="en-US" dirty="0" smtClean="0"/>
+              <a:t>Image workflows</a:t>
+            </a:r>
+            <a:endParaRPr lang="en-US" dirty="0"/>
+          </a:p>
+        </p:txBody>
+      </p:sp>
+      <p:sp>
+        <p:nvSpPr>
+          <p:cNvPr id="3" name="Footer Placeholder 2"/>
+          <p:cNvSpPr>
+            <a:spLocks noGrp="1"/>
+          </p:cNvSpPr>
+          <p:nvPr>
+            <p:ph type="ftr" sz="quarter" idx="11"/>
+          </p:nvPr>
+        </p:nvSpPr>
+        <p:spPr/>
+        <p:txBody>
+          <a:bodyPr/>
+          <a:lstStyle/>
+          <a:p>
+            <a:r>
+              <a:rPr lang="en-US" smtClean="0"/>
+              <a:t>Intro To LightBurn sw</a:t>
+            </a:r>
+            <a:endParaRPr lang="en-US" dirty="0"/>
+          </a:p>
+        </p:txBody>
+      </p:sp>
+      <p:sp>
+        <p:nvSpPr>
+          <p:cNvPr id="4" name="Slide Number Placeholder 3"/>
+          <p:cNvSpPr>
+            <a:spLocks noGrp="1"/>
+          </p:cNvSpPr>
+          <p:nvPr>
+            <p:ph type="sldNum" sz="quarter" idx="12"/>
+          </p:nvPr>
+        </p:nvSpPr>
+        <p:spPr/>
+        <p:txBody>
+          <a:bodyPr/>
+          <a:lstStyle/>
+          <a:p>
+            <a:fld id="{EDE95D0A-8472-402B-9EB1-190FD5AB15C8}" type="slidenum">
+              <a:rPr lang="en-US" smtClean="0"/>
+              <a:t>20</a:t>
+            </a:fld>
+            <a:endParaRPr lang="en-US" dirty="0"/>
+          </a:p>
+        </p:txBody>
+      </p:sp>
+      <p:sp>
+        <p:nvSpPr>
+          <p:cNvPr id="5" name="Rounded Rectangle 4"/>
+          <p:cNvSpPr/>
+          <p:nvPr/>
+        </p:nvSpPr>
+        <p:spPr>
+          <a:xfrm>
+            <a:off x="342900" y="889000"/>
+            <a:ext cx="8636000" cy="927100"/>
+          </a:xfrm>
+          <a:prstGeom prst="roundRect">
+            <a:avLst>
+              <a:gd name="adj" fmla="val 6312"/>
+            </a:avLst>
+          </a:prstGeom>
+          <a:effectLst>
+            <a:outerShdw blurRad="50800" dist="38100" dir="2700000" algn="tl" rotWithShape="0">
+              <a:prstClr val="black">
+                <a:alpha val="40000"/>
+              </a:prstClr>
+            </a:outerShdw>
+          </a:effectLst>
+        </p:spPr>
+        <p:style>
+          <a:lnRef idx="2">
+            <a:schemeClr val="accent1">
+              <a:shade val="50000"/>
+            </a:schemeClr>
+          </a:lnRef>
+          <a:fillRef idx="1">
+            <a:schemeClr val="accent1"/>
+          </a:fillRef>
+          <a:effectRef idx="0">
+            <a:schemeClr val="accent1"/>
+          </a:effectRef>
+          <a:fontRef idx="minor">
+            <a:schemeClr val="lt1"/>
+          </a:fontRef>
+        </p:style>
+        <p:txBody>
+          <a:bodyPr rtlCol="0" anchor="t"/>
+          <a:lstStyle/>
+          <a:p>
+            <a:r>
+              <a:rPr lang="en-US" dirty="0" smtClean="0"/>
+              <a:t>There are generally two destinations people are pursuing when working with images:</a:t>
+            </a:r>
+          </a:p>
+          <a:p>
+            <a:r>
+              <a:rPr lang="en-US" dirty="0" smtClean="0"/>
+              <a:t>1. Burn a realistic picture onto something.</a:t>
+            </a:r>
+          </a:p>
+          <a:p>
+            <a:r>
+              <a:rPr lang="en-US" dirty="0" smtClean="0"/>
+              <a:t>2. Extract from the image to create something to cut/engrave.</a:t>
+            </a:r>
+            <a:endParaRPr lang="en-US" dirty="0" smtClean="0"/>
+          </a:p>
+        </p:txBody>
+      </p:sp>
+      <p:sp>
+        <p:nvSpPr>
+          <p:cNvPr id="6" name="Rounded Rectangle 5"/>
+          <p:cNvSpPr/>
+          <p:nvPr/>
+        </p:nvSpPr>
+        <p:spPr>
+          <a:xfrm>
+            <a:off x="342900" y="1981200"/>
+            <a:ext cx="3975100" cy="4276724"/>
+          </a:xfrm>
+          <a:prstGeom prst="roundRect">
+            <a:avLst>
+              <a:gd name="adj" fmla="val 6312"/>
+            </a:avLst>
+          </a:prstGeom>
+          <a:effectLst>
+            <a:outerShdw blurRad="50800" dist="38100" dir="2700000" algn="tl" rotWithShape="0">
+              <a:prstClr val="black">
+                <a:alpha val="40000"/>
+              </a:prstClr>
+            </a:outerShdw>
+          </a:effectLst>
+        </p:spPr>
+        <p:style>
+          <a:lnRef idx="2">
+            <a:schemeClr val="accent1">
+              <a:shade val="50000"/>
+            </a:schemeClr>
+          </a:lnRef>
+          <a:fillRef idx="1">
+            <a:schemeClr val="accent1"/>
+          </a:fillRef>
+          <a:effectRef idx="0">
+            <a:schemeClr val="accent1"/>
+          </a:effectRef>
+          <a:fontRef idx="minor">
+            <a:schemeClr val="lt1"/>
+          </a:fontRef>
+        </p:style>
+        <p:txBody>
+          <a:bodyPr rtlCol="0" anchor="t"/>
+          <a:lstStyle/>
+          <a:p>
+            <a:r>
+              <a:rPr lang="en-US" sz="2800" b="1" dirty="0" smtClean="0"/>
+              <a:t>Realistic pictures</a:t>
+            </a:r>
+            <a:endParaRPr lang="en-US" sz="2800" b="1" dirty="0" smtClean="0"/>
+          </a:p>
+          <a:p>
+            <a:pPr marL="342900" indent="-342900">
+              <a:buFont typeface="+mj-lt"/>
+              <a:buAutoNum type="arabicPeriod"/>
+            </a:pPr>
+            <a:r>
+              <a:rPr lang="en-US" dirty="0" smtClean="0"/>
+              <a:t>Insert your picture.</a:t>
+            </a:r>
+          </a:p>
+          <a:p>
+            <a:pPr marL="342900" indent="-342900">
+              <a:buFont typeface="+mj-lt"/>
+              <a:buAutoNum type="arabicPeriod"/>
+            </a:pPr>
+            <a:r>
+              <a:rPr lang="en-US" dirty="0" smtClean="0"/>
+              <a:t>Scale </a:t>
+            </a:r>
+            <a:r>
+              <a:rPr lang="en-US" dirty="0"/>
+              <a:t>it up/down to fit your intended size.</a:t>
+            </a:r>
+          </a:p>
+          <a:p>
+            <a:pPr marL="342900" indent="-342900">
+              <a:buFont typeface="+mj-lt"/>
+              <a:buAutoNum type="arabicPeriod"/>
+            </a:pPr>
+            <a:r>
+              <a:rPr lang="en-US" dirty="0" smtClean="0"/>
+              <a:t>Select the image, then Right click </a:t>
+            </a:r>
+            <a:r>
+              <a:rPr lang="en-US" dirty="0" smtClean="0"/>
+              <a:t>the image and select “Adjust Image” from the pop-up menu.</a:t>
+            </a:r>
+          </a:p>
+          <a:p>
+            <a:pPr marL="342900" indent="-342900">
+              <a:buFont typeface="+mj-lt"/>
+              <a:buAutoNum type="arabicPeriod"/>
+            </a:pPr>
+            <a:r>
+              <a:rPr lang="en-US" dirty="0" smtClean="0"/>
+              <a:t>Select the “</a:t>
+            </a:r>
+            <a:r>
+              <a:rPr lang="en-US" dirty="0" smtClean="0"/>
+              <a:t>Image Mode” and adjust as desired. Click OK.</a:t>
+            </a:r>
+          </a:p>
+          <a:p>
+            <a:pPr marL="342900" indent="-342900">
+              <a:buFont typeface="+mj-lt"/>
+              <a:buAutoNum type="arabicPeriod"/>
+            </a:pPr>
+            <a:r>
+              <a:rPr lang="en-US" dirty="0" smtClean="0"/>
+              <a:t>Modify speed/power in the Cuts/Layers menu. </a:t>
+            </a:r>
+          </a:p>
+          <a:p>
+            <a:pPr marL="342900" indent="-342900">
+              <a:buFont typeface="+mj-lt"/>
+              <a:buAutoNum type="arabicPeriod"/>
+            </a:pPr>
+            <a:endParaRPr lang="en-US" dirty="0"/>
+          </a:p>
+          <a:p>
+            <a:r>
+              <a:rPr lang="en-US" dirty="0" smtClean="0"/>
+              <a:t>This is a trial/error process. Expect to spend time finding your artistic muse.</a:t>
+            </a:r>
+            <a:endParaRPr lang="en-US" dirty="0" smtClean="0"/>
+          </a:p>
+        </p:txBody>
+      </p:sp>
+      <p:sp>
+        <p:nvSpPr>
+          <p:cNvPr id="7" name="Rounded Rectangle 6"/>
+          <p:cNvSpPr/>
+          <p:nvPr/>
+        </p:nvSpPr>
+        <p:spPr>
+          <a:xfrm>
+            <a:off x="4673600" y="1981200"/>
+            <a:ext cx="4102100" cy="4483100"/>
+          </a:xfrm>
+          <a:prstGeom prst="roundRect">
+            <a:avLst>
+              <a:gd name="adj" fmla="val 6312"/>
+            </a:avLst>
+          </a:prstGeom>
+          <a:effectLst>
+            <a:outerShdw blurRad="50800" dist="38100" dir="2700000" algn="tl" rotWithShape="0">
+              <a:prstClr val="black">
+                <a:alpha val="40000"/>
+              </a:prstClr>
+            </a:outerShdw>
+          </a:effectLst>
+        </p:spPr>
+        <p:style>
+          <a:lnRef idx="2">
+            <a:schemeClr val="accent1">
+              <a:shade val="50000"/>
+            </a:schemeClr>
+          </a:lnRef>
+          <a:fillRef idx="1">
+            <a:schemeClr val="accent1"/>
+          </a:fillRef>
+          <a:effectRef idx="0">
+            <a:schemeClr val="accent1"/>
+          </a:effectRef>
+          <a:fontRef idx="minor">
+            <a:schemeClr val="lt1"/>
+          </a:fontRef>
+        </p:style>
+        <p:txBody>
+          <a:bodyPr rtlCol="0" anchor="t"/>
+          <a:lstStyle/>
+          <a:p>
+            <a:r>
+              <a:rPr lang="en-US" sz="2800" b="1" dirty="0" smtClean="0"/>
+              <a:t>Extracting from images</a:t>
+            </a:r>
+            <a:endParaRPr lang="en-US" sz="2800" b="1" dirty="0" smtClean="0"/>
+          </a:p>
+          <a:p>
+            <a:pPr marL="342900" indent="-342900">
+              <a:buFont typeface="+mj-lt"/>
+              <a:buAutoNum type="arabicPeriod"/>
+            </a:pPr>
+            <a:r>
+              <a:rPr lang="en-US" dirty="0" smtClean="0"/>
+              <a:t>Insert your picture.</a:t>
+            </a:r>
+          </a:p>
+          <a:p>
+            <a:pPr marL="342900" indent="-342900">
+              <a:buFont typeface="+mj-lt"/>
+              <a:buAutoNum type="arabicPeriod"/>
+            </a:pPr>
+            <a:r>
+              <a:rPr lang="en-US" dirty="0"/>
+              <a:t>Select the image, then Right click the image and select </a:t>
+            </a:r>
+            <a:r>
+              <a:rPr lang="en-US" dirty="0" smtClean="0"/>
+              <a:t>“Trace </a:t>
+            </a:r>
+            <a:r>
+              <a:rPr lang="en-US" dirty="0"/>
+              <a:t>Image” from the </a:t>
+            </a:r>
+            <a:r>
+              <a:rPr lang="en-US" dirty="0" smtClean="0"/>
+              <a:t>pop-up menu.</a:t>
+            </a:r>
+          </a:p>
+          <a:p>
+            <a:pPr marL="342900" indent="-342900">
+              <a:buFont typeface="+mj-lt"/>
+              <a:buAutoNum type="arabicPeriod"/>
+            </a:pPr>
+            <a:r>
+              <a:rPr lang="en-US" dirty="0" smtClean="0"/>
+              <a:t>Adjust with the sliders until you like it. Click OK.</a:t>
+            </a:r>
+          </a:p>
+          <a:p>
+            <a:pPr marL="342900" indent="-342900">
+              <a:buFont typeface="+mj-lt"/>
+              <a:buAutoNum type="arabicPeriod"/>
+            </a:pPr>
+            <a:r>
+              <a:rPr lang="en-US" dirty="0" smtClean="0"/>
+              <a:t>Move or delete the original image. If not deleted, set “Output” off in Cuts/Layers window.</a:t>
+            </a:r>
+          </a:p>
+          <a:p>
+            <a:pPr marL="342900" indent="-342900">
+              <a:buFont typeface="+mj-lt"/>
+              <a:buAutoNum type="arabicPeriod"/>
+            </a:pPr>
+            <a:r>
+              <a:rPr lang="en-US" dirty="0"/>
+              <a:t>Scale it up/down to fit your intended size.</a:t>
+            </a:r>
+          </a:p>
+          <a:p>
+            <a:pPr marL="342900" indent="-342900">
+              <a:buFont typeface="+mj-lt"/>
+              <a:buAutoNum type="arabicPeriod"/>
+            </a:pPr>
+            <a:endParaRPr lang="en-US" dirty="0" smtClean="0"/>
+          </a:p>
+          <a:p>
+            <a:pPr marL="342900" indent="-342900">
+              <a:buFont typeface="+mj-lt"/>
+              <a:buAutoNum type="arabicPeriod"/>
+            </a:pPr>
+            <a:endParaRPr lang="en-US" dirty="0" smtClean="0"/>
+          </a:p>
+        </p:txBody>
+      </p:sp>
+    </p:spTree>
+    <p:extLst>
+      <p:ext uri="{BB962C8B-B14F-4D97-AF65-F5344CB8AC3E}">
+        <p14:creationId xmlns:p14="http://schemas.microsoft.com/office/powerpoint/2010/main" val="465058082"/>
+      </p:ext>
+    </p:extLst>
+  </p:cSld>
+  <p:clrMapOvr>
+    <a:masterClrMapping/>
+  </p:clrMapOvr>
+</p:sld>
+</file>
+
+<file path=ppt/slides/slide21.xml><?xml version="1.0" encoding="utf-8"?>
+<p:sld xmlns:a="http://schemas.openxmlformats.org/drawingml/2006/main" xmlns:r="http://schemas.openxmlformats.org/officeDocument/2006/relationships" xmlns:p="http://schemas.openxmlformats.org/presentationml/2006/main">
+  <p:cSld>
+    <p:spTree>
+      <p:nvGrpSpPr>
+        <p:cNvPr id="1" name=""/>
+        <p:cNvGrpSpPr/>
+        <p:nvPr/>
+      </p:nvGrpSpPr>
+      <p:grpSpPr>
+        <a:xfrm>
+          <a:off x="0" y="0"/>
+          <a:ext cx="0" cy="0"/>
+          <a:chOff x="0" y="0"/>
+          <a:chExt cx="0" cy="0"/>
+        </a:xfrm>
+      </p:grpSpPr>
+      <p:sp>
+        <p:nvSpPr>
+          <p:cNvPr id="2" name="Title 1"/>
+          <p:cNvSpPr>
+            <a:spLocks noGrp="1"/>
+          </p:cNvSpPr>
+          <p:nvPr>
+            <p:ph type="title"/>
+          </p:nvPr>
+        </p:nvSpPr>
+        <p:spPr/>
+        <p:txBody>
+          <a:bodyPr/>
+          <a:lstStyle/>
+          <a:p>
+            <a:r>
+              <a:rPr lang="en-US" dirty="0" smtClean="0"/>
+              <a:t>Focus</a:t>
+            </a:r>
+            <a:endParaRPr lang="en-US" dirty="0"/>
+          </a:p>
+        </p:txBody>
+      </p:sp>
+      <p:sp>
+        <p:nvSpPr>
+          <p:cNvPr id="3" name="Footer Placeholder 2"/>
+          <p:cNvSpPr>
+            <a:spLocks noGrp="1"/>
+          </p:cNvSpPr>
+          <p:nvPr>
+            <p:ph type="ftr" sz="quarter" idx="11"/>
+          </p:nvPr>
+        </p:nvSpPr>
+        <p:spPr/>
+        <p:txBody>
+          <a:bodyPr/>
+          <a:lstStyle/>
+          <a:p>
+            <a:r>
+              <a:rPr lang="en-US" smtClean="0"/>
+              <a:t>Intro To LightBurn sw</a:t>
+            </a:r>
+            <a:endParaRPr lang="en-US" dirty="0"/>
+          </a:p>
+        </p:txBody>
+      </p:sp>
+      <p:sp>
+        <p:nvSpPr>
+          <p:cNvPr id="4" name="Slide Number Placeholder 3"/>
+          <p:cNvSpPr>
+            <a:spLocks noGrp="1"/>
+          </p:cNvSpPr>
+          <p:nvPr>
+            <p:ph type="sldNum" sz="quarter" idx="12"/>
+          </p:nvPr>
+        </p:nvSpPr>
+        <p:spPr/>
+        <p:txBody>
+          <a:bodyPr/>
+          <a:lstStyle/>
+          <a:p>
+            <a:fld id="{EDE95D0A-8472-402B-9EB1-190FD5AB15C8}" type="slidenum">
+              <a:rPr lang="en-US" smtClean="0"/>
+              <a:t>21</a:t>
+            </a:fld>
+            <a:endParaRPr lang="en-US" dirty="0"/>
+          </a:p>
+        </p:txBody>
+      </p:sp>
+      <p:sp>
+        <p:nvSpPr>
+          <p:cNvPr id="7" name="Rounded Rectangle 6"/>
+          <p:cNvSpPr/>
+          <p:nvPr/>
+        </p:nvSpPr>
+        <p:spPr>
+          <a:xfrm>
+            <a:off x="342900" y="1981200"/>
+            <a:ext cx="3975100" cy="4276724"/>
+          </a:xfrm>
+          <a:prstGeom prst="roundRect">
+            <a:avLst>
+              <a:gd name="adj" fmla="val 6312"/>
+            </a:avLst>
+          </a:prstGeom>
+          <a:effectLst>
+            <a:outerShdw blurRad="50800" dist="38100" dir="2700000" algn="tl" rotWithShape="0">
+              <a:prstClr val="black">
+                <a:alpha val="40000"/>
+              </a:prstClr>
+            </a:outerShdw>
+          </a:effectLst>
+        </p:spPr>
+        <p:style>
+          <a:lnRef idx="2">
+            <a:schemeClr val="accent1">
+              <a:shade val="50000"/>
+            </a:schemeClr>
+          </a:lnRef>
+          <a:fillRef idx="1">
+            <a:schemeClr val="accent1"/>
+          </a:fillRef>
+          <a:effectRef idx="0">
+            <a:schemeClr val="accent1"/>
+          </a:effectRef>
+          <a:fontRef idx="minor">
+            <a:schemeClr val="lt1"/>
+          </a:fontRef>
+        </p:style>
+        <p:txBody>
+          <a:bodyPr rtlCol="0" anchor="t"/>
+          <a:lstStyle/>
+          <a:p>
+            <a:r>
+              <a:rPr lang="en-US" sz="2800" b="1" dirty="0" smtClean="0"/>
+              <a:t>BIG RED</a:t>
+            </a:r>
+          </a:p>
+          <a:p>
+            <a:r>
+              <a:rPr lang="en-US" dirty="0" smtClean="0"/>
+              <a:t>This laser “autofocuses” by moving the material bed up and down. We are still developing procedures that will be sure the laser doesn’t accidentally crash into itself while moving the bed.</a:t>
+            </a:r>
+          </a:p>
+          <a:p>
+            <a:endParaRPr lang="en-US" dirty="0"/>
+          </a:p>
+          <a:p>
+            <a:r>
+              <a:rPr lang="en-US" dirty="0" smtClean="0"/>
+              <a:t>SO… Ask a monitor to help you with the focusing step on Big Red.</a:t>
+            </a:r>
+          </a:p>
+        </p:txBody>
+      </p:sp>
+      <p:sp>
+        <p:nvSpPr>
+          <p:cNvPr id="15" name="Rounded Rectangle 14"/>
+          <p:cNvSpPr/>
+          <p:nvPr/>
+        </p:nvSpPr>
+        <p:spPr>
+          <a:xfrm>
+            <a:off x="4673600" y="1981200"/>
+            <a:ext cx="4102100" cy="4483100"/>
+          </a:xfrm>
+          <a:prstGeom prst="roundRect">
+            <a:avLst>
+              <a:gd name="adj" fmla="val 6312"/>
+            </a:avLst>
+          </a:prstGeom>
+          <a:effectLst>
+            <a:outerShdw blurRad="50800" dist="38100" dir="2700000" algn="tl" rotWithShape="0">
+              <a:prstClr val="black">
+                <a:alpha val="40000"/>
+              </a:prstClr>
+            </a:outerShdw>
+          </a:effectLst>
+        </p:spPr>
+        <p:style>
+          <a:lnRef idx="2">
+            <a:schemeClr val="accent1">
+              <a:shade val="50000"/>
+            </a:schemeClr>
+          </a:lnRef>
+          <a:fillRef idx="1">
+            <a:schemeClr val="accent1"/>
+          </a:fillRef>
+          <a:effectRef idx="0">
+            <a:schemeClr val="accent1"/>
+          </a:effectRef>
+          <a:fontRef idx="minor">
+            <a:schemeClr val="lt1"/>
+          </a:fontRef>
+        </p:style>
+        <p:txBody>
+          <a:bodyPr rtlCol="0" anchor="t"/>
+          <a:lstStyle/>
+          <a:p>
+            <a:r>
+              <a:rPr lang="en-US" sz="2800" b="1" dirty="0" smtClean="0"/>
+              <a:t>LITTLE BLUE</a:t>
+            </a:r>
+          </a:p>
+          <a:p>
+            <a:r>
+              <a:rPr lang="en-US" dirty="0" smtClean="0"/>
+              <a:t>This laser focus is adjusted by moving the med up and down (not fussing with the lens like the old FS laser). There is a knob inside the laser – front right corner – that moves the bed up and down.</a:t>
+            </a:r>
+          </a:p>
+          <a:p>
+            <a:pPr marL="342900" indent="-342900">
+              <a:buFont typeface="+mj-lt"/>
+              <a:buAutoNum type="arabicPeriod"/>
+            </a:pPr>
+            <a:r>
+              <a:rPr lang="en-US" dirty="0" smtClean="0"/>
+              <a:t>Move the bed down so your material can be placed under the nozzle.</a:t>
+            </a:r>
+          </a:p>
+          <a:p>
+            <a:pPr marL="342900" indent="-342900">
+              <a:buFont typeface="+mj-lt"/>
+              <a:buAutoNum type="arabicPeriod"/>
+            </a:pPr>
+            <a:r>
+              <a:rPr lang="en-US" dirty="0" smtClean="0"/>
+              <a:t>Move the bed up until the nozzle is 6mm from the surface of your material. There is a piece is 6mm plywood to use as a gauge. </a:t>
+            </a:r>
+            <a:r>
+              <a:rPr lang="en-US" dirty="0"/>
+              <a:t>T</a:t>
+            </a:r>
+            <a:r>
+              <a:rPr lang="en-US" dirty="0" smtClean="0"/>
+              <a:t>he setting in not too fussy. You can see when the nozzle just about touches.</a:t>
+            </a:r>
+          </a:p>
+          <a:p>
+            <a:pPr marL="342900" indent="-342900">
+              <a:buFont typeface="+mj-lt"/>
+              <a:buAutoNum type="arabicPeriod"/>
+            </a:pPr>
+            <a:endParaRPr lang="en-US" dirty="0" smtClean="0"/>
+          </a:p>
+        </p:txBody>
+      </p:sp>
+      <p:sp>
+        <p:nvSpPr>
+          <p:cNvPr id="17" name="Rounded Rectangle 16"/>
+          <p:cNvSpPr/>
+          <p:nvPr/>
+        </p:nvSpPr>
+        <p:spPr>
+          <a:xfrm>
+            <a:off x="342900" y="889000"/>
+            <a:ext cx="8636000" cy="927100"/>
+          </a:xfrm>
+          <a:prstGeom prst="roundRect">
+            <a:avLst>
+              <a:gd name="adj" fmla="val 6312"/>
+            </a:avLst>
+          </a:prstGeom>
+          <a:effectLst>
+            <a:outerShdw blurRad="50800" dist="38100" dir="2700000" algn="tl" rotWithShape="0">
+              <a:prstClr val="black">
+                <a:alpha val="40000"/>
+              </a:prstClr>
+            </a:outerShdw>
+          </a:effectLst>
+        </p:spPr>
+        <p:style>
+          <a:lnRef idx="2">
+            <a:schemeClr val="accent1">
+              <a:shade val="50000"/>
+            </a:schemeClr>
+          </a:lnRef>
+          <a:fillRef idx="1">
+            <a:schemeClr val="accent1"/>
+          </a:fillRef>
+          <a:effectRef idx="0">
+            <a:schemeClr val="accent1"/>
+          </a:effectRef>
+          <a:fontRef idx="minor">
+            <a:schemeClr val="lt1"/>
+          </a:fontRef>
+        </p:style>
+        <p:txBody>
+          <a:bodyPr rtlCol="0" anchor="t"/>
+          <a:lstStyle/>
+          <a:p>
+            <a:r>
+              <a:rPr lang="en-US" dirty="0" smtClean="0"/>
+              <a:t>Place your material on the cutting grid so that it is under the laser cutting head (you might need to move the laser over the top of your material – use the buttons on the laser control panel – you can’t grab the laser and move it like on the old FS laser.</a:t>
+            </a:r>
+          </a:p>
+        </p:txBody>
+      </p:sp>
+    </p:spTree>
+    <p:extLst>
+      <p:ext uri="{BB962C8B-B14F-4D97-AF65-F5344CB8AC3E}">
+        <p14:creationId xmlns:p14="http://schemas.microsoft.com/office/powerpoint/2010/main" val="66032142"/>
+      </p:ext>
+    </p:extLst>
+  </p:cSld>
+  <p:clrMapOvr>
+    <a:masterClrMapping/>
+  </p:clrMapOvr>
+</p:sld>
+</file>
+
+<file path=ppt/slides/slide22.xml><?xml version="1.0" encoding="utf-8"?>
+<p:sld xmlns:a="http://schemas.openxmlformats.org/drawingml/2006/main" xmlns:r="http://schemas.openxmlformats.org/officeDocument/2006/relationships" xmlns:p="http://schemas.openxmlformats.org/presentationml/2006/main">
+  <p:cSld>
+    <p:spTree>
+      <p:nvGrpSpPr>
+        <p:cNvPr id="1" name=""/>
+        <p:cNvGrpSpPr/>
+        <p:nvPr/>
+      </p:nvGrpSpPr>
+      <p:grpSpPr>
+        <a:xfrm>
+          <a:off x="0" y="0"/>
+          <a:ext cx="0" cy="0"/>
+          <a:chOff x="0" y="0"/>
+          <a:chExt cx="0" cy="0"/>
+        </a:xfrm>
+      </p:grpSpPr>
+      <p:pic>
+        <p:nvPicPr>
+          <p:cNvPr id="1027" name="Picture 3"/>
+          <p:cNvPicPr>
+            <a:picLocks noChangeAspect="1" noChangeArrowheads="1"/>
+          </p:cNvPicPr>
+          <p:nvPr/>
+        </p:nvPicPr>
+        <p:blipFill>
+          <a:blip r:embed="rId2">
+            <a:extLst>
+              <a:ext uri="{28A0092B-C50C-407E-A947-70E740481C1C}">
+                <a14:useLocalDpi xmlns:a14="http://schemas.microsoft.com/office/drawing/2010/main" val="0"/>
+              </a:ext>
+            </a:extLst>
+          </a:blip>
+          <a:srcRect/>
+          <a:stretch>
+            <a:fillRect/>
+          </a:stretch>
+        </p:blipFill>
+        <p:spPr bwMode="auto">
+          <a:xfrm>
+            <a:off x="1485899" y="1432502"/>
+            <a:ext cx="6037477" cy="4290436"/>
+          </a:xfrm>
+          <a:prstGeom prst="rect">
+            <a:avLst/>
+          </a:prstGeom>
+          <a:noFill/>
+          <a:ln>
+            <a:noFill/>
+          </a:ln>
+          <a:extLst>
+            <a:ext uri="{909E8E84-426E-40DD-AFC4-6F175D3DCCD1}">
+              <a14:hiddenFill xmlns:a14="http://schemas.microsoft.com/office/drawing/2010/main">
+                <a:solidFill>
+                  <a:schemeClr val="accent1"/>
+                </a:solidFill>
+              </a14:hiddenFill>
+            </a:ext>
+            <a:ext uri="{91240B29-F687-4F45-9708-019B960494DF}">
+              <a14:hiddenLine xmlns:a14="http://schemas.microsoft.com/office/drawing/2010/main" w="9525">
+                <a:solidFill>
+                  <a:schemeClr val="tx1"/>
+                </a:solidFill>
+                <a:miter lim="800000"/>
+                <a:headEnd/>
+                <a:tailEnd/>
+              </a14:hiddenLine>
+            </a:ext>
+          </a:extLst>
+        </p:spPr>
+      </p:pic>
+      <p:sp>
+        <p:nvSpPr>
+          <p:cNvPr id="2" name="Title 1"/>
+          <p:cNvSpPr>
+            <a:spLocks noGrp="1"/>
+          </p:cNvSpPr>
+          <p:nvPr>
+            <p:ph type="title"/>
+          </p:nvPr>
+        </p:nvSpPr>
+        <p:spPr/>
+        <p:txBody>
+          <a:bodyPr/>
+          <a:lstStyle/>
+          <a:p>
+            <a:r>
+              <a:rPr lang="en-US" dirty="0" smtClean="0"/>
+              <a:t>Image Adjust window</a:t>
+            </a:r>
+            <a:endParaRPr lang="en-US" dirty="0"/>
+          </a:p>
+        </p:txBody>
+      </p:sp>
+      <p:sp>
+        <p:nvSpPr>
+          <p:cNvPr id="3" name="Footer Placeholder 2"/>
+          <p:cNvSpPr>
+            <a:spLocks noGrp="1"/>
+          </p:cNvSpPr>
+          <p:nvPr>
+            <p:ph type="ftr" sz="quarter" idx="11"/>
+          </p:nvPr>
+        </p:nvSpPr>
+        <p:spPr/>
+        <p:txBody>
+          <a:bodyPr/>
+          <a:lstStyle/>
+          <a:p>
+            <a:r>
+              <a:rPr lang="en-US" smtClean="0"/>
+              <a:t>Intro To LightBurn sw</a:t>
+            </a:r>
+            <a:endParaRPr lang="en-US" dirty="0"/>
+          </a:p>
+        </p:txBody>
+      </p:sp>
+      <p:sp>
+        <p:nvSpPr>
+          <p:cNvPr id="4" name="Slide Number Placeholder 3"/>
+          <p:cNvSpPr>
+            <a:spLocks noGrp="1"/>
+          </p:cNvSpPr>
+          <p:nvPr>
+            <p:ph type="sldNum" sz="quarter" idx="12"/>
+          </p:nvPr>
+        </p:nvSpPr>
+        <p:spPr/>
+        <p:txBody>
+          <a:bodyPr/>
+          <a:lstStyle/>
+          <a:p>
+            <a:fld id="{EDE95D0A-8472-402B-9EB1-190FD5AB15C8}" type="slidenum">
+              <a:rPr lang="en-US" smtClean="0"/>
+              <a:t>22</a:t>
+            </a:fld>
+            <a:endParaRPr lang="en-US" dirty="0"/>
+          </a:p>
+        </p:txBody>
+      </p:sp>
+      <p:sp>
+        <p:nvSpPr>
+          <p:cNvPr id="9" name="Rounded Rectangle 8"/>
+          <p:cNvSpPr/>
+          <p:nvPr/>
+        </p:nvSpPr>
+        <p:spPr>
+          <a:xfrm>
+            <a:off x="6921500" y="1643206"/>
+            <a:ext cx="1778000" cy="624898"/>
+          </a:xfrm>
+          <a:prstGeom prst="roundRect">
+            <a:avLst>
+              <a:gd name="adj" fmla="val 6312"/>
+            </a:avLst>
+          </a:prstGeom>
+          <a:effectLst>
+            <a:outerShdw blurRad="50800" dist="38100" dir="2700000" algn="tl" rotWithShape="0">
+              <a:prstClr val="black">
+                <a:alpha val="40000"/>
+              </a:prstClr>
+            </a:outerShdw>
+          </a:effectLst>
+        </p:spPr>
+        <p:style>
+          <a:lnRef idx="2">
+            <a:schemeClr val="accent1">
+              <a:shade val="50000"/>
+            </a:schemeClr>
+          </a:lnRef>
+          <a:fillRef idx="1">
+            <a:schemeClr val="accent1"/>
+          </a:fillRef>
+          <a:effectRef idx="0">
+            <a:schemeClr val="accent1"/>
+          </a:effectRef>
+          <a:fontRef idx="minor">
+            <a:schemeClr val="lt1"/>
+          </a:fontRef>
+        </p:style>
+        <p:txBody>
+          <a:bodyPr rtlCol="0" anchor="t"/>
+          <a:lstStyle/>
+          <a:p>
+            <a:r>
+              <a:rPr lang="en-US" dirty="0" smtClean="0"/>
+              <a:t>With Image Mode applied</a:t>
+            </a:r>
+            <a:endParaRPr lang="en-US" dirty="0" smtClean="0"/>
+          </a:p>
+        </p:txBody>
+      </p:sp>
+      <p:sp>
+        <p:nvSpPr>
+          <p:cNvPr id="12" name="Rounded Rectangle 11"/>
+          <p:cNvSpPr/>
+          <p:nvPr/>
+        </p:nvSpPr>
+        <p:spPr>
+          <a:xfrm>
+            <a:off x="203200" y="1812203"/>
+            <a:ext cx="1778000" cy="408998"/>
+          </a:xfrm>
+          <a:prstGeom prst="roundRect">
+            <a:avLst>
+              <a:gd name="adj" fmla="val 6312"/>
+            </a:avLst>
+          </a:prstGeom>
+          <a:effectLst>
+            <a:outerShdw blurRad="50800" dist="38100" dir="2700000" algn="tl" rotWithShape="0">
+              <a:prstClr val="black">
+                <a:alpha val="40000"/>
+              </a:prstClr>
+            </a:outerShdw>
+          </a:effectLst>
+        </p:spPr>
+        <p:style>
+          <a:lnRef idx="2">
+            <a:schemeClr val="accent1">
+              <a:shade val="50000"/>
+            </a:schemeClr>
+          </a:lnRef>
+          <a:fillRef idx="1">
+            <a:schemeClr val="accent1"/>
+          </a:fillRef>
+          <a:effectRef idx="0">
+            <a:schemeClr val="accent1"/>
+          </a:effectRef>
+          <a:fontRef idx="minor">
+            <a:schemeClr val="lt1"/>
+          </a:fontRef>
+        </p:style>
+        <p:txBody>
+          <a:bodyPr rtlCol="0" anchor="t"/>
+          <a:lstStyle/>
+          <a:p>
+            <a:r>
+              <a:rPr lang="en-US" dirty="0" smtClean="0"/>
+              <a:t>Original Image</a:t>
+            </a:r>
+            <a:endParaRPr lang="en-US" dirty="0" smtClean="0"/>
+          </a:p>
+        </p:txBody>
+      </p:sp>
+      <p:sp>
+        <p:nvSpPr>
+          <p:cNvPr id="14" name="Rounded Rectangle 13"/>
+          <p:cNvSpPr/>
+          <p:nvPr/>
+        </p:nvSpPr>
+        <p:spPr>
+          <a:xfrm>
+            <a:off x="304800" y="5939703"/>
+            <a:ext cx="2641600" cy="408998"/>
+          </a:xfrm>
+          <a:prstGeom prst="roundRect">
+            <a:avLst>
+              <a:gd name="adj" fmla="val 6312"/>
+            </a:avLst>
+          </a:prstGeom>
+          <a:effectLst>
+            <a:outerShdw blurRad="50800" dist="38100" dir="2700000" algn="tl" rotWithShape="0">
+              <a:prstClr val="black">
+                <a:alpha val="40000"/>
+              </a:prstClr>
+            </a:outerShdw>
+          </a:effectLst>
+        </p:spPr>
+        <p:style>
+          <a:lnRef idx="2">
+            <a:schemeClr val="accent1">
+              <a:shade val="50000"/>
+            </a:schemeClr>
+          </a:lnRef>
+          <a:fillRef idx="1">
+            <a:schemeClr val="accent1"/>
+          </a:fillRef>
+          <a:effectRef idx="0">
+            <a:schemeClr val="accent1"/>
+          </a:effectRef>
+          <a:fontRef idx="minor">
+            <a:schemeClr val="lt1"/>
+          </a:fontRef>
+        </p:style>
+        <p:txBody>
+          <a:bodyPr rtlCol="0" anchor="t"/>
+          <a:lstStyle/>
+          <a:p>
+            <a:r>
+              <a:rPr lang="en-US" dirty="0" smtClean="0"/>
+              <a:t>Select Image mode here</a:t>
+            </a:r>
+            <a:endParaRPr lang="en-US" dirty="0" smtClean="0"/>
+          </a:p>
+        </p:txBody>
+      </p:sp>
+      <p:cxnSp>
+        <p:nvCxnSpPr>
+          <p:cNvPr id="15" name="Straight Arrow Connector 14"/>
+          <p:cNvCxnSpPr>
+            <a:stCxn id="14" idx="0"/>
+          </p:cNvCxnSpPr>
+          <p:nvPr/>
+        </p:nvCxnSpPr>
+        <p:spPr>
+          <a:xfrm flipV="1">
+            <a:off x="1625600" y="5194303"/>
+            <a:ext cx="609600" cy="745400"/>
+          </a:xfrm>
+          <a:prstGeom prst="straightConnector1">
+            <a:avLst/>
+          </a:prstGeom>
+          <a:ln w="57150">
+            <a:tailEnd type="stealth"/>
+          </a:ln>
+          <a:effectLst>
+            <a:outerShdw blurRad="50800" dist="38100" dir="2700000" algn="tl" rotWithShape="0">
+              <a:prstClr val="black">
+                <a:alpha val="40000"/>
+              </a:prstClr>
+            </a:outerShdw>
+          </a:effectLst>
+        </p:spPr>
+        <p:style>
+          <a:lnRef idx="1">
+            <a:schemeClr val="accent1"/>
+          </a:lnRef>
+          <a:fillRef idx="0">
+            <a:schemeClr val="accent1"/>
+          </a:fillRef>
+          <a:effectRef idx="0">
+            <a:schemeClr val="accent1"/>
+          </a:effectRef>
+          <a:fontRef idx="minor">
+            <a:schemeClr val="tx1"/>
+          </a:fontRef>
+        </p:style>
+      </p:cxnSp>
+      <p:sp>
+        <p:nvSpPr>
+          <p:cNvPr id="17" name="Rounded Rectangle 16"/>
+          <p:cNvSpPr/>
+          <p:nvPr/>
+        </p:nvSpPr>
+        <p:spPr>
+          <a:xfrm>
+            <a:off x="4305300" y="5738089"/>
+            <a:ext cx="3746500" cy="715097"/>
+          </a:xfrm>
+          <a:prstGeom prst="roundRect">
+            <a:avLst>
+              <a:gd name="adj" fmla="val 6312"/>
+            </a:avLst>
+          </a:prstGeom>
+          <a:effectLst>
+            <a:outerShdw blurRad="50800" dist="38100" dir="2700000" algn="tl" rotWithShape="0">
+              <a:prstClr val="black">
+                <a:alpha val="40000"/>
+              </a:prstClr>
+            </a:outerShdw>
+          </a:effectLst>
+        </p:spPr>
+        <p:style>
+          <a:lnRef idx="2">
+            <a:schemeClr val="accent1">
+              <a:shade val="50000"/>
+            </a:schemeClr>
+          </a:lnRef>
+          <a:fillRef idx="1">
+            <a:schemeClr val="accent1"/>
+          </a:fillRef>
+          <a:effectRef idx="0">
+            <a:schemeClr val="accent1"/>
+          </a:effectRef>
+          <a:fontRef idx="minor">
+            <a:schemeClr val="lt1"/>
+          </a:fontRef>
+        </p:style>
+        <p:txBody>
+          <a:bodyPr rtlCol="0" anchor="t"/>
+          <a:lstStyle/>
+          <a:p>
+            <a:r>
+              <a:rPr lang="en-US" dirty="0" smtClean="0"/>
+              <a:t>Slider bars adjust the original image before the mode filter is applied.</a:t>
+            </a:r>
+            <a:endParaRPr lang="en-US" dirty="0" smtClean="0"/>
+          </a:p>
+        </p:txBody>
+      </p:sp>
+      <p:cxnSp>
+        <p:nvCxnSpPr>
+          <p:cNvPr id="18" name="Straight Arrow Connector 17"/>
+          <p:cNvCxnSpPr/>
+          <p:nvPr/>
+        </p:nvCxnSpPr>
+        <p:spPr>
+          <a:xfrm flipH="1" flipV="1">
+            <a:off x="5054600" y="5332847"/>
+            <a:ext cx="520700" cy="405242"/>
+          </a:xfrm>
+          <a:prstGeom prst="straightConnector1">
+            <a:avLst/>
+          </a:prstGeom>
+          <a:ln w="57150">
+            <a:tailEnd type="stealth"/>
+          </a:ln>
+          <a:effectLst>
+            <a:outerShdw blurRad="50800" dist="38100" dir="2700000" algn="tl" rotWithShape="0">
+              <a:prstClr val="black">
+                <a:alpha val="40000"/>
+              </a:prstClr>
+            </a:outerShdw>
+          </a:effectLst>
+        </p:spPr>
+        <p:style>
+          <a:lnRef idx="1">
+            <a:schemeClr val="accent1"/>
+          </a:lnRef>
+          <a:fillRef idx="0">
+            <a:schemeClr val="accent1"/>
+          </a:fillRef>
+          <a:effectRef idx="0">
+            <a:schemeClr val="accent1"/>
+          </a:effectRef>
+          <a:fontRef idx="minor">
+            <a:schemeClr val="tx1"/>
+          </a:fontRef>
+        </p:style>
+      </p:cxnSp>
+      <p:cxnSp>
+        <p:nvCxnSpPr>
+          <p:cNvPr id="20" name="Straight Arrow Connector 19"/>
+          <p:cNvCxnSpPr>
+            <a:stCxn id="17" idx="0"/>
+          </p:cNvCxnSpPr>
+          <p:nvPr/>
+        </p:nvCxnSpPr>
+        <p:spPr>
+          <a:xfrm flipV="1">
+            <a:off x="6178550" y="5257009"/>
+            <a:ext cx="95250" cy="481080"/>
+          </a:xfrm>
+          <a:prstGeom prst="straightConnector1">
+            <a:avLst/>
+          </a:prstGeom>
+          <a:ln w="57150">
+            <a:tailEnd type="stealth"/>
+          </a:ln>
+          <a:effectLst>
+            <a:outerShdw blurRad="50800" dist="38100" dir="2700000" algn="tl" rotWithShape="0">
+              <a:prstClr val="black">
+                <a:alpha val="40000"/>
+              </a:prstClr>
+            </a:outerShdw>
+          </a:effectLst>
+        </p:spPr>
+        <p:style>
+          <a:lnRef idx="1">
+            <a:schemeClr val="accent1"/>
+          </a:lnRef>
+          <a:fillRef idx="0">
+            <a:schemeClr val="accent1"/>
+          </a:fillRef>
+          <a:effectRef idx="0">
+            <a:schemeClr val="accent1"/>
+          </a:effectRef>
+          <a:fontRef idx="minor">
+            <a:schemeClr val="tx1"/>
+          </a:fontRef>
+        </p:style>
+      </p:cxnSp>
+    </p:spTree>
+    <p:extLst>
+      <p:ext uri="{BB962C8B-B14F-4D97-AF65-F5344CB8AC3E}">
+        <p14:creationId xmlns:p14="http://schemas.microsoft.com/office/powerpoint/2010/main" val="3215504814"/>
+      </p:ext>
+    </p:extLst>
+  </p:cSld>
+  <p:clrMapOvr>
+    <a:masterClrMapping/>
+  </p:clrMapOvr>
+  <p:timing>
+    <p:tnLst>
+      <p:par>
+        <p:cTn id="1" dur="indefinite" restart="never" nodeType="tmRoot"/>
+      </p:par>
+    </p:tnLst>
+  </p:timing>
+</p:sld>
+</file>
+
+<file path=ppt/slides/slide23.xml><?xml version="1.0" encoding="utf-8"?>
+<p:sld xmlns:a="http://schemas.openxmlformats.org/drawingml/2006/main" xmlns:r="http://schemas.openxmlformats.org/officeDocument/2006/relationships" xmlns:p="http://schemas.openxmlformats.org/presentationml/2006/main">
+  <p:cSld>
+    <p:spTree>
+      <p:nvGrpSpPr>
+        <p:cNvPr id="1" name=""/>
+        <p:cNvGrpSpPr/>
+        <p:nvPr/>
+      </p:nvGrpSpPr>
+      <p:grpSpPr>
+        <a:xfrm>
+          <a:off x="0" y="0"/>
+          <a:ext cx="0" cy="0"/>
+          <a:chOff x="0" y="0"/>
+          <a:chExt cx="0" cy="0"/>
+        </a:xfrm>
+      </p:grpSpPr>
+      <p:sp>
+        <p:nvSpPr>
+          <p:cNvPr id="2" name="Title 1"/>
+          <p:cNvSpPr>
+            <a:spLocks noGrp="1"/>
+          </p:cNvSpPr>
+          <p:nvPr>
+            <p:ph type="title"/>
+          </p:nvPr>
+        </p:nvSpPr>
+        <p:spPr/>
+        <p:txBody>
+          <a:bodyPr/>
+          <a:lstStyle/>
+          <a:p>
+            <a:r>
+              <a:rPr lang="en-US" dirty="0" smtClean="0"/>
+              <a:t>Image adjust filters</a:t>
+            </a:r>
+            <a:endParaRPr lang="en-US" dirty="0"/>
+          </a:p>
+        </p:txBody>
+      </p:sp>
+      <p:sp>
+        <p:nvSpPr>
+          <p:cNvPr id="3" name="Footer Placeholder 2"/>
+          <p:cNvSpPr>
+            <a:spLocks noGrp="1"/>
+          </p:cNvSpPr>
+          <p:nvPr>
+            <p:ph type="ftr" sz="quarter" idx="11"/>
+          </p:nvPr>
+        </p:nvSpPr>
+        <p:spPr/>
+        <p:txBody>
+          <a:bodyPr/>
+          <a:lstStyle/>
+          <a:p>
+            <a:r>
+              <a:rPr lang="en-US" smtClean="0"/>
+              <a:t>Intro To LightBurn sw</a:t>
+            </a:r>
+            <a:endParaRPr lang="en-US" dirty="0"/>
+          </a:p>
+        </p:txBody>
+      </p:sp>
+      <p:sp>
+        <p:nvSpPr>
+          <p:cNvPr id="4" name="Slide Number Placeholder 3"/>
+          <p:cNvSpPr>
+            <a:spLocks noGrp="1"/>
+          </p:cNvSpPr>
+          <p:nvPr>
+            <p:ph type="sldNum" sz="quarter" idx="12"/>
+          </p:nvPr>
+        </p:nvSpPr>
+        <p:spPr/>
+        <p:txBody>
+          <a:bodyPr/>
+          <a:lstStyle/>
+          <a:p>
+            <a:fld id="{EDE95D0A-8472-402B-9EB1-190FD5AB15C8}" type="slidenum">
+              <a:rPr lang="en-US" smtClean="0"/>
+              <a:t>23</a:t>
+            </a:fld>
+            <a:endParaRPr lang="en-US" dirty="0"/>
+          </a:p>
+        </p:txBody>
+      </p:sp>
+      <p:sp>
+        <p:nvSpPr>
+          <p:cNvPr id="5" name="Rounded Rectangle 4"/>
+          <p:cNvSpPr/>
+          <p:nvPr/>
+        </p:nvSpPr>
+        <p:spPr>
+          <a:xfrm>
+            <a:off x="901699" y="3355023"/>
+            <a:ext cx="1730375" cy="300180"/>
+          </a:xfrm>
+          <a:prstGeom prst="roundRect">
+            <a:avLst>
+              <a:gd name="adj" fmla="val 6312"/>
+            </a:avLst>
+          </a:prstGeom>
+          <a:effectLst>
+            <a:outerShdw blurRad="50800" dist="38100" dir="2700000" algn="tl" rotWithShape="0">
+              <a:prstClr val="black">
+                <a:alpha val="40000"/>
+              </a:prstClr>
+            </a:outerShdw>
+          </a:effectLst>
+        </p:spPr>
+        <p:style>
+          <a:lnRef idx="2">
+            <a:schemeClr val="accent1">
+              <a:shade val="50000"/>
+            </a:schemeClr>
+          </a:lnRef>
+          <a:fillRef idx="1">
+            <a:schemeClr val="accent1"/>
+          </a:fillRef>
+          <a:effectRef idx="0">
+            <a:schemeClr val="accent1"/>
+          </a:effectRef>
+          <a:fontRef idx="minor">
+            <a:schemeClr val="lt1"/>
+          </a:fontRef>
+        </p:style>
+        <p:txBody>
+          <a:bodyPr rtlCol="0" anchor="ctr"/>
+          <a:lstStyle/>
+          <a:p>
+            <a:pPr algn="ctr"/>
+            <a:r>
+              <a:rPr lang="en-US" dirty="0" smtClean="0"/>
+              <a:t>Threshold</a:t>
+            </a:r>
+            <a:endParaRPr lang="en-US" dirty="0" smtClean="0"/>
+          </a:p>
+        </p:txBody>
+      </p:sp>
+      <p:pic>
+        <p:nvPicPr>
+          <p:cNvPr id="2050" name="Picture 2"/>
+          <p:cNvPicPr>
+            <a:picLocks noChangeAspect="1" noChangeArrowheads="1"/>
+          </p:cNvPicPr>
+          <p:nvPr/>
+        </p:nvPicPr>
+        <p:blipFill>
+          <a:blip r:embed="rId2">
+            <a:extLst>
+              <a:ext uri="{28A0092B-C50C-407E-A947-70E740481C1C}">
+                <a14:useLocalDpi xmlns:a14="http://schemas.microsoft.com/office/drawing/2010/main" val="0"/>
+              </a:ext>
+            </a:extLst>
+          </a:blip>
+          <a:srcRect/>
+          <a:stretch>
+            <a:fillRect/>
+          </a:stretch>
+        </p:blipFill>
+        <p:spPr bwMode="auto">
+          <a:xfrm>
+            <a:off x="901699" y="1181185"/>
+            <a:ext cx="1730375" cy="2173838"/>
+          </a:xfrm>
+          <a:prstGeom prst="rect">
+            <a:avLst/>
+          </a:prstGeom>
+          <a:noFill/>
+          <a:ln>
+            <a:noFill/>
+          </a:ln>
+          <a:extLst>
+            <a:ext uri="{909E8E84-426E-40DD-AFC4-6F175D3DCCD1}">
+              <a14:hiddenFill xmlns:a14="http://schemas.microsoft.com/office/drawing/2010/main">
+                <a:solidFill>
+                  <a:schemeClr val="accent1"/>
+                </a:solidFill>
+              </a14:hiddenFill>
+            </a:ext>
+            <a:ext uri="{91240B29-F687-4F45-9708-019B960494DF}">
+              <a14:hiddenLine xmlns:a14="http://schemas.microsoft.com/office/drawing/2010/main" w="9525">
+                <a:solidFill>
+                  <a:schemeClr val="tx1"/>
+                </a:solidFill>
+                <a:miter lim="800000"/>
+                <a:headEnd/>
+                <a:tailEnd/>
+              </a14:hiddenLine>
+            </a:ext>
+          </a:extLst>
+        </p:spPr>
+      </p:pic>
+      <p:pic>
+        <p:nvPicPr>
+          <p:cNvPr id="2051" name="Picture 3"/>
+          <p:cNvPicPr>
+            <a:picLocks noChangeAspect="1" noChangeArrowheads="1"/>
+          </p:cNvPicPr>
+          <p:nvPr/>
+        </p:nvPicPr>
+        <p:blipFill>
+          <a:blip r:embed="rId3">
+            <a:extLst>
+              <a:ext uri="{28A0092B-C50C-407E-A947-70E740481C1C}">
+                <a14:useLocalDpi xmlns:a14="http://schemas.microsoft.com/office/drawing/2010/main" val="0"/>
+              </a:ext>
+            </a:extLst>
+          </a:blip>
+          <a:srcRect/>
+          <a:stretch>
+            <a:fillRect/>
+          </a:stretch>
+        </p:blipFill>
+        <p:spPr bwMode="auto">
+          <a:xfrm>
+            <a:off x="2771040" y="1181185"/>
+            <a:ext cx="1741690" cy="2173838"/>
+          </a:xfrm>
+          <a:prstGeom prst="rect">
+            <a:avLst/>
+          </a:prstGeom>
+          <a:noFill/>
+          <a:ln>
+            <a:noFill/>
+          </a:ln>
+          <a:extLst>
+            <a:ext uri="{909E8E84-426E-40DD-AFC4-6F175D3DCCD1}">
+              <a14:hiddenFill xmlns:a14="http://schemas.microsoft.com/office/drawing/2010/main">
+                <a:solidFill>
+                  <a:schemeClr val="accent1"/>
+                </a:solidFill>
+              </a14:hiddenFill>
+            </a:ext>
+            <a:ext uri="{91240B29-F687-4F45-9708-019B960494DF}">
+              <a14:hiddenLine xmlns:a14="http://schemas.microsoft.com/office/drawing/2010/main" w="9525">
+                <a:solidFill>
+                  <a:schemeClr val="tx1"/>
+                </a:solidFill>
+                <a:miter lim="800000"/>
+                <a:headEnd/>
+                <a:tailEnd/>
+              </a14:hiddenLine>
+            </a:ext>
+          </a:extLst>
+        </p:spPr>
+      </p:pic>
+      <p:sp>
+        <p:nvSpPr>
+          <p:cNvPr id="8" name="Rounded Rectangle 7"/>
+          <p:cNvSpPr/>
+          <p:nvPr/>
+        </p:nvSpPr>
+        <p:spPr>
+          <a:xfrm>
+            <a:off x="2782355" y="3365040"/>
+            <a:ext cx="1730375" cy="300180"/>
+          </a:xfrm>
+          <a:prstGeom prst="roundRect">
+            <a:avLst>
+              <a:gd name="adj" fmla="val 6312"/>
+            </a:avLst>
+          </a:prstGeom>
+          <a:effectLst>
+            <a:outerShdw blurRad="50800" dist="38100" dir="2700000" algn="tl" rotWithShape="0">
+              <a:prstClr val="black">
+                <a:alpha val="40000"/>
+              </a:prstClr>
+            </a:outerShdw>
+          </a:effectLst>
+        </p:spPr>
+        <p:style>
+          <a:lnRef idx="2">
+            <a:schemeClr val="accent1">
+              <a:shade val="50000"/>
+            </a:schemeClr>
+          </a:lnRef>
+          <a:fillRef idx="1">
+            <a:schemeClr val="accent1"/>
+          </a:fillRef>
+          <a:effectRef idx="0">
+            <a:schemeClr val="accent1"/>
+          </a:effectRef>
+          <a:fontRef idx="minor">
+            <a:schemeClr val="lt1"/>
+          </a:fontRef>
+        </p:style>
+        <p:txBody>
+          <a:bodyPr rtlCol="0" anchor="ctr"/>
+          <a:lstStyle/>
+          <a:p>
+            <a:pPr algn="ctr"/>
+            <a:r>
+              <a:rPr lang="en-US" dirty="0"/>
+              <a:t>O</a:t>
+            </a:r>
+            <a:r>
+              <a:rPr lang="en-US" dirty="0" smtClean="0"/>
+              <a:t>rdered</a:t>
+            </a:r>
+            <a:endParaRPr lang="en-US" dirty="0" smtClean="0"/>
+          </a:p>
+        </p:txBody>
+      </p:sp>
+      <p:pic>
+        <p:nvPicPr>
+          <p:cNvPr id="2052" name="Picture 4"/>
+          <p:cNvPicPr>
+            <a:picLocks noChangeAspect="1" noChangeArrowheads="1"/>
+          </p:cNvPicPr>
+          <p:nvPr/>
+        </p:nvPicPr>
+        <p:blipFill>
+          <a:blip r:embed="rId4">
+            <a:extLst>
+              <a:ext uri="{28A0092B-C50C-407E-A947-70E740481C1C}">
+                <a14:useLocalDpi xmlns:a14="http://schemas.microsoft.com/office/drawing/2010/main" val="0"/>
+              </a:ext>
+            </a:extLst>
+          </a:blip>
+          <a:srcRect/>
+          <a:stretch>
+            <a:fillRect/>
+          </a:stretch>
+        </p:blipFill>
+        <p:spPr bwMode="auto">
+          <a:xfrm>
+            <a:off x="4572000" y="1181186"/>
+            <a:ext cx="1742591" cy="2173838"/>
+          </a:xfrm>
+          <a:prstGeom prst="rect">
+            <a:avLst/>
+          </a:prstGeom>
+          <a:noFill/>
+          <a:ln>
+            <a:noFill/>
+          </a:ln>
+          <a:extLst>
+            <a:ext uri="{909E8E84-426E-40DD-AFC4-6F175D3DCCD1}">
+              <a14:hiddenFill xmlns:a14="http://schemas.microsoft.com/office/drawing/2010/main">
+                <a:solidFill>
+                  <a:schemeClr val="accent1"/>
+                </a:solidFill>
+              </a14:hiddenFill>
+            </a:ext>
+            <a:ext uri="{91240B29-F687-4F45-9708-019B960494DF}">
+              <a14:hiddenLine xmlns:a14="http://schemas.microsoft.com/office/drawing/2010/main" w="9525">
+                <a:solidFill>
+                  <a:schemeClr val="tx1"/>
+                </a:solidFill>
+                <a:miter lim="800000"/>
+                <a:headEnd/>
+                <a:tailEnd/>
+              </a14:hiddenLine>
+            </a:ext>
+          </a:extLst>
+        </p:spPr>
+      </p:pic>
+      <p:sp>
+        <p:nvSpPr>
+          <p:cNvPr id="10" name="Rounded Rectangle 9"/>
+          <p:cNvSpPr/>
+          <p:nvPr/>
+        </p:nvSpPr>
+        <p:spPr>
+          <a:xfrm>
+            <a:off x="4572000" y="3365040"/>
+            <a:ext cx="1730375" cy="300180"/>
+          </a:xfrm>
+          <a:prstGeom prst="roundRect">
+            <a:avLst>
+              <a:gd name="adj" fmla="val 6312"/>
+            </a:avLst>
+          </a:prstGeom>
+          <a:effectLst>
+            <a:outerShdw blurRad="50800" dist="38100" dir="2700000" algn="tl" rotWithShape="0">
+              <a:prstClr val="black">
+                <a:alpha val="40000"/>
+              </a:prstClr>
+            </a:outerShdw>
+          </a:effectLst>
+        </p:spPr>
+        <p:style>
+          <a:lnRef idx="2">
+            <a:schemeClr val="accent1">
+              <a:shade val="50000"/>
+            </a:schemeClr>
+          </a:lnRef>
+          <a:fillRef idx="1">
+            <a:schemeClr val="accent1"/>
+          </a:fillRef>
+          <a:effectRef idx="0">
+            <a:schemeClr val="accent1"/>
+          </a:effectRef>
+          <a:fontRef idx="minor">
+            <a:schemeClr val="lt1"/>
+          </a:fontRef>
+        </p:style>
+        <p:txBody>
+          <a:bodyPr rtlCol="0" anchor="ctr"/>
+          <a:lstStyle/>
+          <a:p>
+            <a:pPr algn="ctr"/>
+            <a:r>
+              <a:rPr lang="en-US" dirty="0" smtClean="0"/>
+              <a:t>Atkinson</a:t>
+            </a:r>
+            <a:endParaRPr lang="en-US" dirty="0" smtClean="0"/>
+          </a:p>
+        </p:txBody>
+      </p:sp>
+      <p:pic>
+        <p:nvPicPr>
+          <p:cNvPr id="2053" name="Picture 5"/>
+          <p:cNvPicPr>
+            <a:picLocks noChangeAspect="1" noChangeArrowheads="1"/>
+          </p:cNvPicPr>
+          <p:nvPr/>
+        </p:nvPicPr>
+        <p:blipFill>
+          <a:blip r:embed="rId5">
+            <a:extLst>
+              <a:ext uri="{28A0092B-C50C-407E-A947-70E740481C1C}">
+                <a14:useLocalDpi xmlns:a14="http://schemas.microsoft.com/office/drawing/2010/main" val="0"/>
+              </a:ext>
+            </a:extLst>
+          </a:blip>
+          <a:srcRect/>
+          <a:stretch>
+            <a:fillRect/>
+          </a:stretch>
+        </p:blipFill>
+        <p:spPr bwMode="auto">
+          <a:xfrm>
+            <a:off x="6516153" y="1191202"/>
+            <a:ext cx="1733790" cy="2173838"/>
+          </a:xfrm>
+          <a:prstGeom prst="rect">
+            <a:avLst/>
+          </a:prstGeom>
+          <a:noFill/>
+          <a:ln>
+            <a:noFill/>
+          </a:ln>
+          <a:extLst>
+            <a:ext uri="{909E8E84-426E-40DD-AFC4-6F175D3DCCD1}">
+              <a14:hiddenFill xmlns:a14="http://schemas.microsoft.com/office/drawing/2010/main">
+                <a:solidFill>
+                  <a:schemeClr val="accent1"/>
+                </a:solidFill>
+              </a14:hiddenFill>
+            </a:ext>
+            <a:ext uri="{91240B29-F687-4F45-9708-019B960494DF}">
+              <a14:hiddenLine xmlns:a14="http://schemas.microsoft.com/office/drawing/2010/main" w="9525">
+                <a:solidFill>
+                  <a:schemeClr val="tx1"/>
+                </a:solidFill>
+                <a:miter lim="800000"/>
+                <a:headEnd/>
+                <a:tailEnd/>
+              </a14:hiddenLine>
+            </a:ext>
+          </a:extLst>
+        </p:spPr>
+      </p:pic>
+      <p:sp>
+        <p:nvSpPr>
+          <p:cNvPr id="12" name="Rounded Rectangle 11"/>
+          <p:cNvSpPr/>
+          <p:nvPr/>
+        </p:nvSpPr>
+        <p:spPr>
+          <a:xfrm>
+            <a:off x="6519568" y="3375056"/>
+            <a:ext cx="1730375" cy="300180"/>
+          </a:xfrm>
+          <a:prstGeom prst="roundRect">
+            <a:avLst>
+              <a:gd name="adj" fmla="val 6312"/>
+            </a:avLst>
+          </a:prstGeom>
+          <a:effectLst>
+            <a:outerShdw blurRad="50800" dist="38100" dir="2700000" algn="tl" rotWithShape="0">
+              <a:prstClr val="black">
+                <a:alpha val="40000"/>
+              </a:prstClr>
+            </a:outerShdw>
+          </a:effectLst>
+        </p:spPr>
+        <p:style>
+          <a:lnRef idx="2">
+            <a:schemeClr val="accent1">
+              <a:shade val="50000"/>
+            </a:schemeClr>
+          </a:lnRef>
+          <a:fillRef idx="1">
+            <a:schemeClr val="accent1"/>
+          </a:fillRef>
+          <a:effectRef idx="0">
+            <a:schemeClr val="accent1"/>
+          </a:effectRef>
+          <a:fontRef idx="minor">
+            <a:schemeClr val="lt1"/>
+          </a:fontRef>
+        </p:style>
+        <p:txBody>
+          <a:bodyPr rtlCol="0" anchor="ctr"/>
+          <a:lstStyle/>
+          <a:p>
+            <a:pPr algn="ctr"/>
+            <a:r>
+              <a:rPr lang="en-US" dirty="0" smtClean="0"/>
+              <a:t>Dither</a:t>
+            </a:r>
+            <a:endParaRPr lang="en-US" dirty="0" smtClean="0"/>
+          </a:p>
+        </p:txBody>
+      </p:sp>
+      <p:pic>
+        <p:nvPicPr>
+          <p:cNvPr id="2054" name="Picture 6"/>
+          <p:cNvPicPr>
+            <a:picLocks noChangeAspect="1" noChangeArrowheads="1"/>
+          </p:cNvPicPr>
+          <p:nvPr/>
+        </p:nvPicPr>
+        <p:blipFill>
+          <a:blip r:embed="rId6">
+            <a:extLst>
+              <a:ext uri="{28A0092B-C50C-407E-A947-70E740481C1C}">
+                <a14:useLocalDpi xmlns:a14="http://schemas.microsoft.com/office/drawing/2010/main" val="0"/>
+              </a:ext>
+            </a:extLst>
+          </a:blip>
+          <a:srcRect/>
+          <a:stretch>
+            <a:fillRect/>
+          </a:stretch>
+        </p:blipFill>
+        <p:spPr bwMode="auto">
+          <a:xfrm>
+            <a:off x="901699" y="3839545"/>
+            <a:ext cx="1699265" cy="2118730"/>
+          </a:xfrm>
+          <a:prstGeom prst="rect">
+            <a:avLst/>
+          </a:prstGeom>
+          <a:noFill/>
+          <a:ln>
+            <a:noFill/>
+          </a:ln>
+          <a:extLst>
+            <a:ext uri="{909E8E84-426E-40DD-AFC4-6F175D3DCCD1}">
+              <a14:hiddenFill xmlns:a14="http://schemas.microsoft.com/office/drawing/2010/main">
+                <a:solidFill>
+                  <a:schemeClr val="accent1"/>
+                </a:solidFill>
+              </a14:hiddenFill>
+            </a:ext>
+            <a:ext uri="{91240B29-F687-4F45-9708-019B960494DF}">
+              <a14:hiddenLine xmlns:a14="http://schemas.microsoft.com/office/drawing/2010/main" w="9525">
+                <a:solidFill>
+                  <a:schemeClr val="tx1"/>
+                </a:solidFill>
+                <a:miter lim="800000"/>
+                <a:headEnd/>
+                <a:tailEnd/>
+              </a14:hiddenLine>
+            </a:ext>
+          </a:extLst>
+        </p:spPr>
+      </p:pic>
+      <p:sp>
+        <p:nvSpPr>
+          <p:cNvPr id="14" name="Rounded Rectangle 13"/>
+          <p:cNvSpPr/>
+          <p:nvPr/>
+        </p:nvSpPr>
+        <p:spPr>
+          <a:xfrm>
+            <a:off x="886143" y="5958275"/>
+            <a:ext cx="1730375" cy="300180"/>
+          </a:xfrm>
+          <a:prstGeom prst="roundRect">
+            <a:avLst>
+              <a:gd name="adj" fmla="val 6312"/>
+            </a:avLst>
+          </a:prstGeom>
+          <a:effectLst>
+            <a:outerShdw blurRad="50800" dist="38100" dir="2700000" algn="tl" rotWithShape="0">
+              <a:prstClr val="black">
+                <a:alpha val="40000"/>
+              </a:prstClr>
+            </a:outerShdw>
+          </a:effectLst>
+        </p:spPr>
+        <p:style>
+          <a:lnRef idx="2">
+            <a:schemeClr val="accent1">
+              <a:shade val="50000"/>
+            </a:schemeClr>
+          </a:lnRef>
+          <a:fillRef idx="1">
+            <a:schemeClr val="accent1"/>
+          </a:fillRef>
+          <a:effectRef idx="0">
+            <a:schemeClr val="accent1"/>
+          </a:effectRef>
+          <a:fontRef idx="minor">
+            <a:schemeClr val="lt1"/>
+          </a:fontRef>
+        </p:style>
+        <p:txBody>
+          <a:bodyPr rtlCol="0" anchor="ctr"/>
+          <a:lstStyle/>
+          <a:p>
+            <a:pPr algn="ctr"/>
+            <a:r>
+              <a:rPr lang="en-US" dirty="0" smtClean="0"/>
+              <a:t>Newsprint</a:t>
+            </a:r>
+            <a:endParaRPr lang="en-US" dirty="0" smtClean="0"/>
+          </a:p>
+        </p:txBody>
+      </p:sp>
+      <p:pic>
+        <p:nvPicPr>
+          <p:cNvPr id="2055" name="Picture 7"/>
+          <p:cNvPicPr>
+            <a:picLocks noChangeAspect="1" noChangeArrowheads="1"/>
+          </p:cNvPicPr>
+          <p:nvPr/>
+        </p:nvPicPr>
+        <p:blipFill>
+          <a:blip r:embed="rId7">
+            <a:extLst>
+              <a:ext uri="{28A0092B-C50C-407E-A947-70E740481C1C}">
+                <a14:useLocalDpi xmlns:a14="http://schemas.microsoft.com/office/drawing/2010/main" val="0"/>
+              </a:ext>
+            </a:extLst>
+          </a:blip>
+          <a:srcRect/>
+          <a:stretch>
+            <a:fillRect/>
+          </a:stretch>
+        </p:blipFill>
+        <p:spPr bwMode="auto">
+          <a:xfrm>
+            <a:off x="2771040" y="3839545"/>
+            <a:ext cx="1695838" cy="2118730"/>
+          </a:xfrm>
+          <a:prstGeom prst="rect">
+            <a:avLst/>
+          </a:prstGeom>
+          <a:noFill/>
+          <a:ln>
+            <a:noFill/>
+          </a:ln>
+          <a:extLst>
+            <a:ext uri="{909E8E84-426E-40DD-AFC4-6F175D3DCCD1}">
+              <a14:hiddenFill xmlns:a14="http://schemas.microsoft.com/office/drawing/2010/main">
+                <a:solidFill>
+                  <a:schemeClr val="accent1"/>
+                </a:solidFill>
+              </a14:hiddenFill>
+            </a:ext>
+            <a:ext uri="{91240B29-F687-4F45-9708-019B960494DF}">
+              <a14:hiddenLine xmlns:a14="http://schemas.microsoft.com/office/drawing/2010/main" w="9525">
+                <a:solidFill>
+                  <a:schemeClr val="tx1"/>
+                </a:solidFill>
+                <a:miter lim="800000"/>
+                <a:headEnd/>
+                <a:tailEnd/>
+              </a14:hiddenLine>
+            </a:ext>
+          </a:extLst>
+        </p:spPr>
+      </p:pic>
+      <p:sp>
+        <p:nvSpPr>
+          <p:cNvPr id="16" name="Rounded Rectangle 15"/>
+          <p:cNvSpPr/>
+          <p:nvPr/>
+        </p:nvSpPr>
+        <p:spPr>
+          <a:xfrm>
+            <a:off x="2753771" y="5958275"/>
+            <a:ext cx="1730375" cy="300180"/>
+          </a:xfrm>
+          <a:prstGeom prst="roundRect">
+            <a:avLst>
+              <a:gd name="adj" fmla="val 6312"/>
+            </a:avLst>
+          </a:prstGeom>
+          <a:effectLst>
+            <a:outerShdw blurRad="50800" dist="38100" dir="2700000" algn="tl" rotWithShape="0">
+              <a:prstClr val="black">
+                <a:alpha val="40000"/>
+              </a:prstClr>
+            </a:outerShdw>
+          </a:effectLst>
+        </p:spPr>
+        <p:style>
+          <a:lnRef idx="2">
+            <a:schemeClr val="accent1">
+              <a:shade val="50000"/>
+            </a:schemeClr>
+          </a:lnRef>
+          <a:fillRef idx="1">
+            <a:schemeClr val="accent1"/>
+          </a:fillRef>
+          <a:effectRef idx="0">
+            <a:schemeClr val="accent1"/>
+          </a:effectRef>
+          <a:fontRef idx="minor">
+            <a:schemeClr val="lt1"/>
+          </a:fontRef>
+        </p:style>
+        <p:txBody>
+          <a:bodyPr rtlCol="0" anchor="ctr"/>
+          <a:lstStyle/>
+          <a:p>
+            <a:pPr algn="ctr"/>
+            <a:r>
+              <a:rPr lang="en-US" dirty="0" smtClean="0"/>
+              <a:t>Halftone</a:t>
+            </a:r>
+            <a:endParaRPr lang="en-US" dirty="0" smtClean="0"/>
+          </a:p>
+        </p:txBody>
+      </p:sp>
+      <p:pic>
+        <p:nvPicPr>
+          <p:cNvPr id="2056" name="Picture 8"/>
+          <p:cNvPicPr>
+            <a:picLocks noChangeAspect="1" noChangeArrowheads="1"/>
+          </p:cNvPicPr>
+          <p:nvPr/>
+        </p:nvPicPr>
+        <p:blipFill>
+          <a:blip r:embed="rId8">
+            <a:extLst>
+              <a:ext uri="{28A0092B-C50C-407E-A947-70E740481C1C}">
+                <a14:useLocalDpi xmlns:a14="http://schemas.microsoft.com/office/drawing/2010/main" val="0"/>
+              </a:ext>
+            </a:extLst>
+          </a:blip>
+          <a:srcRect/>
+          <a:stretch>
+            <a:fillRect/>
+          </a:stretch>
+        </p:blipFill>
+        <p:spPr bwMode="auto">
+          <a:xfrm>
+            <a:off x="4650470" y="3839545"/>
+            <a:ext cx="1688231" cy="2118730"/>
+          </a:xfrm>
+          <a:prstGeom prst="rect">
+            <a:avLst/>
+          </a:prstGeom>
+          <a:noFill/>
+          <a:ln>
+            <a:noFill/>
+          </a:ln>
+          <a:extLst>
+            <a:ext uri="{909E8E84-426E-40DD-AFC4-6F175D3DCCD1}">
+              <a14:hiddenFill xmlns:a14="http://schemas.microsoft.com/office/drawing/2010/main">
+                <a:solidFill>
+                  <a:schemeClr val="accent1"/>
+                </a:solidFill>
+              </a14:hiddenFill>
+            </a:ext>
+            <a:ext uri="{91240B29-F687-4F45-9708-019B960494DF}">
+              <a14:hiddenLine xmlns:a14="http://schemas.microsoft.com/office/drawing/2010/main" w="9525">
+                <a:solidFill>
+                  <a:schemeClr val="tx1"/>
+                </a:solidFill>
+                <a:miter lim="800000"/>
+                <a:headEnd/>
+                <a:tailEnd/>
+              </a14:hiddenLine>
+            </a:ext>
+          </a:extLst>
+        </p:spPr>
+      </p:pic>
+      <p:sp>
+        <p:nvSpPr>
+          <p:cNvPr id="18" name="Rounded Rectangle 17"/>
+          <p:cNvSpPr/>
+          <p:nvPr/>
+        </p:nvSpPr>
+        <p:spPr>
+          <a:xfrm>
+            <a:off x="4629397" y="5958275"/>
+            <a:ext cx="1730375" cy="300180"/>
+          </a:xfrm>
+          <a:prstGeom prst="roundRect">
+            <a:avLst>
+              <a:gd name="adj" fmla="val 6312"/>
+            </a:avLst>
+          </a:prstGeom>
+          <a:effectLst>
+            <a:outerShdw blurRad="50800" dist="38100" dir="2700000" algn="tl" rotWithShape="0">
+              <a:prstClr val="black">
+                <a:alpha val="40000"/>
+              </a:prstClr>
+            </a:outerShdw>
+          </a:effectLst>
+        </p:spPr>
+        <p:style>
+          <a:lnRef idx="2">
+            <a:schemeClr val="accent1">
+              <a:shade val="50000"/>
+            </a:schemeClr>
+          </a:lnRef>
+          <a:fillRef idx="1">
+            <a:schemeClr val="accent1"/>
+          </a:fillRef>
+          <a:effectRef idx="0">
+            <a:schemeClr val="accent1"/>
+          </a:effectRef>
+          <a:fontRef idx="minor">
+            <a:schemeClr val="lt1"/>
+          </a:fontRef>
+        </p:style>
+        <p:txBody>
+          <a:bodyPr rtlCol="0" anchor="ctr"/>
+          <a:lstStyle/>
+          <a:p>
+            <a:pPr algn="ctr"/>
+            <a:r>
+              <a:rPr lang="en-US" dirty="0" smtClean="0"/>
+              <a:t>Sketch</a:t>
+            </a:r>
+            <a:endParaRPr lang="en-US" dirty="0" smtClean="0"/>
+          </a:p>
+        </p:txBody>
+      </p:sp>
+      <p:pic>
+        <p:nvPicPr>
+          <p:cNvPr id="2057" name="Picture 9"/>
+          <p:cNvPicPr>
+            <a:picLocks noChangeAspect="1" noChangeArrowheads="1"/>
+          </p:cNvPicPr>
+          <p:nvPr/>
+        </p:nvPicPr>
+        <p:blipFill>
+          <a:blip r:embed="rId9">
+            <a:extLst>
+              <a:ext uri="{28A0092B-C50C-407E-A947-70E740481C1C}">
+                <a14:useLocalDpi xmlns:a14="http://schemas.microsoft.com/office/drawing/2010/main" val="0"/>
+              </a:ext>
+            </a:extLst>
+          </a:blip>
+          <a:srcRect/>
+          <a:stretch>
+            <a:fillRect/>
+          </a:stretch>
+        </p:blipFill>
+        <p:spPr bwMode="auto">
+          <a:xfrm>
+            <a:off x="6514648" y="3839715"/>
+            <a:ext cx="1714952" cy="2143690"/>
+          </a:xfrm>
+          <a:prstGeom prst="rect">
+            <a:avLst/>
+          </a:prstGeom>
+          <a:noFill/>
+          <a:ln>
+            <a:noFill/>
+          </a:ln>
+          <a:extLst>
+            <a:ext uri="{909E8E84-426E-40DD-AFC4-6F175D3DCCD1}">
+              <a14:hiddenFill xmlns:a14="http://schemas.microsoft.com/office/drawing/2010/main">
+                <a:solidFill>
+                  <a:schemeClr val="accent1"/>
+                </a:solidFill>
+              </a14:hiddenFill>
+            </a:ext>
+            <a:ext uri="{91240B29-F687-4F45-9708-019B960494DF}">
+              <a14:hiddenLine xmlns:a14="http://schemas.microsoft.com/office/drawing/2010/main" w="9525">
+                <a:solidFill>
+                  <a:schemeClr val="tx1"/>
+                </a:solidFill>
+                <a:miter lim="800000"/>
+                <a:headEnd/>
+                <a:tailEnd/>
+              </a14:hiddenLine>
+            </a:ext>
+          </a:extLst>
+        </p:spPr>
+      </p:pic>
+      <p:sp>
+        <p:nvSpPr>
+          <p:cNvPr id="20" name="Rounded Rectangle 19"/>
+          <p:cNvSpPr/>
+          <p:nvPr/>
+        </p:nvSpPr>
+        <p:spPr>
+          <a:xfrm>
+            <a:off x="6506936" y="5998078"/>
+            <a:ext cx="1730375" cy="300180"/>
+          </a:xfrm>
+          <a:prstGeom prst="roundRect">
+            <a:avLst>
+              <a:gd name="adj" fmla="val 6312"/>
+            </a:avLst>
+          </a:prstGeom>
+          <a:effectLst>
+            <a:outerShdw blurRad="50800" dist="38100" dir="2700000" algn="tl" rotWithShape="0">
+              <a:prstClr val="black">
+                <a:alpha val="40000"/>
+              </a:prstClr>
+            </a:outerShdw>
+          </a:effectLst>
+        </p:spPr>
+        <p:style>
+          <a:lnRef idx="2">
+            <a:schemeClr val="accent1">
+              <a:shade val="50000"/>
+            </a:schemeClr>
+          </a:lnRef>
+          <a:fillRef idx="1">
+            <a:schemeClr val="accent1"/>
+          </a:fillRef>
+          <a:effectRef idx="0">
+            <a:schemeClr val="accent1"/>
+          </a:effectRef>
+          <a:fontRef idx="minor">
+            <a:schemeClr val="lt1"/>
+          </a:fontRef>
+        </p:style>
+        <p:txBody>
+          <a:bodyPr rtlCol="0" anchor="ctr"/>
+          <a:lstStyle/>
+          <a:p>
+            <a:pPr algn="ctr"/>
+            <a:r>
+              <a:rPr lang="en-US" dirty="0" smtClean="0"/>
+              <a:t>Grayscale</a:t>
+            </a:r>
+            <a:endParaRPr lang="en-US" dirty="0" smtClean="0"/>
+          </a:p>
+        </p:txBody>
+      </p:sp>
+    </p:spTree>
+    <p:extLst>
+      <p:ext uri="{BB962C8B-B14F-4D97-AF65-F5344CB8AC3E}">
+        <p14:creationId xmlns:p14="http://schemas.microsoft.com/office/powerpoint/2010/main" val="4071948601"/>
+      </p:ext>
+    </p:extLst>
+  </p:cSld>
+  <p:clrMapOvr>
+    <a:masterClrMapping/>
+  </p:clrMapOvr>
+  <p:timing>
+    <p:tnLst>
+      <p:par>
+        <p:cTn id="1" dur="indefinite" restart="never" nodeType="tmRoot"/>
+      </p:par>
+    </p:tnLst>
+  </p:timing>
+</p:sld>
+</file>
+
+<file path=ppt/slides/slide24.xml><?xml version="1.0" encoding="utf-8"?>
+<p:sld xmlns:a="http://schemas.openxmlformats.org/drawingml/2006/main" xmlns:r="http://schemas.openxmlformats.org/officeDocument/2006/relationships" xmlns:p="http://schemas.openxmlformats.org/presentationml/2006/main">
+  <p:cSld>
+    <p:spTree>
+      <p:nvGrpSpPr>
+        <p:cNvPr id="1" name=""/>
+        <p:cNvGrpSpPr/>
+        <p:nvPr/>
+      </p:nvGrpSpPr>
+      <p:grpSpPr>
+        <a:xfrm>
+          <a:off x="0" y="0"/>
+          <a:ext cx="0" cy="0"/>
+          <a:chOff x="0" y="0"/>
+          <a:chExt cx="0" cy="0"/>
+        </a:xfrm>
+      </p:grpSpPr>
+      <p:sp>
+        <p:nvSpPr>
+          <p:cNvPr id="2" name="Title 1"/>
+          <p:cNvSpPr>
+            <a:spLocks noGrp="1"/>
+          </p:cNvSpPr>
+          <p:nvPr>
+            <p:ph type="title"/>
+          </p:nvPr>
+        </p:nvSpPr>
+        <p:spPr/>
+        <p:txBody>
+          <a:bodyPr/>
+          <a:lstStyle/>
+          <a:p>
+            <a:r>
+              <a:rPr lang="en-US" dirty="0" smtClean="0"/>
+              <a:t>Photo Summary</a:t>
+            </a:r>
+            <a:endParaRPr lang="en-US" dirty="0"/>
+          </a:p>
+        </p:txBody>
+      </p:sp>
+      <p:sp>
+        <p:nvSpPr>
+          <p:cNvPr id="3" name="Footer Placeholder 2"/>
+          <p:cNvSpPr>
+            <a:spLocks noGrp="1"/>
+          </p:cNvSpPr>
+          <p:nvPr>
+            <p:ph type="ftr" sz="quarter" idx="11"/>
+          </p:nvPr>
+        </p:nvSpPr>
+        <p:spPr/>
+        <p:txBody>
+          <a:bodyPr/>
+          <a:lstStyle/>
+          <a:p>
+            <a:r>
+              <a:rPr lang="en-US" smtClean="0"/>
+              <a:t>Intro To LightBurn sw</a:t>
+            </a:r>
+            <a:endParaRPr lang="en-US" dirty="0"/>
+          </a:p>
+        </p:txBody>
+      </p:sp>
+      <p:sp>
+        <p:nvSpPr>
+          <p:cNvPr id="4" name="Slide Number Placeholder 3"/>
+          <p:cNvSpPr>
+            <a:spLocks noGrp="1"/>
+          </p:cNvSpPr>
+          <p:nvPr>
+            <p:ph type="sldNum" sz="quarter" idx="12"/>
+          </p:nvPr>
+        </p:nvSpPr>
+        <p:spPr/>
+        <p:txBody>
+          <a:bodyPr/>
+          <a:lstStyle/>
+          <a:p>
+            <a:fld id="{EDE95D0A-8472-402B-9EB1-190FD5AB15C8}" type="slidenum">
+              <a:rPr lang="en-US" smtClean="0"/>
+              <a:t>24</a:t>
+            </a:fld>
+            <a:endParaRPr lang="en-US" dirty="0"/>
+          </a:p>
+        </p:txBody>
+      </p:sp>
+      <p:sp>
+        <p:nvSpPr>
+          <p:cNvPr id="5" name="Rounded Rectangle 4"/>
+          <p:cNvSpPr/>
+          <p:nvPr/>
+        </p:nvSpPr>
+        <p:spPr>
+          <a:xfrm>
+            <a:off x="342900" y="888999"/>
+            <a:ext cx="8636000" cy="5382491"/>
+          </a:xfrm>
+          <a:prstGeom prst="roundRect">
+            <a:avLst>
+              <a:gd name="adj" fmla="val 6312"/>
+            </a:avLst>
+          </a:prstGeom>
+          <a:effectLst>
+            <a:outerShdw blurRad="50800" dist="38100" dir="2700000" algn="tl" rotWithShape="0">
+              <a:prstClr val="black">
+                <a:alpha val="40000"/>
+              </a:prstClr>
+            </a:outerShdw>
+          </a:effectLst>
+        </p:spPr>
+        <p:style>
+          <a:lnRef idx="2">
+            <a:schemeClr val="accent1">
+              <a:shade val="50000"/>
+            </a:schemeClr>
+          </a:lnRef>
+          <a:fillRef idx="1">
+            <a:schemeClr val="accent1"/>
+          </a:fillRef>
+          <a:effectRef idx="0">
+            <a:schemeClr val="accent1"/>
+          </a:effectRef>
+          <a:fontRef idx="minor">
+            <a:schemeClr val="lt1"/>
+          </a:fontRef>
+        </p:style>
+        <p:txBody>
+          <a:bodyPr rtlCol="0" anchor="t"/>
+          <a:lstStyle/>
+          <a:p>
+            <a:r>
+              <a:rPr lang="en-US" dirty="0" smtClean="0"/>
+              <a:t>Expect to spend some time practicing with pictures before getting one you this is “just right”.  When you do get there, please share what you’ve learned, maybe teach a class on the subject.</a:t>
+            </a:r>
+          </a:p>
+          <a:p>
+            <a:endParaRPr lang="en-US" dirty="0"/>
+          </a:p>
+          <a:p>
+            <a:r>
+              <a:rPr lang="en-US" dirty="0" smtClean="0"/>
+              <a:t>Getting your picture  “just right” will likely involve applying filters, and adjusting photo parameters. You can use the LightBurn tools, but you can also pre-process photos in a lot of other applications before you import them to LightBurn, and those apps may have better filters. Don’t be afraid to pre-process your </a:t>
+            </a:r>
+            <a:r>
+              <a:rPr lang="en-US" dirty="0" smtClean="0"/>
+              <a:t>photos.</a:t>
+            </a:r>
+          </a:p>
+          <a:p>
+            <a:endParaRPr lang="en-US" dirty="0"/>
+          </a:p>
+          <a:p>
+            <a:r>
+              <a:rPr lang="en-US" dirty="0" smtClean="0"/>
+              <a:t>Other good advice to be added here once we learn it. </a:t>
+            </a:r>
+          </a:p>
+          <a:p>
+            <a:endParaRPr lang="en-US" dirty="0"/>
+          </a:p>
+          <a:p>
+            <a:r>
+              <a:rPr lang="en-US" dirty="0" smtClean="0"/>
+              <a:t> </a:t>
+            </a:r>
+            <a:endParaRPr lang="en-US" dirty="0" smtClean="0"/>
+          </a:p>
+        </p:txBody>
+      </p:sp>
+    </p:spTree>
+    <p:extLst>
+      <p:ext uri="{BB962C8B-B14F-4D97-AF65-F5344CB8AC3E}">
+        <p14:creationId xmlns:p14="http://schemas.microsoft.com/office/powerpoint/2010/main" val="3380572887"/>
+      </p:ext>
+    </p:extLst>
+  </p:cSld>
+  <p:clrMapOvr>
+    <a:masterClrMapping/>
+  </p:clrMapOvr>
+</p:sld>
+</file>
+
+<file path=ppt/slides/slide25.xml><?xml version="1.0" encoding="utf-8"?>
+<p:sld xmlns:a="http://schemas.openxmlformats.org/drawingml/2006/main" xmlns:r="http://schemas.openxmlformats.org/officeDocument/2006/relationships" xmlns:p="http://schemas.openxmlformats.org/presentationml/2006/main">
+  <p:cSld>
+    <p:spTree>
+      <p:nvGrpSpPr>
+        <p:cNvPr id="1" name=""/>
+        <p:cNvGrpSpPr/>
+        <p:nvPr/>
+      </p:nvGrpSpPr>
+      <p:grpSpPr>
+        <a:xfrm>
+          <a:off x="0" y="0"/>
+          <a:ext cx="0" cy="0"/>
+          <a:chOff x="0" y="0"/>
+          <a:chExt cx="0" cy="0"/>
+        </a:xfrm>
+      </p:grpSpPr>
+      <p:pic>
+        <p:nvPicPr>
+          <p:cNvPr id="3074" name="Picture 2"/>
+          <p:cNvPicPr>
+            <a:picLocks noChangeAspect="1" noChangeArrowheads="1"/>
+          </p:cNvPicPr>
+          <p:nvPr/>
+        </p:nvPicPr>
+        <p:blipFill>
+          <a:blip r:embed="rId2">
+            <a:extLst>
+              <a:ext uri="{28A0092B-C50C-407E-A947-70E740481C1C}">
+                <a14:useLocalDpi xmlns:a14="http://schemas.microsoft.com/office/drawing/2010/main" val="0"/>
+              </a:ext>
+            </a:extLst>
+          </a:blip>
+          <a:srcRect/>
+          <a:stretch>
+            <a:fillRect/>
+          </a:stretch>
+        </p:blipFill>
+        <p:spPr bwMode="auto">
+          <a:xfrm>
+            <a:off x="618838" y="2024061"/>
+            <a:ext cx="7328806" cy="3714028"/>
+          </a:xfrm>
+          <a:prstGeom prst="rect">
+            <a:avLst/>
+          </a:prstGeom>
+          <a:noFill/>
+          <a:ln>
+            <a:noFill/>
+          </a:ln>
+          <a:extLst>
+            <a:ext uri="{909E8E84-426E-40DD-AFC4-6F175D3DCCD1}">
+              <a14:hiddenFill xmlns:a14="http://schemas.microsoft.com/office/drawing/2010/main">
+                <a:solidFill>
+                  <a:schemeClr val="accent1"/>
+                </a:solidFill>
+              </a14:hiddenFill>
+            </a:ext>
+            <a:ext uri="{91240B29-F687-4F45-9708-019B960494DF}">
+              <a14:hiddenLine xmlns:a14="http://schemas.microsoft.com/office/drawing/2010/main" w="9525">
+                <a:solidFill>
+                  <a:schemeClr val="tx1"/>
+                </a:solidFill>
+                <a:miter lim="800000"/>
+                <a:headEnd/>
+                <a:tailEnd/>
+              </a14:hiddenLine>
+            </a:ext>
+          </a:extLst>
+        </p:spPr>
+      </p:pic>
+      <p:sp>
+        <p:nvSpPr>
+          <p:cNvPr id="2" name="Title 1"/>
+          <p:cNvSpPr>
+            <a:spLocks noGrp="1"/>
+          </p:cNvSpPr>
+          <p:nvPr>
+            <p:ph type="title"/>
+          </p:nvPr>
+        </p:nvSpPr>
+        <p:spPr/>
+        <p:txBody>
+          <a:bodyPr/>
+          <a:lstStyle/>
+          <a:p>
+            <a:r>
+              <a:rPr lang="en-US" dirty="0" smtClean="0"/>
+              <a:t> Converting Images to vectors</a:t>
+            </a:r>
+            <a:endParaRPr lang="en-US" dirty="0"/>
+          </a:p>
+        </p:txBody>
+      </p:sp>
+      <p:sp>
+        <p:nvSpPr>
+          <p:cNvPr id="3" name="Footer Placeholder 2"/>
+          <p:cNvSpPr>
+            <a:spLocks noGrp="1"/>
+          </p:cNvSpPr>
+          <p:nvPr>
+            <p:ph type="ftr" sz="quarter" idx="11"/>
+          </p:nvPr>
+        </p:nvSpPr>
+        <p:spPr/>
+        <p:txBody>
+          <a:bodyPr/>
+          <a:lstStyle/>
+          <a:p>
+            <a:r>
+              <a:rPr lang="en-US" smtClean="0"/>
+              <a:t>Intro To LightBurn sw</a:t>
+            </a:r>
+            <a:endParaRPr lang="en-US" dirty="0"/>
+          </a:p>
+        </p:txBody>
+      </p:sp>
+      <p:sp>
+        <p:nvSpPr>
+          <p:cNvPr id="4" name="Slide Number Placeholder 3"/>
+          <p:cNvSpPr>
+            <a:spLocks noGrp="1"/>
+          </p:cNvSpPr>
+          <p:nvPr>
+            <p:ph type="sldNum" sz="quarter" idx="12"/>
+          </p:nvPr>
+        </p:nvSpPr>
+        <p:spPr/>
+        <p:txBody>
+          <a:bodyPr/>
+          <a:lstStyle/>
+          <a:p>
+            <a:fld id="{EDE95D0A-8472-402B-9EB1-190FD5AB15C8}" type="slidenum">
+              <a:rPr lang="en-US" smtClean="0"/>
+              <a:t>25</a:t>
+            </a:fld>
+            <a:endParaRPr lang="en-US" dirty="0"/>
+          </a:p>
+        </p:txBody>
+      </p:sp>
+      <p:sp>
+        <p:nvSpPr>
+          <p:cNvPr id="17" name="Rounded Rectangle 16"/>
+          <p:cNvSpPr/>
+          <p:nvPr/>
+        </p:nvSpPr>
+        <p:spPr>
+          <a:xfrm>
+            <a:off x="7472218" y="3262744"/>
+            <a:ext cx="1671782" cy="1346201"/>
+          </a:xfrm>
+          <a:prstGeom prst="roundRect">
+            <a:avLst>
+              <a:gd name="adj" fmla="val 6312"/>
+            </a:avLst>
+          </a:prstGeom>
+          <a:effectLst>
+            <a:outerShdw blurRad="50800" dist="38100" dir="2700000" algn="tl" rotWithShape="0">
+              <a:prstClr val="black">
+                <a:alpha val="40000"/>
+              </a:prstClr>
+            </a:outerShdw>
+          </a:effectLst>
+        </p:spPr>
+        <p:style>
+          <a:lnRef idx="2">
+            <a:schemeClr val="accent1">
+              <a:shade val="50000"/>
+            </a:schemeClr>
+          </a:lnRef>
+          <a:fillRef idx="1">
+            <a:schemeClr val="accent1"/>
+          </a:fillRef>
+          <a:effectRef idx="0">
+            <a:schemeClr val="accent1"/>
+          </a:effectRef>
+          <a:fontRef idx="minor">
+            <a:schemeClr val="lt1"/>
+          </a:fontRef>
+        </p:style>
+        <p:txBody>
+          <a:bodyPr rtlCol="0" anchor="t"/>
+          <a:lstStyle/>
+          <a:p>
+            <a:r>
+              <a:rPr lang="en-US" dirty="0" smtClean="0"/>
+              <a:t>Slider bars adjust  how LightBurn finds edges.</a:t>
+            </a:r>
+            <a:endParaRPr lang="en-US" dirty="0" smtClean="0"/>
+          </a:p>
+        </p:txBody>
+      </p:sp>
+      <p:cxnSp>
+        <p:nvCxnSpPr>
+          <p:cNvPr id="20" name="Straight Arrow Connector 19"/>
+          <p:cNvCxnSpPr/>
+          <p:nvPr/>
+        </p:nvCxnSpPr>
+        <p:spPr>
+          <a:xfrm flipH="1">
+            <a:off x="5865091" y="4230255"/>
+            <a:ext cx="1607127" cy="1102592"/>
+          </a:xfrm>
+          <a:prstGeom prst="straightConnector1">
+            <a:avLst/>
+          </a:prstGeom>
+          <a:ln w="57150">
+            <a:tailEnd type="stealth"/>
+          </a:ln>
+          <a:effectLst>
+            <a:outerShdw blurRad="50800" dist="38100" dir="2700000" algn="tl" rotWithShape="0">
+              <a:prstClr val="black">
+                <a:alpha val="40000"/>
+              </a:prstClr>
+            </a:outerShdw>
+          </a:effectLst>
+        </p:spPr>
+        <p:style>
+          <a:lnRef idx="1">
+            <a:schemeClr val="accent1"/>
+          </a:lnRef>
+          <a:fillRef idx="0">
+            <a:schemeClr val="accent1"/>
+          </a:fillRef>
+          <a:effectRef idx="0">
+            <a:schemeClr val="accent1"/>
+          </a:effectRef>
+          <a:fontRef idx="minor">
+            <a:schemeClr val="tx1"/>
+          </a:fontRef>
+        </p:style>
+      </p:cxnSp>
+      <p:sp>
+        <p:nvSpPr>
+          <p:cNvPr id="13" name="Rounded Rectangle 12"/>
+          <p:cNvSpPr/>
+          <p:nvPr/>
+        </p:nvSpPr>
+        <p:spPr>
+          <a:xfrm>
+            <a:off x="342900" y="889000"/>
+            <a:ext cx="8636000" cy="976746"/>
+          </a:xfrm>
+          <a:prstGeom prst="roundRect">
+            <a:avLst>
+              <a:gd name="adj" fmla="val 6312"/>
+            </a:avLst>
+          </a:prstGeom>
+          <a:effectLst>
+            <a:outerShdw blurRad="50800" dist="38100" dir="2700000" algn="tl" rotWithShape="0">
+              <a:prstClr val="black">
+                <a:alpha val="40000"/>
+              </a:prstClr>
+            </a:outerShdw>
+          </a:effectLst>
+        </p:spPr>
+        <p:style>
+          <a:lnRef idx="2">
+            <a:schemeClr val="accent1">
+              <a:shade val="50000"/>
+            </a:schemeClr>
+          </a:lnRef>
+          <a:fillRef idx="1">
+            <a:schemeClr val="accent1"/>
+          </a:fillRef>
+          <a:effectRef idx="0">
+            <a:schemeClr val="accent1"/>
+          </a:effectRef>
+          <a:fontRef idx="minor">
+            <a:schemeClr val="lt1"/>
+          </a:fontRef>
+        </p:style>
+        <p:txBody>
+          <a:bodyPr rtlCol="0" anchor="t"/>
+          <a:lstStyle/>
+          <a:p>
+            <a:r>
+              <a:rPr lang="en-US" dirty="0" smtClean="0"/>
+              <a:t>You can convert images into vectors -  this works better with graphics than pictures. After importing your image, left click to select it, then right click and select “Trace Image” in the pop-up menu.</a:t>
+            </a:r>
+            <a:endParaRPr lang="en-US" dirty="0" smtClean="0"/>
+          </a:p>
+        </p:txBody>
+      </p:sp>
+      <p:sp>
+        <p:nvSpPr>
+          <p:cNvPr id="12" name="Rounded Rectangle 11"/>
+          <p:cNvSpPr/>
+          <p:nvPr/>
+        </p:nvSpPr>
+        <p:spPr>
+          <a:xfrm>
+            <a:off x="98136" y="4703184"/>
+            <a:ext cx="1778000" cy="408998"/>
+          </a:xfrm>
+          <a:prstGeom prst="roundRect">
+            <a:avLst>
+              <a:gd name="adj" fmla="val 6312"/>
+            </a:avLst>
+          </a:prstGeom>
+          <a:effectLst>
+            <a:outerShdw blurRad="50800" dist="38100" dir="2700000" algn="tl" rotWithShape="0">
+              <a:prstClr val="black">
+                <a:alpha val="40000"/>
+              </a:prstClr>
+            </a:outerShdw>
+          </a:effectLst>
+        </p:spPr>
+        <p:style>
+          <a:lnRef idx="2">
+            <a:schemeClr val="accent1">
+              <a:shade val="50000"/>
+            </a:schemeClr>
+          </a:lnRef>
+          <a:fillRef idx="1">
+            <a:schemeClr val="accent1"/>
+          </a:fillRef>
+          <a:effectRef idx="0">
+            <a:schemeClr val="accent1"/>
+          </a:effectRef>
+          <a:fontRef idx="minor">
+            <a:schemeClr val="lt1"/>
+          </a:fontRef>
+        </p:style>
+        <p:txBody>
+          <a:bodyPr rtlCol="0" anchor="t"/>
+          <a:lstStyle/>
+          <a:p>
+            <a:r>
+              <a:rPr lang="en-US" dirty="0" smtClean="0"/>
+              <a:t>Original Image</a:t>
+            </a:r>
+            <a:endParaRPr lang="en-US" dirty="0" smtClean="0"/>
+          </a:p>
+        </p:txBody>
+      </p:sp>
+      <p:sp>
+        <p:nvSpPr>
+          <p:cNvPr id="21" name="Rounded Rectangle 20"/>
+          <p:cNvSpPr/>
+          <p:nvPr/>
+        </p:nvSpPr>
+        <p:spPr>
+          <a:xfrm>
+            <a:off x="342900" y="5738089"/>
+            <a:ext cx="8320809" cy="648711"/>
+          </a:xfrm>
+          <a:prstGeom prst="roundRect">
+            <a:avLst>
+              <a:gd name="adj" fmla="val 6312"/>
+            </a:avLst>
+          </a:prstGeom>
+          <a:effectLst>
+            <a:outerShdw blurRad="50800" dist="38100" dir="2700000" algn="tl" rotWithShape="0">
+              <a:prstClr val="black">
+                <a:alpha val="40000"/>
+              </a:prstClr>
+            </a:outerShdw>
+          </a:effectLst>
+        </p:spPr>
+        <p:style>
+          <a:lnRef idx="2">
+            <a:schemeClr val="accent1">
+              <a:shade val="50000"/>
+            </a:schemeClr>
+          </a:lnRef>
+          <a:fillRef idx="1">
+            <a:schemeClr val="accent1"/>
+          </a:fillRef>
+          <a:effectRef idx="0">
+            <a:schemeClr val="accent1"/>
+          </a:effectRef>
+          <a:fontRef idx="minor">
+            <a:schemeClr val="lt1"/>
+          </a:fontRef>
+        </p:style>
+        <p:txBody>
+          <a:bodyPr rtlCol="0" anchor="t"/>
+          <a:lstStyle/>
+          <a:p>
+            <a:r>
+              <a:rPr lang="en-US" dirty="0" smtClean="0"/>
+              <a:t>The traced image is left on top of the original. Move or delete the original to see the vector image </a:t>
+            </a:r>
+            <a:endParaRPr lang="en-US" dirty="0" smtClean="0"/>
+          </a:p>
+        </p:txBody>
+      </p:sp>
+    </p:spTree>
+    <p:extLst>
+      <p:ext uri="{BB962C8B-B14F-4D97-AF65-F5344CB8AC3E}">
+        <p14:creationId xmlns:p14="http://schemas.microsoft.com/office/powerpoint/2010/main" val="1872386696"/>
+      </p:ext>
+    </p:extLst>
+  </p:cSld>
+  <p:clrMapOvr>
+    <a:masterClrMapping/>
+  </p:clrMapOvr>
+  <p:timing>
+    <p:tnLst>
+      <p:par>
+        <p:cTn id="1" dur="indefinite" restart="never" nodeType="tmRoot"/>
+      </p:par>
+    </p:tnLst>
+  </p:timing>
+</p:sld>
+</file>
+
+<file path=ppt/slides/slide26.xml><?xml version="1.0" encoding="utf-8"?>
+<p:sld xmlns:a="http://schemas.openxmlformats.org/drawingml/2006/main" xmlns:r="http://schemas.openxmlformats.org/officeDocument/2006/relationships" xmlns:p="http://schemas.openxmlformats.org/presentationml/2006/main">
+  <p:cSld>
+    <p:spTree>
+      <p:nvGrpSpPr>
+        <p:cNvPr id="1" name=""/>
+        <p:cNvGrpSpPr/>
+        <p:nvPr/>
+      </p:nvGrpSpPr>
+      <p:grpSpPr>
+        <a:xfrm>
+          <a:off x="0" y="0"/>
+          <a:ext cx="0" cy="0"/>
+          <a:chOff x="0" y="0"/>
+          <a:chExt cx="0" cy="0"/>
+        </a:xfrm>
+      </p:grpSpPr>
+      <p:pic>
+        <p:nvPicPr>
+          <p:cNvPr id="4098" name="Picture 2"/>
+          <p:cNvPicPr>
+            <a:picLocks noChangeAspect="1" noChangeArrowheads="1"/>
+          </p:cNvPicPr>
+          <p:nvPr/>
+        </p:nvPicPr>
+        <p:blipFill>
+          <a:blip r:embed="rId2">
+            <a:extLst>
+              <a:ext uri="{28A0092B-C50C-407E-A947-70E740481C1C}">
+                <a14:useLocalDpi xmlns:a14="http://schemas.microsoft.com/office/drawing/2010/main" val="0"/>
+              </a:ext>
+            </a:extLst>
+          </a:blip>
+          <a:srcRect/>
+          <a:stretch>
+            <a:fillRect/>
+          </a:stretch>
+        </p:blipFill>
+        <p:spPr bwMode="auto">
+          <a:xfrm>
+            <a:off x="452293" y="1289002"/>
+            <a:ext cx="5071052" cy="2812232"/>
+          </a:xfrm>
+          <a:prstGeom prst="rect">
+            <a:avLst/>
+          </a:prstGeom>
+          <a:noFill/>
+          <a:ln>
+            <a:noFill/>
+          </a:ln>
+          <a:extLst>
+            <a:ext uri="{909E8E84-426E-40DD-AFC4-6F175D3DCCD1}">
+              <a14:hiddenFill xmlns:a14="http://schemas.microsoft.com/office/drawing/2010/main">
+                <a:solidFill>
+                  <a:schemeClr val="accent1"/>
+                </a:solidFill>
+              </a14:hiddenFill>
+            </a:ext>
+            <a:ext uri="{91240B29-F687-4F45-9708-019B960494DF}">
+              <a14:hiddenLine xmlns:a14="http://schemas.microsoft.com/office/drawing/2010/main" w="9525">
+                <a:solidFill>
+                  <a:schemeClr val="tx1"/>
+                </a:solidFill>
+                <a:miter lim="800000"/>
+                <a:headEnd/>
+                <a:tailEnd/>
+              </a14:hiddenLine>
+            </a:ext>
+          </a:extLst>
+        </p:spPr>
+      </p:pic>
+      <p:sp>
+        <p:nvSpPr>
+          <p:cNvPr id="2" name="Title 1"/>
+          <p:cNvSpPr>
+            <a:spLocks noGrp="1"/>
+          </p:cNvSpPr>
+          <p:nvPr>
+            <p:ph type="title"/>
+          </p:nvPr>
+        </p:nvSpPr>
+        <p:spPr/>
+        <p:txBody>
+          <a:bodyPr/>
+          <a:lstStyle/>
+          <a:p>
+            <a:r>
+              <a:rPr lang="en-US" dirty="0" smtClean="0"/>
+              <a:t> Converting Images to vectors</a:t>
+            </a:r>
+            <a:endParaRPr lang="en-US" dirty="0"/>
+          </a:p>
+        </p:txBody>
+      </p:sp>
+      <p:sp>
+        <p:nvSpPr>
+          <p:cNvPr id="3" name="Footer Placeholder 2"/>
+          <p:cNvSpPr>
+            <a:spLocks noGrp="1"/>
+          </p:cNvSpPr>
+          <p:nvPr>
+            <p:ph type="ftr" sz="quarter" idx="11"/>
+          </p:nvPr>
+        </p:nvSpPr>
+        <p:spPr/>
+        <p:txBody>
+          <a:bodyPr/>
+          <a:lstStyle/>
+          <a:p>
+            <a:r>
+              <a:rPr lang="en-US" dirty="0" smtClean="0"/>
+              <a:t>Intro To LightBurn </a:t>
+            </a:r>
+            <a:r>
+              <a:rPr lang="en-US" dirty="0" err="1" smtClean="0"/>
+              <a:t>sw</a:t>
+            </a:r>
+            <a:endParaRPr lang="en-US" dirty="0"/>
+          </a:p>
+        </p:txBody>
+      </p:sp>
+      <p:sp>
+        <p:nvSpPr>
+          <p:cNvPr id="4" name="Slide Number Placeholder 3"/>
+          <p:cNvSpPr>
+            <a:spLocks noGrp="1"/>
+          </p:cNvSpPr>
+          <p:nvPr>
+            <p:ph type="sldNum" sz="quarter" idx="12"/>
+          </p:nvPr>
+        </p:nvSpPr>
+        <p:spPr/>
+        <p:txBody>
+          <a:bodyPr/>
+          <a:lstStyle/>
+          <a:p>
+            <a:fld id="{EDE95D0A-8472-402B-9EB1-190FD5AB15C8}" type="slidenum">
+              <a:rPr lang="en-US" smtClean="0"/>
+              <a:t>26</a:t>
+            </a:fld>
+            <a:endParaRPr lang="en-US" dirty="0"/>
+          </a:p>
+        </p:txBody>
+      </p:sp>
+      <p:sp>
+        <p:nvSpPr>
+          <p:cNvPr id="12" name="Rounded Rectangle 11"/>
+          <p:cNvSpPr/>
+          <p:nvPr/>
+        </p:nvSpPr>
+        <p:spPr>
+          <a:xfrm>
+            <a:off x="800099" y="4101234"/>
+            <a:ext cx="1778000" cy="408998"/>
+          </a:xfrm>
+          <a:prstGeom prst="roundRect">
+            <a:avLst>
+              <a:gd name="adj" fmla="val 6312"/>
+            </a:avLst>
+          </a:prstGeom>
+          <a:effectLst>
+            <a:outerShdw blurRad="50800" dist="38100" dir="2700000" algn="tl" rotWithShape="0">
+              <a:prstClr val="black">
+                <a:alpha val="40000"/>
+              </a:prstClr>
+            </a:outerShdw>
+          </a:effectLst>
+        </p:spPr>
+        <p:style>
+          <a:lnRef idx="2">
+            <a:schemeClr val="accent1">
+              <a:shade val="50000"/>
+            </a:schemeClr>
+          </a:lnRef>
+          <a:fillRef idx="1">
+            <a:schemeClr val="accent1"/>
+          </a:fillRef>
+          <a:effectRef idx="0">
+            <a:schemeClr val="accent1"/>
+          </a:effectRef>
+          <a:fontRef idx="minor">
+            <a:schemeClr val="lt1"/>
+          </a:fontRef>
+        </p:style>
+        <p:txBody>
+          <a:bodyPr rtlCol="0" anchor="t"/>
+          <a:lstStyle/>
+          <a:p>
+            <a:r>
+              <a:rPr lang="en-US" dirty="0" smtClean="0"/>
+              <a:t>Original Image</a:t>
+            </a:r>
+            <a:endParaRPr lang="en-US" dirty="0" smtClean="0"/>
+          </a:p>
+        </p:txBody>
+      </p:sp>
+      <p:sp>
+        <p:nvSpPr>
+          <p:cNvPr id="14" name="Rounded Rectangle 13"/>
+          <p:cNvSpPr/>
+          <p:nvPr/>
+        </p:nvSpPr>
+        <p:spPr>
+          <a:xfrm>
+            <a:off x="3441699" y="4108594"/>
+            <a:ext cx="1778000" cy="408998"/>
+          </a:xfrm>
+          <a:prstGeom prst="roundRect">
+            <a:avLst>
+              <a:gd name="adj" fmla="val 6312"/>
+            </a:avLst>
+          </a:prstGeom>
+          <a:effectLst>
+            <a:outerShdw blurRad="50800" dist="38100" dir="2700000" algn="tl" rotWithShape="0">
+              <a:prstClr val="black">
+                <a:alpha val="40000"/>
+              </a:prstClr>
+            </a:outerShdw>
+          </a:effectLst>
+        </p:spPr>
+        <p:style>
+          <a:lnRef idx="2">
+            <a:schemeClr val="accent1">
+              <a:shade val="50000"/>
+            </a:schemeClr>
+          </a:lnRef>
+          <a:fillRef idx="1">
+            <a:schemeClr val="accent1"/>
+          </a:fillRef>
+          <a:effectRef idx="0">
+            <a:schemeClr val="accent1"/>
+          </a:effectRef>
+          <a:fontRef idx="minor">
+            <a:schemeClr val="lt1"/>
+          </a:fontRef>
+        </p:style>
+        <p:txBody>
+          <a:bodyPr rtlCol="0" anchor="t"/>
+          <a:lstStyle/>
+          <a:p>
+            <a:r>
+              <a:rPr lang="en-US" dirty="0" smtClean="0"/>
+              <a:t>Vector Image</a:t>
+            </a:r>
+            <a:endParaRPr lang="en-US" dirty="0" smtClean="0"/>
+          </a:p>
+        </p:txBody>
+      </p:sp>
+      <p:pic>
+        <p:nvPicPr>
+          <p:cNvPr id="4099" name="Picture 3"/>
+          <p:cNvPicPr>
+            <a:picLocks noChangeAspect="1" noChangeArrowheads="1"/>
+          </p:cNvPicPr>
+          <p:nvPr/>
+        </p:nvPicPr>
+        <p:blipFill>
+          <a:blip r:embed="rId3">
+            <a:extLst>
+              <a:ext uri="{28A0092B-C50C-407E-A947-70E740481C1C}">
+                <a14:useLocalDpi xmlns:a14="http://schemas.microsoft.com/office/drawing/2010/main" val="0"/>
+              </a:ext>
+            </a:extLst>
+          </a:blip>
+          <a:srcRect/>
+          <a:stretch>
+            <a:fillRect/>
+          </a:stretch>
+        </p:blipFill>
+        <p:spPr bwMode="auto">
+          <a:xfrm>
+            <a:off x="5780622" y="1315892"/>
+            <a:ext cx="2678012" cy="2792702"/>
+          </a:xfrm>
+          <a:prstGeom prst="rect">
+            <a:avLst/>
+          </a:prstGeom>
+          <a:noFill/>
+          <a:ln>
+            <a:noFill/>
+          </a:ln>
+          <a:extLst>
+            <a:ext uri="{909E8E84-426E-40DD-AFC4-6F175D3DCCD1}">
+              <a14:hiddenFill xmlns:a14="http://schemas.microsoft.com/office/drawing/2010/main">
+                <a:solidFill>
+                  <a:schemeClr val="accent1"/>
+                </a:solidFill>
+              </a14:hiddenFill>
+            </a:ext>
+            <a:ext uri="{91240B29-F687-4F45-9708-019B960494DF}">
+              <a14:hiddenLine xmlns:a14="http://schemas.microsoft.com/office/drawing/2010/main" w="9525">
+                <a:solidFill>
+                  <a:schemeClr val="tx1"/>
+                </a:solidFill>
+                <a:miter lim="800000"/>
+                <a:headEnd/>
+                <a:tailEnd/>
+              </a14:hiddenLine>
+            </a:ext>
+          </a:extLst>
+        </p:spPr>
+      </p:pic>
+      <p:sp>
+        <p:nvSpPr>
+          <p:cNvPr id="15" name="Rounded Rectangle 14"/>
+          <p:cNvSpPr/>
+          <p:nvPr/>
+        </p:nvSpPr>
+        <p:spPr>
+          <a:xfrm>
+            <a:off x="5780622" y="4108594"/>
+            <a:ext cx="2678012" cy="1063770"/>
+          </a:xfrm>
+          <a:prstGeom prst="roundRect">
+            <a:avLst>
+              <a:gd name="adj" fmla="val 6312"/>
+            </a:avLst>
+          </a:prstGeom>
+          <a:effectLst>
+            <a:outerShdw blurRad="50800" dist="38100" dir="2700000" algn="tl" rotWithShape="0">
+              <a:prstClr val="black">
+                <a:alpha val="40000"/>
+              </a:prstClr>
+            </a:outerShdw>
+          </a:effectLst>
+        </p:spPr>
+        <p:style>
+          <a:lnRef idx="2">
+            <a:schemeClr val="accent1">
+              <a:shade val="50000"/>
+            </a:schemeClr>
+          </a:lnRef>
+          <a:fillRef idx="1">
+            <a:schemeClr val="accent1"/>
+          </a:fillRef>
+          <a:effectRef idx="0">
+            <a:schemeClr val="accent1"/>
+          </a:effectRef>
+          <a:fontRef idx="minor">
+            <a:schemeClr val="lt1"/>
+          </a:fontRef>
+        </p:style>
+        <p:txBody>
+          <a:bodyPr rtlCol="0" anchor="t"/>
+          <a:lstStyle/>
+          <a:p>
+            <a:r>
+              <a:rPr lang="en-US" dirty="0" smtClean="0"/>
+              <a:t>Close up of original image and vector lines. </a:t>
+            </a:r>
+            <a:endParaRPr lang="en-US" dirty="0" smtClean="0"/>
+          </a:p>
+        </p:txBody>
+      </p:sp>
+    </p:spTree>
+    <p:extLst>
+      <p:ext uri="{BB962C8B-B14F-4D97-AF65-F5344CB8AC3E}">
+        <p14:creationId xmlns:p14="http://schemas.microsoft.com/office/powerpoint/2010/main" val="1946553253"/>
+      </p:ext>
+    </p:extLst>
+  </p:cSld>
+  <p:clrMapOvr>
+    <a:masterClrMapping/>
+  </p:clrMapOvr>
+  <p:timing>
+    <p:tnLst>
+      <p:par>
+        <p:cTn id="1" dur="indefinite" restart="never" nodeType="tmRoot"/>
+      </p:par>
+    </p:tnLst>
+  </p:timing>
+</p:sld>
+</file>
+
+<file path=ppt/slides/slide27.xml><?xml version="1.0" encoding="utf-8"?>
+<p:sld xmlns:a="http://schemas.openxmlformats.org/drawingml/2006/main" xmlns:r="http://schemas.openxmlformats.org/officeDocument/2006/relationships" xmlns:p="http://schemas.openxmlformats.org/presentationml/2006/main">
+  <p:cSld>
+    <p:spTree>
+      <p:nvGrpSpPr>
+        <p:cNvPr id="1" name=""/>
+        <p:cNvGrpSpPr/>
+        <p:nvPr/>
+      </p:nvGrpSpPr>
+      <p:grpSpPr>
+        <a:xfrm>
+          <a:off x="0" y="0"/>
+          <a:ext cx="0" cy="0"/>
+          <a:chOff x="0" y="0"/>
+          <a:chExt cx="0" cy="0"/>
+        </a:xfrm>
+      </p:grpSpPr>
+      <p:sp>
+        <p:nvSpPr>
+          <p:cNvPr id="2" name="Title 1"/>
+          <p:cNvSpPr>
+            <a:spLocks noGrp="1"/>
+          </p:cNvSpPr>
+          <p:nvPr>
+            <p:ph type="title"/>
+          </p:nvPr>
+        </p:nvSpPr>
+        <p:spPr/>
+        <p:txBody>
+          <a:bodyPr/>
+          <a:lstStyle/>
+          <a:p>
+            <a:r>
+              <a:rPr lang="en-US" dirty="0" smtClean="0"/>
+              <a:t> Other examples</a:t>
+            </a:r>
+            <a:endParaRPr lang="en-US" dirty="0"/>
+          </a:p>
+        </p:txBody>
+      </p:sp>
+      <p:sp>
+        <p:nvSpPr>
+          <p:cNvPr id="3" name="Footer Placeholder 2"/>
+          <p:cNvSpPr>
+            <a:spLocks noGrp="1"/>
+          </p:cNvSpPr>
+          <p:nvPr>
+            <p:ph type="ftr" sz="quarter" idx="11"/>
+          </p:nvPr>
+        </p:nvSpPr>
+        <p:spPr/>
+        <p:txBody>
+          <a:bodyPr/>
+          <a:lstStyle/>
+          <a:p>
+            <a:r>
+              <a:rPr lang="en-US" dirty="0" smtClean="0"/>
+              <a:t>Intro To LightBurn </a:t>
+            </a:r>
+            <a:r>
+              <a:rPr lang="en-US" dirty="0" err="1" smtClean="0"/>
+              <a:t>sw</a:t>
+            </a:r>
+            <a:endParaRPr lang="en-US" dirty="0"/>
+          </a:p>
+        </p:txBody>
+      </p:sp>
+      <p:sp>
+        <p:nvSpPr>
+          <p:cNvPr id="4" name="Slide Number Placeholder 3"/>
+          <p:cNvSpPr>
+            <a:spLocks noGrp="1"/>
+          </p:cNvSpPr>
+          <p:nvPr>
+            <p:ph type="sldNum" sz="quarter" idx="12"/>
+          </p:nvPr>
+        </p:nvSpPr>
+        <p:spPr/>
+        <p:txBody>
+          <a:bodyPr/>
+          <a:lstStyle/>
+          <a:p>
+            <a:fld id="{EDE95D0A-8472-402B-9EB1-190FD5AB15C8}" type="slidenum">
+              <a:rPr lang="en-US" smtClean="0"/>
+              <a:t>27</a:t>
+            </a:fld>
+            <a:endParaRPr lang="en-US" dirty="0"/>
+          </a:p>
+        </p:txBody>
+      </p:sp>
+      <p:pic>
+        <p:nvPicPr>
+          <p:cNvPr id="5122" name="Picture 2"/>
+          <p:cNvPicPr>
+            <a:picLocks noChangeAspect="1" noChangeArrowheads="1"/>
+          </p:cNvPicPr>
+          <p:nvPr/>
+        </p:nvPicPr>
+        <p:blipFill>
+          <a:blip r:embed="rId2">
+            <a:extLst>
+              <a:ext uri="{28A0092B-C50C-407E-A947-70E740481C1C}">
+                <a14:useLocalDpi xmlns:a14="http://schemas.microsoft.com/office/drawing/2010/main" val="0"/>
+              </a:ext>
+            </a:extLst>
+          </a:blip>
+          <a:srcRect/>
+          <a:stretch>
+            <a:fillRect/>
+          </a:stretch>
+        </p:blipFill>
+        <p:spPr bwMode="auto">
+          <a:xfrm>
+            <a:off x="847725" y="1209675"/>
+            <a:ext cx="3875397" cy="2309380"/>
+          </a:xfrm>
+          <a:prstGeom prst="rect">
+            <a:avLst/>
+          </a:prstGeom>
+          <a:noFill/>
+          <a:ln>
+            <a:noFill/>
+          </a:ln>
+          <a:extLst>
+            <a:ext uri="{909E8E84-426E-40DD-AFC4-6F175D3DCCD1}">
+              <a14:hiddenFill xmlns:a14="http://schemas.microsoft.com/office/drawing/2010/main">
+                <a:solidFill>
+                  <a:schemeClr val="accent1"/>
+                </a:solidFill>
+              </a14:hiddenFill>
+            </a:ext>
+            <a:ext uri="{91240B29-F687-4F45-9708-019B960494DF}">
+              <a14:hiddenLine xmlns:a14="http://schemas.microsoft.com/office/drawing/2010/main" w="9525">
+                <a:solidFill>
+                  <a:schemeClr val="tx1"/>
+                </a:solidFill>
+                <a:miter lim="800000"/>
+                <a:headEnd/>
+                <a:tailEnd/>
+              </a14:hiddenLine>
+            </a:ext>
+          </a:extLst>
+        </p:spPr>
+      </p:pic>
+      <p:pic>
+        <p:nvPicPr>
+          <p:cNvPr id="5124" name="Picture 4"/>
+          <p:cNvPicPr>
+            <a:picLocks noChangeAspect="1" noChangeArrowheads="1"/>
+          </p:cNvPicPr>
+          <p:nvPr/>
+        </p:nvPicPr>
+        <p:blipFill>
+          <a:blip r:embed="rId3">
+            <a:extLst>
+              <a:ext uri="{28A0092B-C50C-407E-A947-70E740481C1C}">
+                <a14:useLocalDpi xmlns:a14="http://schemas.microsoft.com/office/drawing/2010/main" val="0"/>
+              </a:ext>
+            </a:extLst>
+          </a:blip>
+          <a:srcRect/>
+          <a:stretch>
+            <a:fillRect/>
+          </a:stretch>
+        </p:blipFill>
+        <p:spPr bwMode="auto">
+          <a:xfrm>
+            <a:off x="5787448" y="959427"/>
+            <a:ext cx="2686050" cy="3886200"/>
+          </a:xfrm>
+          <a:prstGeom prst="rect">
+            <a:avLst/>
+          </a:prstGeom>
+          <a:noFill/>
+          <a:ln>
+            <a:noFill/>
+          </a:ln>
+          <a:extLst>
+            <a:ext uri="{909E8E84-426E-40DD-AFC4-6F175D3DCCD1}">
+              <a14:hiddenFill xmlns:a14="http://schemas.microsoft.com/office/drawing/2010/main">
+                <a:solidFill>
+                  <a:schemeClr val="accent1"/>
+                </a:solidFill>
+              </a14:hiddenFill>
+            </a:ext>
+            <a:ext uri="{91240B29-F687-4F45-9708-019B960494DF}">
+              <a14:hiddenLine xmlns:a14="http://schemas.microsoft.com/office/drawing/2010/main" w="9525">
+                <a:solidFill>
+                  <a:schemeClr val="tx1"/>
+                </a:solidFill>
+                <a:miter lim="800000"/>
+                <a:headEnd/>
+                <a:tailEnd/>
+              </a14:hiddenLine>
+            </a:ext>
+          </a:extLst>
+        </p:spPr>
+      </p:pic>
+      <p:pic>
+        <p:nvPicPr>
+          <p:cNvPr id="5125" name="Picture 5"/>
+          <p:cNvPicPr>
+            <a:picLocks noChangeAspect="1" noChangeArrowheads="1"/>
+          </p:cNvPicPr>
+          <p:nvPr/>
+        </p:nvPicPr>
+        <p:blipFill>
+          <a:blip r:embed="rId4">
+            <a:extLst>
+              <a:ext uri="{28A0092B-C50C-407E-A947-70E740481C1C}">
+                <a14:useLocalDpi xmlns:a14="http://schemas.microsoft.com/office/drawing/2010/main" val="0"/>
+              </a:ext>
+            </a:extLst>
+          </a:blip>
+          <a:srcRect/>
+          <a:stretch>
+            <a:fillRect/>
+          </a:stretch>
+        </p:blipFill>
+        <p:spPr bwMode="auto">
+          <a:xfrm>
+            <a:off x="207248" y="3803072"/>
+            <a:ext cx="5414666" cy="2085110"/>
+          </a:xfrm>
+          <a:prstGeom prst="rect">
+            <a:avLst/>
+          </a:prstGeom>
+          <a:noFill/>
+          <a:ln>
+            <a:noFill/>
+          </a:ln>
+          <a:extLst>
+            <a:ext uri="{909E8E84-426E-40DD-AFC4-6F175D3DCCD1}">
+              <a14:hiddenFill xmlns:a14="http://schemas.microsoft.com/office/drawing/2010/main">
+                <a:solidFill>
+                  <a:schemeClr val="accent1"/>
+                </a:solidFill>
+              </a14:hiddenFill>
+            </a:ext>
+            <a:ext uri="{91240B29-F687-4F45-9708-019B960494DF}">
+              <a14:hiddenLine xmlns:a14="http://schemas.microsoft.com/office/drawing/2010/main" w="9525">
+                <a:solidFill>
+                  <a:schemeClr val="tx1"/>
+                </a:solidFill>
+                <a:miter lim="800000"/>
+                <a:headEnd/>
+                <a:tailEnd/>
+              </a14:hiddenLine>
+            </a:ext>
+          </a:extLst>
+        </p:spPr>
+      </p:pic>
+    </p:spTree>
+    <p:extLst>
+      <p:ext uri="{BB962C8B-B14F-4D97-AF65-F5344CB8AC3E}">
+        <p14:creationId xmlns:p14="http://schemas.microsoft.com/office/powerpoint/2010/main" val="4290129100"/>
+      </p:ext>
+    </p:extLst>
+  </p:cSld>
+  <p:clrMapOvr>
+    <a:masterClrMapping/>
+  </p:clrMapOvr>
+  <p:timing>
+    <p:tnLst>
+      <p:par>
+        <p:cTn id="1" dur="indefinite" restart="never" nodeType="tmRoot"/>
+      </p:par>
+    </p:tnLst>
+  </p:timing>
+</p:sld>
+</file>
+
+<file path=ppt/slides/slide28.xml><?xml version="1.0" encoding="utf-8"?>
+<p:sld xmlns:a="http://schemas.openxmlformats.org/drawingml/2006/main" xmlns:r="http://schemas.openxmlformats.org/officeDocument/2006/relationships" xmlns:p="http://schemas.openxmlformats.org/presentationml/2006/main">
+  <p:cSld>
+    <p:spTree>
+      <p:nvGrpSpPr>
+        <p:cNvPr id="1" name=""/>
+        <p:cNvGrpSpPr/>
+        <p:nvPr/>
+      </p:nvGrpSpPr>
+      <p:grpSpPr>
+        <a:xfrm>
+          <a:off x="0" y="0"/>
+          <a:ext cx="0" cy="0"/>
+          <a:chOff x="0" y="0"/>
+          <a:chExt cx="0" cy="0"/>
+        </a:xfrm>
+      </p:grpSpPr>
+      <p:sp>
+        <p:nvSpPr>
+          <p:cNvPr id="2" name="Title 1"/>
+          <p:cNvSpPr>
+            <a:spLocks noGrp="1"/>
+          </p:cNvSpPr>
+          <p:nvPr>
+            <p:ph type="title"/>
+          </p:nvPr>
+        </p:nvSpPr>
+        <p:spPr/>
+        <p:txBody>
           <a:bodyPr>
             <a:noAutofit/>
           </a:bodyPr>
@@ -9092,7 +12605,7 @@
           <a:p>
             <a:fld id="{EDE95D0A-8472-402B-9EB1-190FD5AB15C8}" type="slidenum">
               <a:rPr lang="en-US" smtClean="0"/>
-              <a:t>20</a:t>
+              <a:t>28</a:t>
             </a:fld>
             <a:endParaRPr lang="en-US" dirty="0"/>
           </a:p>
@@ -9108,10 +12621,17 @@
   <p:clrMapOvr>
     <a:masterClrMapping/>
   </p:clrMapOvr>
+  <p:timing>
+    <p:tnLst>
+      <p:par>
+        <p:cTn id="1" dur="indefinite" restart="never" nodeType="tmRoot"/>
+      </p:par>
+    </p:tnLst>
+  </p:timing>
 </p:sld>
 </file>
 
-<file path=ppt/slides/slide21.xml><?xml version="1.0" encoding="utf-8"?>
+<file path=ppt/slides/slide29.xml><?xml version="1.0" encoding="utf-8"?>
 <p:sld xmlns:a="http://schemas.openxmlformats.org/drawingml/2006/main" xmlns:r="http://schemas.openxmlformats.org/officeDocument/2006/relationships" xmlns:p="http://schemas.openxmlformats.org/presentationml/2006/main">
   <p:cSld>
     <p:spTree>
@@ -9587,7 +13107,7 @@
           <a:p>
             <a:fld id="{EDE95D0A-8472-402B-9EB1-190FD5AB15C8}" type="slidenum">
               <a:rPr lang="en-US" smtClean="0"/>
-              <a:t>21</a:t>
+              <a:t>29</a:t>
             </a:fld>
             <a:endParaRPr lang="en-US" dirty="0"/>
           </a:p>
@@ -9657,204 +13177,13 @@
   <p:clrMapOvr>
     <a:masterClrMapping/>
   </p:clrMapOvr>
-</p:sld>
-</file>
-
-<file path=ppt/slides/slide22.xml><?xml version="1.0" encoding="utf-8"?>
-<p:sld xmlns:a="http://schemas.openxmlformats.org/drawingml/2006/main" xmlns:r="http://schemas.openxmlformats.org/officeDocument/2006/relationships" xmlns:p="http://schemas.openxmlformats.org/presentationml/2006/main">
-  <p:cSld>
-    <p:spTree>
-      <p:nvGrpSpPr>
-        <p:cNvPr id="1" name=""/>
-        <p:cNvGrpSpPr/>
-        <p:nvPr/>
-      </p:nvGrpSpPr>
-      <p:grpSpPr>
-        <a:xfrm>
-          <a:off x="0" y="0"/>
-          <a:ext cx="0" cy="0"/>
-          <a:chOff x="0" y="0"/>
-          <a:chExt cx="0" cy="0"/>
-        </a:xfrm>
-      </p:grpSpPr>
-      <p:sp>
-        <p:nvSpPr>
-          <p:cNvPr id="2" name="Title 1"/>
-          <p:cNvSpPr>
-            <a:spLocks noGrp="1"/>
-          </p:cNvSpPr>
-          <p:nvPr>
-            <p:ph type="title"/>
-          </p:nvPr>
-        </p:nvSpPr>
-        <p:spPr/>
-        <p:txBody>
-          <a:bodyPr/>
-          <a:lstStyle/>
-          <a:p>
-            <a:r>
-              <a:rPr lang="en-US" dirty="0" smtClean="0"/>
-              <a:t>Topics</a:t>
-            </a:r>
-            <a:endParaRPr lang="en-US" dirty="0"/>
-          </a:p>
-        </p:txBody>
-      </p:sp>
-      <p:sp>
-        <p:nvSpPr>
-          <p:cNvPr id="5" name="Content Placeholder 4"/>
-          <p:cNvSpPr>
-            <a:spLocks noGrp="1"/>
-          </p:cNvSpPr>
-          <p:nvPr>
-            <p:ph idx="1"/>
-          </p:nvPr>
-        </p:nvSpPr>
-        <p:spPr/>
-        <p:txBody>
-          <a:bodyPr/>
-          <a:lstStyle/>
-          <a:p>
-            <a:r>
-              <a:rPr lang="en-US" dirty="0" smtClean="0"/>
-              <a:t>Important windows</a:t>
-            </a:r>
-          </a:p>
-          <a:p>
-            <a:r>
-              <a:rPr lang="en-US" dirty="0"/>
-              <a:t>	</a:t>
-            </a:r>
-            <a:r>
-              <a:rPr lang="en-US" dirty="0" smtClean="0"/>
-              <a:t>Cuts / Layers</a:t>
-            </a:r>
-          </a:p>
-          <a:p>
-            <a:r>
-              <a:rPr lang="en-US" dirty="0" smtClean="0"/>
-              <a:t>	Shape Properties</a:t>
-            </a:r>
-          </a:p>
-          <a:p>
-            <a:r>
-              <a:rPr lang="en-US" dirty="0"/>
-              <a:t>	</a:t>
-            </a:r>
-            <a:r>
-              <a:rPr lang="en-US" dirty="0" smtClean="0"/>
-              <a:t>images - ?</a:t>
-            </a:r>
-          </a:p>
-          <a:p>
-            <a:r>
-              <a:rPr lang="en-US" dirty="0"/>
-              <a:t>	</a:t>
-            </a:r>
-            <a:r>
-              <a:rPr lang="en-US" dirty="0" smtClean="0"/>
-              <a:t>Laser</a:t>
-            </a:r>
-          </a:p>
-          <a:p>
-            <a:r>
-              <a:rPr lang="en-US" dirty="0" smtClean="0"/>
-              <a:t>	Move</a:t>
-            </a:r>
-          </a:p>
-          <a:p>
-            <a:r>
-              <a:rPr lang="en-US" dirty="0"/>
-              <a:t>	</a:t>
-            </a:r>
-            <a:r>
-              <a:rPr lang="en-US" dirty="0" smtClean="0"/>
-              <a:t>Material library</a:t>
-            </a:r>
-          </a:p>
-          <a:p>
-            <a:r>
-              <a:rPr lang="en-US" dirty="0" smtClean="0"/>
-              <a:t>Appendices</a:t>
-            </a:r>
-          </a:p>
-          <a:p>
-            <a:r>
-              <a:rPr lang="en-US" dirty="0" smtClean="0"/>
-              <a:t>	Downloading LightBurn</a:t>
-            </a:r>
-          </a:p>
-          <a:p>
-            <a:r>
-              <a:rPr lang="en-US" dirty="0"/>
-              <a:t>	</a:t>
-            </a:r>
-            <a:r>
-              <a:rPr lang="en-US" dirty="0" smtClean="0"/>
-              <a:t>Vector design programs</a:t>
-            </a:r>
-          </a:p>
-          <a:p>
-            <a:endParaRPr lang="en-US" dirty="0"/>
-          </a:p>
-        </p:txBody>
-      </p:sp>
-      <p:sp>
-        <p:nvSpPr>
-          <p:cNvPr id="3" name="Footer Placeholder 2"/>
-          <p:cNvSpPr>
-            <a:spLocks noGrp="1"/>
-          </p:cNvSpPr>
-          <p:nvPr>
-            <p:ph type="ftr" sz="quarter" idx="11"/>
-          </p:nvPr>
-        </p:nvSpPr>
-        <p:spPr/>
-        <p:txBody>
-          <a:bodyPr/>
-          <a:lstStyle/>
-          <a:p>
-            <a:r>
-              <a:rPr lang="en-US" smtClean="0"/>
-              <a:t>Intro To LightBurn sw</a:t>
-            </a:r>
-            <a:endParaRPr lang="en-US" dirty="0"/>
-          </a:p>
-        </p:txBody>
-      </p:sp>
-      <p:sp>
-        <p:nvSpPr>
-          <p:cNvPr id="4" name="Slide Number Placeholder 3"/>
-          <p:cNvSpPr>
-            <a:spLocks noGrp="1"/>
-          </p:cNvSpPr>
-          <p:nvPr>
-            <p:ph type="sldNum" sz="quarter" idx="12"/>
-          </p:nvPr>
-        </p:nvSpPr>
-        <p:spPr/>
-        <p:txBody>
-          <a:bodyPr/>
-          <a:lstStyle/>
-          <a:p>
-            <a:fld id="{EDE95D0A-8472-402B-9EB1-190FD5AB15C8}" type="slidenum">
-              <a:rPr lang="en-US" smtClean="0"/>
-              <a:t>22</a:t>
-            </a:fld>
-            <a:endParaRPr lang="en-US" dirty="0"/>
-          </a:p>
-        </p:txBody>
-      </p:sp>
-    </p:spTree>
-    <p:extLst>
-      <p:ext uri="{BB962C8B-B14F-4D97-AF65-F5344CB8AC3E}">
-        <p14:creationId xmlns:p14="http://schemas.microsoft.com/office/powerpoint/2010/main" val="1005395537"/>
-      </p:ext>
-    </p:extLst>
-  </p:cSld>
-  <p:clrMapOvr>
-    <a:masterClrMapping/>
-  </p:clrMapOvr>
+  <p:timing>
+    <p:tnLst>
+      <p:par>
+        <p:cTn id="1" dur="indefinite" restart="never" nodeType="tmRoot"/>
+      </p:par>
+    </p:tnLst>
+  </p:timing>
 </p:sld>
 </file>
 
@@ -13928,11 +17257,7 @@
             <a:pPr algn="ctr"/>
             <a:r>
               <a:rPr lang="en-US" sz="1600" dirty="0" smtClean="0"/>
-              <a:t>Close </a:t>
-            </a:r>
-            <a:r>
-              <a:rPr lang="en-US" sz="1600" dirty="0" smtClean="0"/>
-              <a:t>lid, start, and watch </a:t>
+              <a:t>Close lid, start, and watch </a:t>
             </a:r>
             <a:endParaRPr lang="en-US" sz="1600" dirty="0"/>
           </a:p>
@@ -15515,7 +18840,7 @@
   <a:extraClrSchemeLst/>
   <a:extLst>
     <a:ext uri="{05A4C25C-085E-4340-85A3-A5531E510DB2}">
-      <thm15:themeFamily xmlns="" xmlns:thm15="http://schemas.microsoft.com/office/thememl/2012/main" name="Office Theme" id="{62F939B6-93AF-4DB8-9C6B-D6C7DFDC589F}" vid="{4A3C46E8-61CC-4603-A589-7422A47A8E4A}"/>
+      <thm15:themeFamily xmlns:thm15="http://schemas.microsoft.com/office/thememl/2012/main" xmlns="" name="Office Theme" id="{62F939B6-93AF-4DB8-9C6B-D6C7DFDC589F}" vid="{4A3C46E8-61CC-4603-A589-7422A47A8E4A}"/>
     </a:ext>
   </a:extLst>
 </a:theme>

--- a/Intro to LightBurn.pptx
+++ b/Intro to LightBurn.pptx
@@ -144,7 +144,7 @@
   </p:defaultTextStyle>
   <p:extLst>
     <p:ext uri="{EFAFB233-063F-42B5-8137-9DF3F51BA10A}">
-      <p15:sldGuideLst xmlns:p15="http://schemas.microsoft.com/office/powerpoint/2012/main" xmlns=""/>
+      <p15:sldGuideLst xmlns="" xmlns:p15="http://schemas.microsoft.com/office/powerpoint/2012/main"/>
     </p:ext>
   </p:extLst>
 </p:presentation>
@@ -232,7 +232,7 @@
           <a:p>
             <a:fld id="{002372F8-9914-4017-BCEE-E734985315A4}" type="datetimeFigureOut">
               <a:rPr lang="en-US" smtClean="0"/>
-              <a:t>5/4/2021</a:t>
+              <a:t>6/21/2021</a:t>
             </a:fld>
             <a:endParaRPr lang="en-US"/>
           </a:p>
@@ -522,7 +522,7 @@
           <p:cNvPr id="2" name="Title 1">
             <a:extLst>
               <a:ext uri="{FF2B5EF4-FFF2-40B4-BE49-F238E27FC236}">
-                <a16:creationId xmlns:a16="http://schemas.microsoft.com/office/drawing/2014/main" xmlns="" id="{43FC27BE-C518-4EC9-8773-11DA6C4AD371}"/>
+                <a16:creationId xmlns="" xmlns:a16="http://schemas.microsoft.com/office/drawing/2014/main" id="{43FC27BE-C518-4EC9-8773-11DA6C4AD371}"/>
               </a:ext>
             </a:extLst>
           </p:cNvPr>
@@ -559,7 +559,7 @@
           <p:cNvPr id="3" name="Subtitle 2">
             <a:extLst>
               <a:ext uri="{FF2B5EF4-FFF2-40B4-BE49-F238E27FC236}">
-                <a16:creationId xmlns:a16="http://schemas.microsoft.com/office/drawing/2014/main" xmlns="" id="{E8A1F8B4-6BB8-415B-97EA-FFA1D684CE68}"/>
+                <a16:creationId xmlns="" xmlns:a16="http://schemas.microsoft.com/office/drawing/2014/main" id="{E8A1F8B4-6BB8-415B-97EA-FFA1D684CE68}"/>
               </a:ext>
             </a:extLst>
           </p:cNvPr>
@@ -629,7 +629,7 @@
           <p:cNvPr id="4" name="Date Placeholder 3">
             <a:extLst>
               <a:ext uri="{FF2B5EF4-FFF2-40B4-BE49-F238E27FC236}">
-                <a16:creationId xmlns:a16="http://schemas.microsoft.com/office/drawing/2014/main" xmlns="" id="{4FD0507E-69BF-4BF5-A6D9-2A734C88AD7C}"/>
+                <a16:creationId xmlns="" xmlns:a16="http://schemas.microsoft.com/office/drawing/2014/main" id="{4FD0507E-69BF-4BF5-A6D9-2A734C88AD7C}"/>
               </a:ext>
             </a:extLst>
           </p:cNvPr>
@@ -647,7 +647,7 @@
           <a:p>
             <a:fld id="{B700968D-258E-45B3-80C5-28CAEF180BC0}" type="datetime1">
               <a:rPr lang="en-US" smtClean="0"/>
-              <a:t>5/4/2021</a:t>
+              <a:t>6/21/2021</a:t>
             </a:fld>
             <a:endParaRPr lang="en-US" dirty="0"/>
           </a:p>
@@ -658,7 +658,7 @@
           <p:cNvPr id="5" name="Footer Placeholder 4">
             <a:extLst>
               <a:ext uri="{FF2B5EF4-FFF2-40B4-BE49-F238E27FC236}">
-                <a16:creationId xmlns:a16="http://schemas.microsoft.com/office/drawing/2014/main" xmlns="" id="{902AF944-E7FB-49A9-8DFB-C37D5E1011FC}"/>
+                <a16:creationId xmlns="" xmlns:a16="http://schemas.microsoft.com/office/drawing/2014/main" id="{902AF944-E7FB-49A9-8DFB-C37D5E1011FC}"/>
               </a:ext>
             </a:extLst>
           </p:cNvPr>
@@ -687,7 +687,7 @@
           <p:cNvPr id="6" name="Slide Number Placeholder 5">
             <a:extLst>
               <a:ext uri="{FF2B5EF4-FFF2-40B4-BE49-F238E27FC236}">
-                <a16:creationId xmlns:a16="http://schemas.microsoft.com/office/drawing/2014/main" xmlns="" id="{532F04CC-52DA-4AF6-A6FC-888128F7AA12}"/>
+                <a16:creationId xmlns="" xmlns:a16="http://schemas.microsoft.com/office/drawing/2014/main" id="{532F04CC-52DA-4AF6-A6FC-888128F7AA12}"/>
               </a:ext>
             </a:extLst>
           </p:cNvPr>
@@ -746,7 +746,7 @@
           <p:cNvPr id="2" name="Title 1">
             <a:extLst>
               <a:ext uri="{FF2B5EF4-FFF2-40B4-BE49-F238E27FC236}">
-                <a16:creationId xmlns:a16="http://schemas.microsoft.com/office/drawing/2014/main" xmlns="" id="{5D0F6921-2D48-4E92-B384-7BDD34FBFC69}"/>
+                <a16:creationId xmlns="" xmlns:a16="http://schemas.microsoft.com/office/drawing/2014/main" id="{5D0F6921-2D48-4E92-B384-7BDD34FBFC69}"/>
               </a:ext>
             </a:extLst>
           </p:cNvPr>
@@ -774,7 +774,7 @@
           <p:cNvPr id="3" name="Vertical Text Placeholder 2">
             <a:extLst>
               <a:ext uri="{FF2B5EF4-FFF2-40B4-BE49-F238E27FC236}">
-                <a16:creationId xmlns:a16="http://schemas.microsoft.com/office/drawing/2014/main" xmlns="" id="{9204FD0B-6B5D-4192-B000-69FB451CBAB0}"/>
+                <a16:creationId xmlns="" xmlns:a16="http://schemas.microsoft.com/office/drawing/2014/main" id="{9204FD0B-6B5D-4192-B000-69FB451CBAB0}"/>
               </a:ext>
             </a:extLst>
           </p:cNvPr>
@@ -831,7 +831,7 @@
           <p:cNvPr id="4" name="Date Placeholder 3">
             <a:extLst>
               <a:ext uri="{FF2B5EF4-FFF2-40B4-BE49-F238E27FC236}">
-                <a16:creationId xmlns:a16="http://schemas.microsoft.com/office/drawing/2014/main" xmlns="" id="{D2BF319D-593E-4201-8B50-FCB68C951F34}"/>
+                <a16:creationId xmlns="" xmlns:a16="http://schemas.microsoft.com/office/drawing/2014/main" id="{D2BF319D-593E-4201-8B50-FCB68C951F34}"/>
               </a:ext>
             </a:extLst>
           </p:cNvPr>
@@ -849,7 +849,7 @@
           <a:p>
             <a:fld id="{181D2B7E-5712-460C-B2FC-2ABD1AB9A6B8}" type="datetime1">
               <a:rPr lang="en-US" smtClean="0"/>
-              <a:t>5/4/2021</a:t>
+              <a:t>6/21/2021</a:t>
             </a:fld>
             <a:endParaRPr lang="en-US" dirty="0"/>
           </a:p>
@@ -860,7 +860,7 @@
           <p:cNvPr id="5" name="Footer Placeholder 4">
             <a:extLst>
               <a:ext uri="{FF2B5EF4-FFF2-40B4-BE49-F238E27FC236}">
-                <a16:creationId xmlns:a16="http://schemas.microsoft.com/office/drawing/2014/main" xmlns="" id="{1BE40D03-411F-43BA-A403-F4A4466684D5}"/>
+                <a16:creationId xmlns="" xmlns:a16="http://schemas.microsoft.com/office/drawing/2014/main" id="{1BE40D03-411F-43BA-A403-F4A4466684D5}"/>
               </a:ext>
             </a:extLst>
           </p:cNvPr>
@@ -889,7 +889,7 @@
           <p:cNvPr id="6" name="Slide Number Placeholder 5">
             <a:extLst>
               <a:ext uri="{FF2B5EF4-FFF2-40B4-BE49-F238E27FC236}">
-                <a16:creationId xmlns:a16="http://schemas.microsoft.com/office/drawing/2014/main" xmlns="" id="{4FBCB6CA-9021-4646-A232-FEF14B70F0DE}"/>
+                <a16:creationId xmlns="" xmlns:a16="http://schemas.microsoft.com/office/drawing/2014/main" id="{4FBCB6CA-9021-4646-A232-FEF14B70F0DE}"/>
               </a:ext>
             </a:extLst>
           </p:cNvPr>
@@ -948,7 +948,7 @@
           <p:cNvPr id="2" name="Vertical Title 1">
             <a:extLst>
               <a:ext uri="{FF2B5EF4-FFF2-40B4-BE49-F238E27FC236}">
-                <a16:creationId xmlns:a16="http://schemas.microsoft.com/office/drawing/2014/main" xmlns="" id="{04C2B9FC-8A2E-4D40-94A4-4CCB38C057E2}"/>
+                <a16:creationId xmlns="" xmlns:a16="http://schemas.microsoft.com/office/drawing/2014/main" id="{04C2B9FC-8A2E-4D40-94A4-4CCB38C057E2}"/>
               </a:ext>
             </a:extLst>
           </p:cNvPr>
@@ -981,7 +981,7 @@
           <p:cNvPr id="3" name="Vertical Text Placeholder 2">
             <a:extLst>
               <a:ext uri="{FF2B5EF4-FFF2-40B4-BE49-F238E27FC236}">
-                <a16:creationId xmlns:a16="http://schemas.microsoft.com/office/drawing/2014/main" xmlns="" id="{B93401D5-8947-48F6-9ED7-DD59C8AFE253}"/>
+                <a16:creationId xmlns="" xmlns:a16="http://schemas.microsoft.com/office/drawing/2014/main" id="{B93401D5-8947-48F6-9ED7-DD59C8AFE253}"/>
               </a:ext>
             </a:extLst>
           </p:cNvPr>
@@ -1043,7 +1043,7 @@
           <p:cNvPr id="4" name="Date Placeholder 3">
             <a:extLst>
               <a:ext uri="{FF2B5EF4-FFF2-40B4-BE49-F238E27FC236}">
-                <a16:creationId xmlns:a16="http://schemas.microsoft.com/office/drawing/2014/main" xmlns="" id="{FAE61B60-577B-4A6E-A726-99B60A8143B8}"/>
+                <a16:creationId xmlns="" xmlns:a16="http://schemas.microsoft.com/office/drawing/2014/main" id="{FAE61B60-577B-4A6E-A726-99B60A8143B8}"/>
               </a:ext>
             </a:extLst>
           </p:cNvPr>
@@ -1061,7 +1061,7 @@
           <a:p>
             <a:fld id="{A6EF382A-A718-4A49-BF9C-D8D2E79CC438}" type="datetime1">
               <a:rPr lang="en-US" smtClean="0"/>
-              <a:t>5/4/2021</a:t>
+              <a:t>6/21/2021</a:t>
             </a:fld>
             <a:endParaRPr lang="en-US" dirty="0"/>
           </a:p>
@@ -1072,7 +1072,7 @@
           <p:cNvPr id="5" name="Footer Placeholder 4">
             <a:extLst>
               <a:ext uri="{FF2B5EF4-FFF2-40B4-BE49-F238E27FC236}">
-                <a16:creationId xmlns:a16="http://schemas.microsoft.com/office/drawing/2014/main" xmlns="" id="{10BB4B09-BB3B-4207-94BD-28CE3C49BB56}"/>
+                <a16:creationId xmlns="" xmlns:a16="http://schemas.microsoft.com/office/drawing/2014/main" id="{10BB4B09-BB3B-4207-94BD-28CE3C49BB56}"/>
               </a:ext>
             </a:extLst>
           </p:cNvPr>
@@ -1101,7 +1101,7 @@
           <p:cNvPr id="6" name="Slide Number Placeholder 5">
             <a:extLst>
               <a:ext uri="{FF2B5EF4-FFF2-40B4-BE49-F238E27FC236}">
-                <a16:creationId xmlns:a16="http://schemas.microsoft.com/office/drawing/2014/main" xmlns="" id="{CCD04753-A0DE-4BEA-B9A9-D3312E293671}"/>
+                <a16:creationId xmlns="" xmlns:a16="http://schemas.microsoft.com/office/drawing/2014/main" id="{CCD04753-A0DE-4BEA-B9A9-D3312E293671}"/>
               </a:ext>
             </a:extLst>
           </p:cNvPr>
@@ -1160,7 +1160,7 @@
           <p:cNvPr id="2" name="Title 1">
             <a:extLst>
               <a:ext uri="{FF2B5EF4-FFF2-40B4-BE49-F238E27FC236}">
-                <a16:creationId xmlns:a16="http://schemas.microsoft.com/office/drawing/2014/main" xmlns="" id="{06DC5306-D083-4939-B733-6164F438346B}"/>
+                <a16:creationId xmlns="" xmlns:a16="http://schemas.microsoft.com/office/drawing/2014/main" id="{06DC5306-D083-4939-B733-6164F438346B}"/>
               </a:ext>
             </a:extLst>
           </p:cNvPr>
@@ -1193,7 +1193,7 @@
           <p:cNvPr id="3" name="Content Placeholder 2">
             <a:extLst>
               <a:ext uri="{FF2B5EF4-FFF2-40B4-BE49-F238E27FC236}">
-                <a16:creationId xmlns:a16="http://schemas.microsoft.com/office/drawing/2014/main" xmlns="" id="{B26C14EC-0C1A-4762-9926-1DC0CD7E32D6}"/>
+                <a16:creationId xmlns="" xmlns:a16="http://schemas.microsoft.com/office/drawing/2014/main" id="{B26C14EC-0C1A-4762-9926-1DC0CD7E32D6}"/>
               </a:ext>
             </a:extLst>
           </p:cNvPr>
@@ -1303,7 +1303,7 @@
           <p:cNvPr id="4" name="Date Placeholder 3">
             <a:extLst>
               <a:ext uri="{FF2B5EF4-FFF2-40B4-BE49-F238E27FC236}">
-                <a16:creationId xmlns:a16="http://schemas.microsoft.com/office/drawing/2014/main" xmlns="" id="{603F32E7-7C2D-4D74-8FE8-31C1BB46E388}"/>
+                <a16:creationId xmlns="" xmlns:a16="http://schemas.microsoft.com/office/drawing/2014/main" id="{603F32E7-7C2D-4D74-8FE8-31C1BB46E388}"/>
               </a:ext>
             </a:extLst>
           </p:cNvPr>
@@ -1321,7 +1321,7 @@
           <a:p>
             <a:fld id="{02635DC0-F2AB-437B-AFAF-5E8CC47B7D27}" type="datetime1">
               <a:rPr lang="en-US" smtClean="0"/>
-              <a:t>5/4/2021</a:t>
+              <a:t>6/21/2021</a:t>
             </a:fld>
             <a:endParaRPr lang="en-US" dirty="0"/>
           </a:p>
@@ -1332,7 +1332,7 @@
           <p:cNvPr id="5" name="Footer Placeholder 4">
             <a:extLst>
               <a:ext uri="{FF2B5EF4-FFF2-40B4-BE49-F238E27FC236}">
-                <a16:creationId xmlns:a16="http://schemas.microsoft.com/office/drawing/2014/main" xmlns="" id="{F78BB050-FEA0-4D1A-BE17-8C79358E96A0}"/>
+                <a16:creationId xmlns="" xmlns:a16="http://schemas.microsoft.com/office/drawing/2014/main" id="{F78BB050-FEA0-4D1A-BE17-8C79358E96A0}"/>
               </a:ext>
             </a:extLst>
           </p:cNvPr>
@@ -1361,7 +1361,7 @@
           <p:cNvPr id="6" name="Slide Number Placeholder 5">
             <a:extLst>
               <a:ext uri="{FF2B5EF4-FFF2-40B4-BE49-F238E27FC236}">
-                <a16:creationId xmlns:a16="http://schemas.microsoft.com/office/drawing/2014/main" xmlns="" id="{21AD240F-2FAD-4FB2-BFD1-E042D3B86089}"/>
+                <a16:creationId xmlns="" xmlns:a16="http://schemas.microsoft.com/office/drawing/2014/main" id="{21AD240F-2FAD-4FB2-BFD1-E042D3B86089}"/>
               </a:ext>
             </a:extLst>
           </p:cNvPr>
@@ -1390,7 +1390,7 @@
           <p:cNvPr id="7" name="Picture 6">
             <a:extLst>
               <a:ext uri="{FF2B5EF4-FFF2-40B4-BE49-F238E27FC236}">
-                <a16:creationId xmlns:a16="http://schemas.microsoft.com/office/drawing/2014/main" xmlns="" id="{6F98CED7-CE19-4F1D-926A-D27D844A58B6}"/>
+                <a16:creationId xmlns="" xmlns:a16="http://schemas.microsoft.com/office/drawing/2014/main" id="{6F98CED7-CE19-4F1D-926A-D27D844A58B6}"/>
               </a:ext>
             </a:extLst>
           </p:cNvPr>
@@ -1450,7 +1450,7 @@
           <p:cNvPr id="2" name="Title 1">
             <a:extLst>
               <a:ext uri="{FF2B5EF4-FFF2-40B4-BE49-F238E27FC236}">
-                <a16:creationId xmlns:a16="http://schemas.microsoft.com/office/drawing/2014/main" xmlns="" id="{43FEBD00-E32E-4C5E-B62B-7920EBEBB37A}"/>
+                <a16:creationId xmlns="" xmlns:a16="http://schemas.microsoft.com/office/drawing/2014/main" id="{43FEBD00-E32E-4C5E-B62B-7920EBEBB37A}"/>
               </a:ext>
             </a:extLst>
           </p:cNvPr>
@@ -1487,7 +1487,7 @@
           <p:cNvPr id="3" name="Text Placeholder 2">
             <a:extLst>
               <a:ext uri="{FF2B5EF4-FFF2-40B4-BE49-F238E27FC236}">
-                <a16:creationId xmlns:a16="http://schemas.microsoft.com/office/drawing/2014/main" xmlns="" id="{86A29AF7-6AF5-41D7-8F07-C0E35979098B}"/>
+                <a16:creationId xmlns="" xmlns:a16="http://schemas.microsoft.com/office/drawing/2014/main" id="{86A29AF7-6AF5-41D7-8F07-C0E35979098B}"/>
               </a:ext>
             </a:extLst>
           </p:cNvPr>
@@ -1612,7 +1612,7 @@
           <p:cNvPr id="4" name="Date Placeholder 3">
             <a:extLst>
               <a:ext uri="{FF2B5EF4-FFF2-40B4-BE49-F238E27FC236}">
-                <a16:creationId xmlns:a16="http://schemas.microsoft.com/office/drawing/2014/main" xmlns="" id="{675F44A1-4644-4E67-B495-49DF09BCCB21}"/>
+                <a16:creationId xmlns="" xmlns:a16="http://schemas.microsoft.com/office/drawing/2014/main" id="{675F44A1-4644-4E67-B495-49DF09BCCB21}"/>
               </a:ext>
             </a:extLst>
           </p:cNvPr>
@@ -1630,7 +1630,7 @@
           <a:p>
             <a:fld id="{994AFF0A-47CA-43F5-B000-89992670F348}" type="datetime1">
               <a:rPr lang="en-US" smtClean="0"/>
-              <a:t>5/4/2021</a:t>
+              <a:t>6/21/2021</a:t>
             </a:fld>
             <a:endParaRPr lang="en-US" dirty="0"/>
           </a:p>
@@ -1641,7 +1641,7 @@
           <p:cNvPr id="5" name="Footer Placeholder 4">
             <a:extLst>
               <a:ext uri="{FF2B5EF4-FFF2-40B4-BE49-F238E27FC236}">
-                <a16:creationId xmlns:a16="http://schemas.microsoft.com/office/drawing/2014/main" xmlns="" id="{E8CF0412-9469-4AAF-B3EE-FD338528034B}"/>
+                <a16:creationId xmlns="" xmlns:a16="http://schemas.microsoft.com/office/drawing/2014/main" id="{E8CF0412-9469-4AAF-B3EE-FD338528034B}"/>
               </a:ext>
             </a:extLst>
           </p:cNvPr>
@@ -1670,7 +1670,7 @@
           <p:cNvPr id="6" name="Slide Number Placeholder 5">
             <a:extLst>
               <a:ext uri="{FF2B5EF4-FFF2-40B4-BE49-F238E27FC236}">
-                <a16:creationId xmlns:a16="http://schemas.microsoft.com/office/drawing/2014/main" xmlns="" id="{4294F364-290D-4272-B328-FBD1E82DD35B}"/>
+                <a16:creationId xmlns="" xmlns:a16="http://schemas.microsoft.com/office/drawing/2014/main" id="{4294F364-290D-4272-B328-FBD1E82DD35B}"/>
               </a:ext>
             </a:extLst>
           </p:cNvPr>
@@ -1699,7 +1699,7 @@
           <p:cNvPr id="7" name="Picture 4" descr="http://bainbridgebarn.org/wp-content/uploads/2017/05/BARN-logo-400px.png">
             <a:extLst>
               <a:ext uri="{FF2B5EF4-FFF2-40B4-BE49-F238E27FC236}">
-                <a16:creationId xmlns:a16="http://schemas.microsoft.com/office/drawing/2014/main" xmlns="" id="{EC3DF9F2-26A6-484F-ADBE-96986FE2A319}"/>
+                <a16:creationId xmlns="" xmlns:a16="http://schemas.microsoft.com/office/drawing/2014/main" id="{EC3DF9F2-26A6-484F-ADBE-96986FE2A319}"/>
               </a:ext>
             </a:extLst>
           </p:cNvPr>
@@ -1776,7 +1776,7 @@
           <p:cNvPr id="2" name="Title 1">
             <a:extLst>
               <a:ext uri="{FF2B5EF4-FFF2-40B4-BE49-F238E27FC236}">
-                <a16:creationId xmlns:a16="http://schemas.microsoft.com/office/drawing/2014/main" xmlns="" id="{59A04965-FE4E-4BF9-85E5-E78F9862E311}"/>
+                <a16:creationId xmlns="" xmlns:a16="http://schemas.microsoft.com/office/drawing/2014/main" id="{59A04965-FE4E-4BF9-85E5-E78F9862E311}"/>
               </a:ext>
             </a:extLst>
           </p:cNvPr>
@@ -1804,7 +1804,7 @@
           <p:cNvPr id="3" name="Content Placeholder 2">
             <a:extLst>
               <a:ext uri="{FF2B5EF4-FFF2-40B4-BE49-F238E27FC236}">
-                <a16:creationId xmlns:a16="http://schemas.microsoft.com/office/drawing/2014/main" xmlns="" id="{11C623C4-3C22-4BFC-8EA8-4CE4D6338C91}"/>
+                <a16:creationId xmlns="" xmlns:a16="http://schemas.microsoft.com/office/drawing/2014/main" id="{11C623C4-3C22-4BFC-8EA8-4CE4D6338C91}"/>
               </a:ext>
             </a:extLst>
           </p:cNvPr>
@@ -1866,7 +1866,7 @@
           <p:cNvPr id="4" name="Content Placeholder 3">
             <a:extLst>
               <a:ext uri="{FF2B5EF4-FFF2-40B4-BE49-F238E27FC236}">
-                <a16:creationId xmlns:a16="http://schemas.microsoft.com/office/drawing/2014/main" xmlns="" id="{FCDD1901-0F79-44C6-B393-4AE7AB891CD5}"/>
+                <a16:creationId xmlns="" xmlns:a16="http://schemas.microsoft.com/office/drawing/2014/main" id="{FCDD1901-0F79-44C6-B393-4AE7AB891CD5}"/>
               </a:ext>
             </a:extLst>
           </p:cNvPr>
@@ -1928,7 +1928,7 @@
           <p:cNvPr id="5" name="Date Placeholder 4">
             <a:extLst>
               <a:ext uri="{FF2B5EF4-FFF2-40B4-BE49-F238E27FC236}">
-                <a16:creationId xmlns:a16="http://schemas.microsoft.com/office/drawing/2014/main" xmlns="" id="{DA7ADF7A-5116-4D39-9F39-1DF639AC9A75}"/>
+                <a16:creationId xmlns="" xmlns:a16="http://schemas.microsoft.com/office/drawing/2014/main" id="{DA7ADF7A-5116-4D39-9F39-1DF639AC9A75}"/>
               </a:ext>
             </a:extLst>
           </p:cNvPr>
@@ -1946,7 +1946,7 @@
           <a:p>
             <a:fld id="{E453B032-2008-48A6-8198-E19AFF4BAB54}" type="datetime1">
               <a:rPr lang="en-US" smtClean="0"/>
-              <a:t>5/4/2021</a:t>
+              <a:t>6/21/2021</a:t>
             </a:fld>
             <a:endParaRPr lang="en-US" dirty="0"/>
           </a:p>
@@ -1957,7 +1957,7 @@
           <p:cNvPr id="6" name="Footer Placeholder 5">
             <a:extLst>
               <a:ext uri="{FF2B5EF4-FFF2-40B4-BE49-F238E27FC236}">
-                <a16:creationId xmlns:a16="http://schemas.microsoft.com/office/drawing/2014/main" xmlns="" id="{A86D5173-D3AA-48AE-A958-26851CD70273}"/>
+                <a16:creationId xmlns="" xmlns:a16="http://schemas.microsoft.com/office/drawing/2014/main" id="{A86D5173-D3AA-48AE-A958-26851CD70273}"/>
               </a:ext>
             </a:extLst>
           </p:cNvPr>
@@ -1986,7 +1986,7 @@
           <p:cNvPr id="7" name="Slide Number Placeholder 6">
             <a:extLst>
               <a:ext uri="{FF2B5EF4-FFF2-40B4-BE49-F238E27FC236}">
-                <a16:creationId xmlns:a16="http://schemas.microsoft.com/office/drawing/2014/main" xmlns="" id="{87C5534A-12E8-423B-A42E-A14FD092A863}"/>
+                <a16:creationId xmlns="" xmlns:a16="http://schemas.microsoft.com/office/drawing/2014/main" id="{87C5534A-12E8-423B-A42E-A14FD092A863}"/>
               </a:ext>
             </a:extLst>
           </p:cNvPr>
@@ -2015,7 +2015,7 @@
           <p:cNvPr id="8" name="Picture 4" descr="http://bainbridgebarn.org/wp-content/uploads/2017/05/BARN-logo-400px.png">
             <a:extLst>
               <a:ext uri="{FF2B5EF4-FFF2-40B4-BE49-F238E27FC236}">
-                <a16:creationId xmlns:a16="http://schemas.microsoft.com/office/drawing/2014/main" xmlns="" id="{D54C4964-E9C3-4ED6-81BA-EE511F12D60F}"/>
+                <a16:creationId xmlns="" xmlns:a16="http://schemas.microsoft.com/office/drawing/2014/main" id="{D54C4964-E9C3-4ED6-81BA-EE511F12D60F}"/>
               </a:ext>
             </a:extLst>
           </p:cNvPr>
@@ -2069,7 +2069,7 @@
   </p:clrMapOvr>
   <p:extLst mod="1">
     <p:ext uri="{DCECCB84-F9BA-43D5-87BE-67443E8EF086}">
-      <p15:sldGuideLst xmlns:p15="http://schemas.microsoft.com/office/powerpoint/2012/main" xmlns=""/>
+      <p15:sldGuideLst xmlns="" xmlns:p15="http://schemas.microsoft.com/office/powerpoint/2012/main"/>
     </p:ext>
   </p:extLst>
 </p:sldLayout>
@@ -2097,7 +2097,7 @@
           <p:cNvPr id="2" name="Title 1">
             <a:extLst>
               <a:ext uri="{FF2B5EF4-FFF2-40B4-BE49-F238E27FC236}">
-                <a16:creationId xmlns:a16="http://schemas.microsoft.com/office/drawing/2014/main" xmlns="" id="{929EC5FB-C762-4B7A-8FCA-5A61F394D572}"/>
+                <a16:creationId xmlns="" xmlns:a16="http://schemas.microsoft.com/office/drawing/2014/main" id="{929EC5FB-C762-4B7A-8FCA-5A61F394D572}"/>
               </a:ext>
             </a:extLst>
           </p:cNvPr>
@@ -2130,7 +2130,7 @@
           <p:cNvPr id="3" name="Text Placeholder 2">
             <a:extLst>
               <a:ext uri="{FF2B5EF4-FFF2-40B4-BE49-F238E27FC236}">
-                <a16:creationId xmlns:a16="http://schemas.microsoft.com/office/drawing/2014/main" xmlns="" id="{56956608-731D-4E08-95D4-E9F0D39F1BD4}"/>
+                <a16:creationId xmlns="" xmlns:a16="http://schemas.microsoft.com/office/drawing/2014/main" id="{56956608-731D-4E08-95D4-E9F0D39F1BD4}"/>
               </a:ext>
             </a:extLst>
           </p:cNvPr>
@@ -2201,7 +2201,7 @@
           <p:cNvPr id="4" name="Content Placeholder 3">
             <a:extLst>
               <a:ext uri="{FF2B5EF4-FFF2-40B4-BE49-F238E27FC236}">
-                <a16:creationId xmlns:a16="http://schemas.microsoft.com/office/drawing/2014/main" xmlns="" id="{96EF67BF-245A-4F06-8788-0E5F693B078F}"/>
+                <a16:creationId xmlns="" xmlns:a16="http://schemas.microsoft.com/office/drawing/2014/main" id="{96EF67BF-245A-4F06-8788-0E5F693B078F}"/>
               </a:ext>
             </a:extLst>
           </p:cNvPr>
@@ -2263,7 +2263,7 @@
           <p:cNvPr id="5" name="Text Placeholder 4">
             <a:extLst>
               <a:ext uri="{FF2B5EF4-FFF2-40B4-BE49-F238E27FC236}">
-                <a16:creationId xmlns:a16="http://schemas.microsoft.com/office/drawing/2014/main" xmlns="" id="{84C71A84-00AC-4AB4-8EB3-39A700B69A3D}"/>
+                <a16:creationId xmlns="" xmlns:a16="http://schemas.microsoft.com/office/drawing/2014/main" id="{84C71A84-00AC-4AB4-8EB3-39A700B69A3D}"/>
               </a:ext>
             </a:extLst>
           </p:cNvPr>
@@ -2334,7 +2334,7 @@
           <p:cNvPr id="6" name="Content Placeholder 5">
             <a:extLst>
               <a:ext uri="{FF2B5EF4-FFF2-40B4-BE49-F238E27FC236}">
-                <a16:creationId xmlns:a16="http://schemas.microsoft.com/office/drawing/2014/main" xmlns="" id="{28B035E6-44F6-4178-B15F-2C2D59C5DB18}"/>
+                <a16:creationId xmlns="" xmlns:a16="http://schemas.microsoft.com/office/drawing/2014/main" id="{28B035E6-44F6-4178-B15F-2C2D59C5DB18}"/>
               </a:ext>
             </a:extLst>
           </p:cNvPr>
@@ -2396,7 +2396,7 @@
           <p:cNvPr id="7" name="Date Placeholder 6">
             <a:extLst>
               <a:ext uri="{FF2B5EF4-FFF2-40B4-BE49-F238E27FC236}">
-                <a16:creationId xmlns:a16="http://schemas.microsoft.com/office/drawing/2014/main" xmlns="" id="{35E4424B-443C-428E-89DE-76B69DC272BE}"/>
+                <a16:creationId xmlns="" xmlns:a16="http://schemas.microsoft.com/office/drawing/2014/main" id="{35E4424B-443C-428E-89DE-76B69DC272BE}"/>
               </a:ext>
             </a:extLst>
           </p:cNvPr>
@@ -2414,7 +2414,7 @@
           <a:p>
             <a:fld id="{1621F1C3-6798-46E9-8805-E34D053607E2}" type="datetime1">
               <a:rPr lang="en-US" smtClean="0"/>
-              <a:t>5/4/2021</a:t>
+              <a:t>6/21/2021</a:t>
             </a:fld>
             <a:endParaRPr lang="en-US" dirty="0"/>
           </a:p>
@@ -2425,7 +2425,7 @@
           <p:cNvPr id="8" name="Footer Placeholder 7">
             <a:extLst>
               <a:ext uri="{FF2B5EF4-FFF2-40B4-BE49-F238E27FC236}">
-                <a16:creationId xmlns:a16="http://schemas.microsoft.com/office/drawing/2014/main" xmlns="" id="{B1DE1FF8-4A15-4F38-9425-442C17D7FB6D}"/>
+                <a16:creationId xmlns="" xmlns:a16="http://schemas.microsoft.com/office/drawing/2014/main" id="{B1DE1FF8-4A15-4F38-9425-442C17D7FB6D}"/>
               </a:ext>
             </a:extLst>
           </p:cNvPr>
@@ -2454,7 +2454,7 @@
           <p:cNvPr id="9" name="Slide Number Placeholder 8">
             <a:extLst>
               <a:ext uri="{FF2B5EF4-FFF2-40B4-BE49-F238E27FC236}">
-                <a16:creationId xmlns:a16="http://schemas.microsoft.com/office/drawing/2014/main" xmlns="" id="{D170CE43-696C-45EF-A2C7-A4F60031E411}"/>
+                <a16:creationId xmlns="" xmlns:a16="http://schemas.microsoft.com/office/drawing/2014/main" id="{D170CE43-696C-45EF-A2C7-A4F60031E411}"/>
               </a:ext>
             </a:extLst>
           </p:cNvPr>
@@ -2483,7 +2483,7 @@
           <p:cNvPr id="10" name="Picture 4" descr="http://bainbridgebarn.org/wp-content/uploads/2017/05/BARN-logo-400px.png">
             <a:extLst>
               <a:ext uri="{FF2B5EF4-FFF2-40B4-BE49-F238E27FC236}">
-                <a16:creationId xmlns:a16="http://schemas.microsoft.com/office/drawing/2014/main" xmlns="" id="{14A78AA0-65A7-40B6-9670-ADEDED565ECD}"/>
+                <a16:creationId xmlns="" xmlns:a16="http://schemas.microsoft.com/office/drawing/2014/main" id="{14A78AA0-65A7-40B6-9670-ADEDED565ECD}"/>
               </a:ext>
             </a:extLst>
           </p:cNvPr>
@@ -2537,7 +2537,7 @@
   </p:clrMapOvr>
   <p:extLst mod="1">
     <p:ext uri="{DCECCB84-F9BA-43D5-87BE-67443E8EF086}">
-      <p15:sldGuideLst xmlns:p15="http://schemas.microsoft.com/office/powerpoint/2012/main" xmlns=""/>
+      <p15:sldGuideLst xmlns="" xmlns:p15="http://schemas.microsoft.com/office/powerpoint/2012/main"/>
     </p:ext>
   </p:extLst>
 </p:sldLayout>
@@ -2565,7 +2565,7 @@
           <p:cNvPr id="2" name="Title 1">
             <a:extLst>
               <a:ext uri="{FF2B5EF4-FFF2-40B4-BE49-F238E27FC236}">
-                <a16:creationId xmlns:a16="http://schemas.microsoft.com/office/drawing/2014/main" xmlns="" id="{A132B65A-79B7-4541-9756-E6AAEA1E8E36}"/>
+                <a16:creationId xmlns="" xmlns:a16="http://schemas.microsoft.com/office/drawing/2014/main" id="{A132B65A-79B7-4541-9756-E6AAEA1E8E36}"/>
               </a:ext>
             </a:extLst>
           </p:cNvPr>
@@ -2593,7 +2593,7 @@
           <p:cNvPr id="3" name="Date Placeholder 2">
             <a:extLst>
               <a:ext uri="{FF2B5EF4-FFF2-40B4-BE49-F238E27FC236}">
-                <a16:creationId xmlns:a16="http://schemas.microsoft.com/office/drawing/2014/main" xmlns="" id="{EB8983B1-E3A4-48C3-B14B-3A6DAAC187B2}"/>
+                <a16:creationId xmlns="" xmlns:a16="http://schemas.microsoft.com/office/drawing/2014/main" id="{EB8983B1-E3A4-48C3-B14B-3A6DAAC187B2}"/>
               </a:ext>
             </a:extLst>
           </p:cNvPr>
@@ -2611,7 +2611,7 @@
           <a:p>
             <a:fld id="{7CC049B8-EDEF-43A7-AF24-C17155812422}" type="datetime1">
               <a:rPr lang="en-US" smtClean="0"/>
-              <a:t>5/4/2021</a:t>
+              <a:t>6/21/2021</a:t>
             </a:fld>
             <a:endParaRPr lang="en-US" dirty="0"/>
           </a:p>
@@ -2622,7 +2622,7 @@
           <p:cNvPr id="4" name="Footer Placeholder 3">
             <a:extLst>
               <a:ext uri="{FF2B5EF4-FFF2-40B4-BE49-F238E27FC236}">
-                <a16:creationId xmlns:a16="http://schemas.microsoft.com/office/drawing/2014/main" xmlns="" id="{DED97A8F-FF6E-4429-A4F2-6C4B363A73CB}"/>
+                <a16:creationId xmlns="" xmlns:a16="http://schemas.microsoft.com/office/drawing/2014/main" id="{DED97A8F-FF6E-4429-A4F2-6C4B363A73CB}"/>
               </a:ext>
             </a:extLst>
           </p:cNvPr>
@@ -2651,7 +2651,7 @@
           <p:cNvPr id="5" name="Slide Number Placeholder 4">
             <a:extLst>
               <a:ext uri="{FF2B5EF4-FFF2-40B4-BE49-F238E27FC236}">
-                <a16:creationId xmlns:a16="http://schemas.microsoft.com/office/drawing/2014/main" xmlns="" id="{3570BEEE-36A7-48F0-B6D7-E0F202A4882B}"/>
+                <a16:creationId xmlns="" xmlns:a16="http://schemas.microsoft.com/office/drawing/2014/main" id="{3570BEEE-36A7-48F0-B6D7-E0F202A4882B}"/>
               </a:ext>
             </a:extLst>
           </p:cNvPr>
@@ -2710,7 +2710,7 @@
           <p:cNvPr id="2" name="Date Placeholder 1">
             <a:extLst>
               <a:ext uri="{FF2B5EF4-FFF2-40B4-BE49-F238E27FC236}">
-                <a16:creationId xmlns:a16="http://schemas.microsoft.com/office/drawing/2014/main" xmlns="" id="{005EBEF6-800F-40C9-91D6-1FAAE3174680}"/>
+                <a16:creationId xmlns="" xmlns:a16="http://schemas.microsoft.com/office/drawing/2014/main" id="{005EBEF6-800F-40C9-91D6-1FAAE3174680}"/>
               </a:ext>
             </a:extLst>
           </p:cNvPr>
@@ -2728,7 +2728,7 @@
           <a:p>
             <a:fld id="{4BB227EF-2962-4C5A-9F22-4DD418EE3F2E}" type="datetime1">
               <a:rPr lang="en-US" smtClean="0"/>
-              <a:t>5/4/2021</a:t>
+              <a:t>6/21/2021</a:t>
             </a:fld>
             <a:endParaRPr lang="en-US" dirty="0"/>
           </a:p>
@@ -2739,7 +2739,7 @@
           <p:cNvPr id="3" name="Footer Placeholder 2">
             <a:extLst>
               <a:ext uri="{FF2B5EF4-FFF2-40B4-BE49-F238E27FC236}">
-                <a16:creationId xmlns:a16="http://schemas.microsoft.com/office/drawing/2014/main" xmlns="" id="{9A7E8279-81C8-4D8B-A97B-C4E2CBE9C1E2}"/>
+                <a16:creationId xmlns="" xmlns:a16="http://schemas.microsoft.com/office/drawing/2014/main" id="{9A7E8279-81C8-4D8B-A97B-C4E2CBE9C1E2}"/>
               </a:ext>
             </a:extLst>
           </p:cNvPr>
@@ -2768,7 +2768,7 @@
           <p:cNvPr id="4" name="Slide Number Placeholder 3">
             <a:extLst>
               <a:ext uri="{FF2B5EF4-FFF2-40B4-BE49-F238E27FC236}">
-                <a16:creationId xmlns:a16="http://schemas.microsoft.com/office/drawing/2014/main" xmlns="" id="{7198951E-25C3-4511-B998-4A09C987AB3F}"/>
+                <a16:creationId xmlns="" xmlns:a16="http://schemas.microsoft.com/office/drawing/2014/main" id="{7198951E-25C3-4511-B998-4A09C987AB3F}"/>
               </a:ext>
             </a:extLst>
           </p:cNvPr>
@@ -2827,7 +2827,7 @@
           <p:cNvPr id="2" name="Title 1">
             <a:extLst>
               <a:ext uri="{FF2B5EF4-FFF2-40B4-BE49-F238E27FC236}">
-                <a16:creationId xmlns:a16="http://schemas.microsoft.com/office/drawing/2014/main" xmlns="" id="{AE0C2099-7E5C-4B7D-A6F0-61AB23560AF5}"/>
+                <a16:creationId xmlns="" xmlns:a16="http://schemas.microsoft.com/office/drawing/2014/main" id="{AE0C2099-7E5C-4B7D-A6F0-61AB23560AF5}"/>
               </a:ext>
             </a:extLst>
           </p:cNvPr>
@@ -2864,7 +2864,7 @@
           <p:cNvPr id="3" name="Content Placeholder 2">
             <a:extLst>
               <a:ext uri="{FF2B5EF4-FFF2-40B4-BE49-F238E27FC236}">
-                <a16:creationId xmlns:a16="http://schemas.microsoft.com/office/drawing/2014/main" xmlns="" id="{9763D6B5-2EAA-48D9-9CE0-05EA727599CB}"/>
+                <a16:creationId xmlns="" xmlns:a16="http://schemas.microsoft.com/office/drawing/2014/main" id="{9763D6B5-2EAA-48D9-9CE0-05EA727599CB}"/>
               </a:ext>
             </a:extLst>
           </p:cNvPr>
@@ -2954,7 +2954,7 @@
           <p:cNvPr id="4" name="Text Placeholder 3">
             <a:extLst>
               <a:ext uri="{FF2B5EF4-FFF2-40B4-BE49-F238E27FC236}">
-                <a16:creationId xmlns:a16="http://schemas.microsoft.com/office/drawing/2014/main" xmlns="" id="{B6E80E8C-71DC-4180-90D1-AC2CC03319AF}"/>
+                <a16:creationId xmlns="" xmlns:a16="http://schemas.microsoft.com/office/drawing/2014/main" id="{B6E80E8C-71DC-4180-90D1-AC2CC03319AF}"/>
               </a:ext>
             </a:extLst>
           </p:cNvPr>
@@ -3025,7 +3025,7 @@
           <p:cNvPr id="5" name="Date Placeholder 4">
             <a:extLst>
               <a:ext uri="{FF2B5EF4-FFF2-40B4-BE49-F238E27FC236}">
-                <a16:creationId xmlns:a16="http://schemas.microsoft.com/office/drawing/2014/main" xmlns="" id="{D43F8144-29DB-41AE-B29B-2961F225E5C0}"/>
+                <a16:creationId xmlns="" xmlns:a16="http://schemas.microsoft.com/office/drawing/2014/main" id="{D43F8144-29DB-41AE-B29B-2961F225E5C0}"/>
               </a:ext>
             </a:extLst>
           </p:cNvPr>
@@ -3043,7 +3043,7 @@
           <a:p>
             <a:fld id="{0B2F11FE-BC30-462D-A322-EE38EF89C132}" type="datetime1">
               <a:rPr lang="en-US" smtClean="0"/>
-              <a:t>5/4/2021</a:t>
+              <a:t>6/21/2021</a:t>
             </a:fld>
             <a:endParaRPr lang="en-US" dirty="0"/>
           </a:p>
@@ -3054,7 +3054,7 @@
           <p:cNvPr id="6" name="Footer Placeholder 5">
             <a:extLst>
               <a:ext uri="{FF2B5EF4-FFF2-40B4-BE49-F238E27FC236}">
-                <a16:creationId xmlns:a16="http://schemas.microsoft.com/office/drawing/2014/main" xmlns="" id="{33D61D2A-DCF4-4A34-83D4-D8DB2902C65E}"/>
+                <a16:creationId xmlns="" xmlns:a16="http://schemas.microsoft.com/office/drawing/2014/main" id="{33D61D2A-DCF4-4A34-83D4-D8DB2902C65E}"/>
               </a:ext>
             </a:extLst>
           </p:cNvPr>
@@ -3083,7 +3083,7 @@
           <p:cNvPr id="7" name="Slide Number Placeholder 6">
             <a:extLst>
               <a:ext uri="{FF2B5EF4-FFF2-40B4-BE49-F238E27FC236}">
-                <a16:creationId xmlns:a16="http://schemas.microsoft.com/office/drawing/2014/main" xmlns="" id="{F05918D6-17D6-432A-B40F-BB5F994ED303}"/>
+                <a16:creationId xmlns="" xmlns:a16="http://schemas.microsoft.com/office/drawing/2014/main" id="{F05918D6-17D6-432A-B40F-BB5F994ED303}"/>
               </a:ext>
             </a:extLst>
           </p:cNvPr>
@@ -3119,7 +3119,7 @@
   </p:clrMapOvr>
   <p:extLst mod="1">
     <p:ext uri="{DCECCB84-F9BA-43D5-87BE-67443E8EF086}">
-      <p15:sldGuideLst xmlns:p15="http://schemas.microsoft.com/office/powerpoint/2012/main" xmlns=""/>
+      <p15:sldGuideLst xmlns="" xmlns:p15="http://schemas.microsoft.com/office/powerpoint/2012/main"/>
     </p:ext>
   </p:extLst>
 </p:sldLayout>
@@ -3147,7 +3147,7 @@
           <p:cNvPr id="2" name="Title 1">
             <a:extLst>
               <a:ext uri="{FF2B5EF4-FFF2-40B4-BE49-F238E27FC236}">
-                <a16:creationId xmlns:a16="http://schemas.microsoft.com/office/drawing/2014/main" xmlns="" id="{593ADFC2-C9DF-4B77-A268-2BE3DAD55125}"/>
+                <a16:creationId xmlns="" xmlns:a16="http://schemas.microsoft.com/office/drawing/2014/main" id="{593ADFC2-C9DF-4B77-A268-2BE3DAD55125}"/>
               </a:ext>
             </a:extLst>
           </p:cNvPr>
@@ -3184,7 +3184,7 @@
           <p:cNvPr id="3" name="Picture Placeholder 2">
             <a:extLst>
               <a:ext uri="{FF2B5EF4-FFF2-40B4-BE49-F238E27FC236}">
-                <a16:creationId xmlns:a16="http://schemas.microsoft.com/office/drawing/2014/main" xmlns="" id="{8CCB8474-0292-43C9-B513-5BFD0AE59BE6}"/>
+                <a16:creationId xmlns="" xmlns:a16="http://schemas.microsoft.com/office/drawing/2014/main" id="{8CCB8474-0292-43C9-B513-5BFD0AE59BE6}"/>
               </a:ext>
             </a:extLst>
           </p:cNvPr>
@@ -3251,7 +3251,7 @@
           <p:cNvPr id="4" name="Text Placeholder 3">
             <a:extLst>
               <a:ext uri="{FF2B5EF4-FFF2-40B4-BE49-F238E27FC236}">
-                <a16:creationId xmlns:a16="http://schemas.microsoft.com/office/drawing/2014/main" xmlns="" id="{233D9136-6834-4D6F-8455-11D44203649E}"/>
+                <a16:creationId xmlns="" xmlns:a16="http://schemas.microsoft.com/office/drawing/2014/main" id="{233D9136-6834-4D6F-8455-11D44203649E}"/>
               </a:ext>
             </a:extLst>
           </p:cNvPr>
@@ -3322,7 +3322,7 @@
           <p:cNvPr id="5" name="Date Placeholder 4">
             <a:extLst>
               <a:ext uri="{FF2B5EF4-FFF2-40B4-BE49-F238E27FC236}">
-                <a16:creationId xmlns:a16="http://schemas.microsoft.com/office/drawing/2014/main" xmlns="" id="{44BD6BD2-91B6-4C8F-AFDD-137A8D221EFA}"/>
+                <a16:creationId xmlns="" xmlns:a16="http://schemas.microsoft.com/office/drawing/2014/main" id="{44BD6BD2-91B6-4C8F-AFDD-137A8D221EFA}"/>
               </a:ext>
             </a:extLst>
           </p:cNvPr>
@@ -3340,7 +3340,7 @@
           <a:p>
             <a:fld id="{6EEFE9B0-C803-40EB-BA5C-C14BE453A48D}" type="datetime1">
               <a:rPr lang="en-US" smtClean="0"/>
-              <a:t>5/4/2021</a:t>
+              <a:t>6/21/2021</a:t>
             </a:fld>
             <a:endParaRPr lang="en-US" dirty="0"/>
           </a:p>
@@ -3351,7 +3351,7 @@
           <p:cNvPr id="6" name="Footer Placeholder 5">
             <a:extLst>
               <a:ext uri="{FF2B5EF4-FFF2-40B4-BE49-F238E27FC236}">
-                <a16:creationId xmlns:a16="http://schemas.microsoft.com/office/drawing/2014/main" xmlns="" id="{8EBBF084-FDF9-4497-B33A-2BC59E99DA34}"/>
+                <a16:creationId xmlns="" xmlns:a16="http://schemas.microsoft.com/office/drawing/2014/main" id="{8EBBF084-FDF9-4497-B33A-2BC59E99DA34}"/>
               </a:ext>
             </a:extLst>
           </p:cNvPr>
@@ -3380,7 +3380,7 @@
           <p:cNvPr id="7" name="Slide Number Placeholder 6">
             <a:extLst>
               <a:ext uri="{FF2B5EF4-FFF2-40B4-BE49-F238E27FC236}">
-                <a16:creationId xmlns:a16="http://schemas.microsoft.com/office/drawing/2014/main" xmlns="" id="{4F84EEA4-CA7F-4BF9-B9CE-E345D1A1AC37}"/>
+                <a16:creationId xmlns="" xmlns:a16="http://schemas.microsoft.com/office/drawing/2014/main" id="{4F84EEA4-CA7F-4BF9-B9CE-E345D1A1AC37}"/>
               </a:ext>
             </a:extLst>
           </p:cNvPr>
@@ -3444,7 +3444,7 @@
           <p:cNvPr id="2" name="Title Placeholder 1">
             <a:extLst>
               <a:ext uri="{FF2B5EF4-FFF2-40B4-BE49-F238E27FC236}">
-                <a16:creationId xmlns:a16="http://schemas.microsoft.com/office/drawing/2014/main" xmlns="" id="{016D75D4-ECE9-4C1B-9DE0-B718333BCB7E}"/>
+                <a16:creationId xmlns="" xmlns:a16="http://schemas.microsoft.com/office/drawing/2014/main" id="{016D75D4-ECE9-4C1B-9DE0-B718333BCB7E}"/>
               </a:ext>
             </a:extLst>
           </p:cNvPr>
@@ -3482,7 +3482,7 @@
           <p:cNvPr id="3" name="Text Placeholder 2">
             <a:extLst>
               <a:ext uri="{FF2B5EF4-FFF2-40B4-BE49-F238E27FC236}">
-                <a16:creationId xmlns:a16="http://schemas.microsoft.com/office/drawing/2014/main" xmlns="" id="{C4029048-4933-40E6-9430-5BB8318D0635}"/>
+                <a16:creationId xmlns="" xmlns:a16="http://schemas.microsoft.com/office/drawing/2014/main" id="{C4029048-4933-40E6-9430-5BB8318D0635}"/>
               </a:ext>
             </a:extLst>
           </p:cNvPr>
@@ -3549,7 +3549,7 @@
           <p:cNvPr id="4" name="Date Placeholder 3">
             <a:extLst>
               <a:ext uri="{FF2B5EF4-FFF2-40B4-BE49-F238E27FC236}">
-                <a16:creationId xmlns:a16="http://schemas.microsoft.com/office/drawing/2014/main" xmlns="" id="{9C25BF6D-313B-4E50-AC2F-1AF60895F5EE}"/>
+                <a16:creationId xmlns="" xmlns:a16="http://schemas.microsoft.com/office/drawing/2014/main" id="{9C25BF6D-313B-4E50-AC2F-1AF60895F5EE}"/>
               </a:ext>
             </a:extLst>
           </p:cNvPr>
@@ -3585,7 +3585,7 @@
           <a:p>
             <a:fld id="{2572A453-AFF9-4949-86FD-4853E2E1B335}" type="datetime1">
               <a:rPr lang="en-US" smtClean="0"/>
-              <a:t>5/4/2021</a:t>
+              <a:t>6/21/2021</a:t>
             </a:fld>
             <a:endParaRPr lang="en-US" dirty="0"/>
           </a:p>
@@ -3596,7 +3596,7 @@
           <p:cNvPr id="5" name="Footer Placeholder 4">
             <a:extLst>
               <a:ext uri="{FF2B5EF4-FFF2-40B4-BE49-F238E27FC236}">
-                <a16:creationId xmlns:a16="http://schemas.microsoft.com/office/drawing/2014/main" xmlns="" id="{35151A03-193F-4CD5-9C36-DE08DEFEFDB8}"/>
+                <a16:creationId xmlns="" xmlns:a16="http://schemas.microsoft.com/office/drawing/2014/main" id="{35151A03-193F-4CD5-9C36-DE08DEFEFDB8}"/>
               </a:ext>
             </a:extLst>
           </p:cNvPr>
@@ -3647,7 +3647,7 @@
           <p:cNvPr id="6" name="Slide Number Placeholder 5">
             <a:extLst>
               <a:ext uri="{FF2B5EF4-FFF2-40B4-BE49-F238E27FC236}">
-                <a16:creationId xmlns:a16="http://schemas.microsoft.com/office/drawing/2014/main" xmlns="" id="{928E12CD-F3A5-4F41-A2E6-067ACE7DADBB}"/>
+                <a16:creationId xmlns="" xmlns:a16="http://schemas.microsoft.com/office/drawing/2014/main" id="{928E12CD-F3A5-4F41-A2E6-067ACE7DADBB}"/>
               </a:ext>
             </a:extLst>
           </p:cNvPr>
@@ -3993,7 +3993,7 @@
   </p:txStyles>
   <p:extLst mod="1">
     <p:ext uri="{27BBF7A9-308A-43DC-89C8-2F10F3537804}">
-      <p15:sldGuideLst xmlns:p15="http://schemas.microsoft.com/office/powerpoint/2012/main" xmlns=""/>
+      <p15:sldGuideLst xmlns="" xmlns:p15="http://schemas.microsoft.com/office/powerpoint/2012/main"/>
     </p:ext>
   </p:extLst>
 </p:sldMaster>
@@ -4021,7 +4021,7 @@
           <p:cNvPr id="2" name="Title 1">
             <a:extLst>
               <a:ext uri="{FF2B5EF4-FFF2-40B4-BE49-F238E27FC236}">
-                <a16:creationId xmlns:a16="http://schemas.microsoft.com/office/drawing/2014/main" xmlns="" id="{8F0EEC49-844A-4A0E-8C81-95F595DA2C88}"/>
+                <a16:creationId xmlns="" xmlns:a16="http://schemas.microsoft.com/office/drawing/2014/main" id="{8F0EEC49-844A-4A0E-8C81-95F595DA2C88}"/>
               </a:ext>
             </a:extLst>
           </p:cNvPr>
@@ -4061,7 +4061,7 @@
           <p:cNvPr id="1028" name="Picture 4" descr="http://bainbridgebarn.org/wp-content/uploads/2017/05/BARN-logo-400px.png">
             <a:extLst>
               <a:ext uri="{FF2B5EF4-FFF2-40B4-BE49-F238E27FC236}">
-                <a16:creationId xmlns:a16="http://schemas.microsoft.com/office/drawing/2014/main" xmlns="" id="{FD3779EF-872F-46C5-AF6A-C09BFE4642D2}"/>
+                <a16:creationId xmlns="" xmlns:a16="http://schemas.microsoft.com/office/drawing/2014/main" id="{FD3779EF-872F-46C5-AF6A-C09BFE4642D2}"/>
               </a:ext>
             </a:extLst>
           </p:cNvPr>
@@ -4108,7 +4108,7 @@
           <p:cNvPr id="7" name="TextBox 6">
             <a:extLst>
               <a:ext uri="{FF2B5EF4-FFF2-40B4-BE49-F238E27FC236}">
-                <a16:creationId xmlns:a16="http://schemas.microsoft.com/office/drawing/2014/main" xmlns="" id="{DAC06160-AE7E-44F4-B7CC-4EEFFB267F1A}"/>
+                <a16:creationId xmlns="" xmlns:a16="http://schemas.microsoft.com/office/drawing/2014/main" id="{DAC06160-AE7E-44F4-B7CC-4EEFFB267F1A}"/>
               </a:ext>
             </a:extLst>
           </p:cNvPr>
@@ -4149,7 +4149,11 @@
             <a:pPr algn="ctr"/>
             <a:r>
               <a:rPr lang="en-US" sz="2800" dirty="0" smtClean="0"/>
-              <a:t>Version 2021-05-01</a:t>
+              <a:t>Version </a:t>
+            </a:r>
+            <a:r>
+              <a:rPr lang="en-US" sz="2800" dirty="0" smtClean="0"/>
+              <a:t>2021-06-21</a:t>
             </a:r>
             <a:endParaRPr lang="en-US" sz="2800" dirty="0"/>
           </a:p>
@@ -18007,15 +18011,7 @@
             </a:r>
             <a:r>
               <a:rPr lang="en-US" sz="1600" dirty="0" smtClean="0"/>
-              <a:t>” from the controller list, </a:t>
-            </a:r>
-            <a:r>
-              <a:rPr lang="en-US" sz="1600" dirty="0" smtClean="0"/>
-              <a:t>then Select “Next</a:t>
-            </a:r>
-            <a:r>
-              <a:rPr lang="en-US" sz="1600" dirty="0" smtClean="0"/>
-              <a:t>”.</a:t>
+              <a:t>” from the controller list, then Select “Next”.</a:t>
             </a:r>
           </a:p>
           <a:p>
@@ -18025,15 +18021,7 @@
             </a:pPr>
             <a:r>
               <a:rPr lang="en-US" sz="1600" dirty="0" smtClean="0"/>
-              <a:t>Select “Serial/USB”, </a:t>
-            </a:r>
-            <a:r>
-              <a:rPr lang="en-US" sz="1600" dirty="0" smtClean="0"/>
-              <a:t>then Select Next</a:t>
-            </a:r>
-            <a:r>
-              <a:rPr lang="en-US" sz="1600" dirty="0" smtClean="0"/>
-              <a:t>.</a:t>
+              <a:t>Select “Serial/USB”, then Select Next.</a:t>
             </a:r>
           </a:p>
           <a:p>
@@ -18050,31 +18038,7 @@
             </a:br>
             <a:r>
               <a:rPr lang="en-US" sz="1600" dirty="0" smtClean="0"/>
-              <a:t>B. enter the X and Y dimensions </a:t>
-            </a:r>
-            <a:r>
-              <a:rPr lang="en-US" sz="1600" dirty="0" smtClean="0"/>
-              <a:t>(X = 500mm, Y = 300mm </a:t>
-            </a:r>
-            <a:r>
-              <a:rPr lang="en-US" sz="1600" dirty="0" smtClean="0"/>
-              <a:t>for little </a:t>
-            </a:r>
-            <a:r>
-              <a:rPr lang="en-US" sz="1600" dirty="0" smtClean="0"/>
-              <a:t>Blue; X = 1000mm, Y=600mm </a:t>
-            </a:r>
-            <a:r>
-              <a:rPr lang="en-US" sz="1600" dirty="0" smtClean="0"/>
-              <a:t>for Big Red). Then </a:t>
-            </a:r>
-            <a:r>
-              <a:rPr lang="en-US" sz="1600" dirty="0" smtClean="0"/>
-              <a:t>Select Next</a:t>
-            </a:r>
-            <a:r>
-              <a:rPr lang="en-US" sz="1600" dirty="0" smtClean="0"/>
-              <a:t>.</a:t>
+              <a:t>B. enter the X and Y dimensions (X = 500mm, Y = 300mm for little Blue; X = 1000mm, Y=600mm for Big Red). Then Select Next.</a:t>
             </a:r>
           </a:p>
           <a:p>
@@ -18084,17 +18048,8 @@
             </a:pPr>
             <a:r>
               <a:rPr lang="en-US" sz="1600" dirty="0" smtClean="0"/>
-              <a:t>Select the </a:t>
-            </a:r>
-            <a:r>
-              <a:rPr lang="en-US" sz="1600" dirty="0" smtClean="0"/>
-              <a:t>button </a:t>
-            </a:r>
-            <a:r>
-              <a:rPr lang="en-US" sz="1600" dirty="0" smtClean="0"/>
-              <a:t>for Laser’s origin.  “Rear Right” for Big Red, and “Rear Left” for Little Blue. Then Select Next.</a:t>
-            </a:r>
-            <a:endParaRPr lang="en-US" sz="1600" dirty="0" smtClean="0"/>
+              <a:t>Select the button for Laser’s origin.  “Rear Right” for Big Red, and “Rear Left” for Little Blue. Then Select Next.</a:t>
+            </a:r>
           </a:p>
           <a:p>
             <a:pPr marL="457200" indent="-457200">
@@ -18103,11 +18058,7 @@
             </a:pPr>
             <a:r>
               <a:rPr lang="en-US" sz="1600" dirty="0" smtClean="0"/>
-              <a:t>Select Finish</a:t>
-            </a:r>
-            <a:r>
-              <a:rPr lang="en-US" sz="1600" dirty="0" smtClean="0"/>
-              <a:t>. You are ready to go. </a:t>
+              <a:t>Select Finish. You are ready to go. </a:t>
             </a:r>
           </a:p>
           <a:p>
@@ -21125,7 +21076,6 @@
               <a:rPr lang="en-US" dirty="0" smtClean="0"/>
               <a:t>Click Edit, then select “Settings” to open the Settings window. There are two sections, Display and Units, and File Settings. </a:t>
             </a:r>
-            <a:endParaRPr lang="en-US" dirty="0" smtClean="0"/>
           </a:p>
         </p:txBody>
       </p:sp>
@@ -25452,7 +25402,7 @@
   <a:extraClrSchemeLst/>
   <a:extLst>
     <a:ext uri="{05A4C25C-085E-4340-85A3-A5531E510DB2}">
-      <thm15:themeFamily xmlns:thm15="http://schemas.microsoft.com/office/thememl/2012/main" xmlns="" name="Office Theme" id="{62F939B6-93AF-4DB8-9C6B-D6C7DFDC589F}" vid="{4A3C46E8-61CC-4603-A589-7422A47A8E4A}"/>
+      <thm15:themeFamily xmlns="" xmlns:thm15="http://schemas.microsoft.com/office/thememl/2012/main" name="Office Theme" id="{62F939B6-93AF-4DB8-9C6B-D6C7DFDC589F}" vid="{4A3C46E8-61CC-4603-A589-7422A47A8E4A}"/>
     </a:ext>
   </a:extLst>
 </a:theme>
